--- a/virtual.pptx
+++ b/virtual.pptx
@@ -19,22 +19,24 @@
     <p:sldId id="271" r:id="rId13"/>
     <p:sldId id="257" r:id="rId14"/>
     <p:sldId id="267" r:id="rId15"/>
-    <p:sldId id="264" r:id="rId16"/>
-    <p:sldId id="268" r:id="rId17"/>
-    <p:sldId id="269" r:id="rId18"/>
-    <p:sldId id="273" r:id="rId19"/>
-    <p:sldId id="274" r:id="rId20"/>
-    <p:sldId id="275" r:id="rId21"/>
-    <p:sldId id="276" r:id="rId22"/>
-    <p:sldId id="277" r:id="rId23"/>
-    <p:sldId id="278" r:id="rId24"/>
-    <p:sldId id="272" r:id="rId25"/>
-    <p:sldId id="280" r:id="rId26"/>
-    <p:sldId id="281" r:id="rId27"/>
-    <p:sldId id="282" r:id="rId28"/>
-    <p:sldId id="283" r:id="rId29"/>
-    <p:sldId id="286" r:id="rId30"/>
-    <p:sldId id="279" r:id="rId31"/>
+    <p:sldId id="289" r:id="rId16"/>
+    <p:sldId id="264" r:id="rId17"/>
+    <p:sldId id="268" r:id="rId18"/>
+    <p:sldId id="269" r:id="rId19"/>
+    <p:sldId id="273" r:id="rId20"/>
+    <p:sldId id="274" r:id="rId21"/>
+    <p:sldId id="275" r:id="rId22"/>
+    <p:sldId id="276" r:id="rId23"/>
+    <p:sldId id="287" r:id="rId24"/>
+    <p:sldId id="288" r:id="rId25"/>
+    <p:sldId id="277" r:id="rId26"/>
+    <p:sldId id="278" r:id="rId27"/>
+    <p:sldId id="272" r:id="rId28"/>
+    <p:sldId id="280" r:id="rId29"/>
+    <p:sldId id="281" r:id="rId30"/>
+    <p:sldId id="282" r:id="rId31"/>
+    <p:sldId id="283" r:id="rId32"/>
+    <p:sldId id="279" r:id="rId33"/>
   </p:sldIdLst>
   <p:sldSz cx="12192000" cy="6858000"/>
   <p:notesSz cx="6858000" cy="9144000"/>
@@ -144,7 +146,7 @@
 <file path=ppt/revisionInfo.xml><?xml version="1.0" encoding="utf-8"?>
 <p1510:revInfo xmlns:a="http://schemas.openxmlformats.org/drawingml/2006/main" xmlns:r="http://schemas.openxmlformats.org/officeDocument/2006/relationships" xmlns:p1510="http://schemas.microsoft.com/office/powerpoint/2015/10/main">
   <p1510:revLst>
-    <p1510:client id="{571CCD14-2CD1-46B2-AE08-B993C6591EE1}" v="983" dt="2023-01-17T00:24:16.433"/>
+    <p1510:client id="{6D107C27-A44C-4EA3-9499-C7FA94E7874F}" v="158" dt="2023-05-28T19:36:56.230"/>
   </p1510:revLst>
 </p1510:revInfo>
 </file>
@@ -2255,6 +2257,336 @@
           <pc:docMk/>
           <pc:sldMk cId="2726075864" sldId="286"/>
         </pc:sldMkLst>
+      </pc:sldChg>
+    </pc:docChg>
+  </pc:docChgLst>
+  <pc:docChgLst>
+    <pc:chgData name="Kai Walcott" userId="654001f085ee9bc0" providerId="LiveId" clId="{D3FF531D-23CB-40C0-AEE4-9D788ED1268B}"/>
+    <pc:docChg chg="custSel modSld">
+      <pc:chgData name="Kai Walcott" userId="654001f085ee9bc0" providerId="LiveId" clId="{D3FF531D-23CB-40C0-AEE4-9D788ED1268B}" dt="2023-04-11T18:59:36.420" v="206" actId="20577"/>
+      <pc:docMkLst>
+        <pc:docMk/>
+      </pc:docMkLst>
+      <pc:sldChg chg="addSp modSp mod">
+        <pc:chgData name="Kai Walcott" userId="654001f085ee9bc0" providerId="LiveId" clId="{D3FF531D-23CB-40C0-AEE4-9D788ED1268B}" dt="2023-04-11T18:59:36.420" v="206" actId="20577"/>
+        <pc:sldMkLst>
+          <pc:docMk/>
+          <pc:sldMk cId="1655508430" sldId="256"/>
+        </pc:sldMkLst>
+        <pc:spChg chg="add mod">
+          <ac:chgData name="Kai Walcott" userId="654001f085ee9bc0" providerId="LiveId" clId="{D3FF531D-23CB-40C0-AEE4-9D788ED1268B}" dt="2023-04-11T18:59:36.420" v="206" actId="20577"/>
+          <ac:spMkLst>
+            <pc:docMk/>
+            <pc:sldMk cId="1655508430" sldId="256"/>
+            <ac:spMk id="17" creationId="{6B2D05B1-F2B6-2FF4-86DE-BEAC4ABBB6A5}"/>
+          </ac:spMkLst>
+        </pc:spChg>
+      </pc:sldChg>
+      <pc:sldChg chg="delSp mod modTransition modAnim">
+        <pc:chgData name="Kai Walcott" userId="654001f085ee9bc0" providerId="LiveId" clId="{D3FF531D-23CB-40C0-AEE4-9D788ED1268B}" dt="2023-03-04T19:42:19.627" v="5"/>
+        <pc:sldMkLst>
+          <pc:docMk/>
+          <pc:sldMk cId="3395504040" sldId="266"/>
+        </pc:sldMkLst>
+        <pc:spChg chg="del">
+          <ac:chgData name="Kai Walcott" userId="654001f085ee9bc0" providerId="LiveId" clId="{D3FF531D-23CB-40C0-AEE4-9D788ED1268B}" dt="2023-03-04T19:40:57.782" v="0" actId="478"/>
+          <ac:spMkLst>
+            <pc:docMk/>
+            <pc:sldMk cId="3395504040" sldId="266"/>
+            <ac:spMk id="8" creationId="{F6203AFC-CD9A-03F3-B4F0-0D512FBEB236}"/>
+          </ac:spMkLst>
+        </pc:spChg>
+      </pc:sldChg>
+    </pc:docChg>
+  </pc:docChgLst>
+  <pc:docChgLst>
+    <pc:chgData name="Kai Walcott" userId="654001f085ee9bc0" providerId="LiveId" clId="{6D107C27-A44C-4EA3-9499-C7FA94E7874F}"/>
+    <pc:docChg chg="undo custSel addSld delSld modSld">
+      <pc:chgData name="Kai Walcott" userId="654001f085ee9bc0" providerId="LiveId" clId="{6D107C27-A44C-4EA3-9499-C7FA94E7874F}" dt="2023-05-28T19:37:28.398" v="408" actId="20577"/>
+      <pc:docMkLst>
+        <pc:docMk/>
+      </pc:docMkLst>
+      <pc:sldChg chg="addSp delSp modSp mod delAnim modAnim">
+        <pc:chgData name="Kai Walcott" userId="654001f085ee9bc0" providerId="LiveId" clId="{6D107C27-A44C-4EA3-9499-C7FA94E7874F}" dt="2023-05-28T19:37:28.398" v="408" actId="20577"/>
+        <pc:sldMkLst>
+          <pc:docMk/>
+          <pc:sldMk cId="1655508430" sldId="256"/>
+        </pc:sldMkLst>
+        <pc:spChg chg="mod">
+          <ac:chgData name="Kai Walcott" userId="654001f085ee9bc0" providerId="LiveId" clId="{6D107C27-A44C-4EA3-9499-C7FA94E7874F}" dt="2023-05-28T19:35:45.180" v="405" actId="20577"/>
+          <ac:spMkLst>
+            <pc:docMk/>
+            <pc:sldMk cId="1655508430" sldId="256"/>
+            <ac:spMk id="13" creationId="{8030DC82-104C-D4D0-6FF2-A677FA9BEB4A}"/>
+          </ac:spMkLst>
+        </pc:spChg>
+        <pc:spChg chg="del mod">
+          <ac:chgData name="Kai Walcott" userId="654001f085ee9bc0" providerId="LiveId" clId="{6D107C27-A44C-4EA3-9499-C7FA94E7874F}" dt="2023-05-28T19:35:17.573" v="397" actId="478"/>
+          <ac:spMkLst>
+            <pc:docMk/>
+            <pc:sldMk cId="1655508430" sldId="256"/>
+            <ac:spMk id="17" creationId="{6B2D05B1-F2B6-2FF4-86DE-BEAC4ABBB6A5}"/>
+          </ac:spMkLst>
+        </pc:spChg>
+        <pc:spChg chg="add mod">
+          <ac:chgData name="Kai Walcott" userId="654001f085ee9bc0" providerId="LiveId" clId="{6D107C27-A44C-4EA3-9499-C7FA94E7874F}" dt="2023-05-28T19:37:28.398" v="408" actId="20577"/>
+          <ac:spMkLst>
+            <pc:docMk/>
+            <pc:sldMk cId="1655508430" sldId="256"/>
+            <ac:spMk id="22" creationId="{C86688B0-6318-682B-0DB0-E0426037C497}"/>
+          </ac:spMkLst>
+        </pc:spChg>
+        <pc:picChg chg="add del mod">
+          <ac:chgData name="Kai Walcott" userId="654001f085ee9bc0" providerId="LiveId" clId="{6D107C27-A44C-4EA3-9499-C7FA94E7874F}" dt="2023-05-28T19:10:27.636" v="331" actId="478"/>
+          <ac:picMkLst>
+            <pc:docMk/>
+            <pc:sldMk cId="1655508430" sldId="256"/>
+            <ac:picMk id="19" creationId="{D62DF676-1229-7E38-8ACF-C6E98FEED274}"/>
+          </ac:picMkLst>
+        </pc:picChg>
+        <pc:picChg chg="add mod">
+          <ac:chgData name="Kai Walcott" userId="654001f085ee9bc0" providerId="LiveId" clId="{6D107C27-A44C-4EA3-9499-C7FA94E7874F}" dt="2023-05-28T19:13:50.549" v="344"/>
+          <ac:picMkLst>
+            <pc:docMk/>
+            <pc:sldMk cId="1655508430" sldId="256"/>
+            <ac:picMk id="20" creationId="{D75F381E-DF66-7367-96A2-6364C7095E03}"/>
+          </ac:picMkLst>
+        </pc:picChg>
+        <pc:picChg chg="del mod">
+          <ac:chgData name="Kai Walcott" userId="654001f085ee9bc0" providerId="LiveId" clId="{6D107C27-A44C-4EA3-9499-C7FA94E7874F}" dt="2023-05-28T19:10:31.825" v="332" actId="478"/>
+          <ac:picMkLst>
+            <pc:docMk/>
+            <pc:sldMk cId="1655508430" sldId="256"/>
+            <ac:picMk id="21" creationId="{478E82F4-D90E-4221-17E9-B77309784E9C}"/>
+          </ac:picMkLst>
+        </pc:picChg>
+      </pc:sldChg>
+      <pc:sldChg chg="addSp delSp modSp mod modAnim">
+        <pc:chgData name="Kai Walcott" userId="654001f085ee9bc0" providerId="LiveId" clId="{6D107C27-A44C-4EA3-9499-C7FA94E7874F}" dt="2023-05-28T19:36:56.230" v="407"/>
+        <pc:sldMkLst>
+          <pc:docMk/>
+          <pc:sldMk cId="1420255304" sldId="257"/>
+        </pc:sldMkLst>
+        <pc:spChg chg="del">
+          <ac:chgData name="Kai Walcott" userId="654001f085ee9bc0" providerId="LiveId" clId="{6D107C27-A44C-4EA3-9499-C7FA94E7874F}" dt="2023-05-28T19:36:47.091" v="406" actId="478"/>
+          <ac:spMkLst>
+            <pc:docMk/>
+            <pc:sldMk cId="1420255304" sldId="257"/>
+            <ac:spMk id="13" creationId="{8030DC82-104C-D4D0-6FF2-A677FA9BEB4A}"/>
+          </ac:spMkLst>
+        </pc:spChg>
+        <pc:spChg chg="add mod">
+          <ac:chgData name="Kai Walcott" userId="654001f085ee9bc0" providerId="LiveId" clId="{6D107C27-A44C-4EA3-9499-C7FA94E7874F}" dt="2023-05-28T19:36:56.230" v="407"/>
+          <ac:spMkLst>
+            <pc:docMk/>
+            <pc:sldMk cId="1420255304" sldId="257"/>
+            <ac:spMk id="18" creationId="{3367284F-546C-F048-E2C1-BE8C666C9125}"/>
+          </ac:spMkLst>
+        </pc:spChg>
+        <pc:picChg chg="add mod">
+          <ac:chgData name="Kai Walcott" userId="654001f085ee9bc0" providerId="LiveId" clId="{6D107C27-A44C-4EA3-9499-C7FA94E7874F}" dt="2023-05-28T19:10:53.564" v="334" actId="1076"/>
+          <ac:picMkLst>
+            <pc:docMk/>
+            <pc:sldMk cId="1420255304" sldId="257"/>
+            <ac:picMk id="9" creationId="{BEBED743-9EF1-DC8F-6117-F8B9F26A9B15}"/>
+          </ac:picMkLst>
+        </pc:picChg>
+      </pc:sldChg>
+      <pc:sldChg chg="del">
+        <pc:chgData name="Kai Walcott" userId="654001f085ee9bc0" providerId="LiveId" clId="{6D107C27-A44C-4EA3-9499-C7FA94E7874F}" dt="2023-05-28T19:30:45.173" v="389" actId="47"/>
+        <pc:sldMkLst>
+          <pc:docMk/>
+          <pc:sldMk cId="303036960" sldId="286"/>
+        </pc:sldMkLst>
+      </pc:sldChg>
+      <pc:sldChg chg="addSp delSp modSp new mod modTransition modAnim">
+        <pc:chgData name="Kai Walcott" userId="654001f085ee9bc0" providerId="LiveId" clId="{6D107C27-A44C-4EA3-9499-C7FA94E7874F}" dt="2023-05-28T19:28:57.167" v="388"/>
+        <pc:sldMkLst>
+          <pc:docMk/>
+          <pc:sldMk cId="2156876428" sldId="287"/>
+        </pc:sldMkLst>
+        <pc:spChg chg="del mod">
+          <ac:chgData name="Kai Walcott" userId="654001f085ee9bc0" providerId="LiveId" clId="{6D107C27-A44C-4EA3-9499-C7FA94E7874F}" dt="2023-05-28T18:45:59.096" v="10" actId="478"/>
+          <ac:spMkLst>
+            <pc:docMk/>
+            <pc:sldMk cId="2156876428" sldId="287"/>
+            <ac:spMk id="2" creationId="{34FB5C1D-A784-69FD-533F-8052184F55BB}"/>
+          </ac:spMkLst>
+        </pc:spChg>
+        <pc:spChg chg="add mod">
+          <ac:chgData name="Kai Walcott" userId="654001f085ee9bc0" providerId="LiveId" clId="{6D107C27-A44C-4EA3-9499-C7FA94E7874F}" dt="2023-05-28T18:58:14.937" v="244" actId="1076"/>
+          <ac:spMkLst>
+            <pc:docMk/>
+            <pc:sldMk cId="2156876428" sldId="287"/>
+            <ac:spMk id="3" creationId="{399D9E79-DB43-1DA3-A758-54F41B79A49F}"/>
+          </ac:spMkLst>
+        </pc:spChg>
+        <pc:spChg chg="add mod">
+          <ac:chgData name="Kai Walcott" userId="654001f085ee9bc0" providerId="LiveId" clId="{6D107C27-A44C-4EA3-9499-C7FA94E7874F}" dt="2023-05-28T18:58:40.091" v="246" actId="1076"/>
+          <ac:spMkLst>
+            <pc:docMk/>
+            <pc:sldMk cId="2156876428" sldId="287"/>
+            <ac:spMk id="4" creationId="{12FE4EA2-71FC-224C-A794-CC3A36CE4DF6}"/>
+          </ac:spMkLst>
+        </pc:spChg>
+        <pc:spChg chg="add mod">
+          <ac:chgData name="Kai Walcott" userId="654001f085ee9bc0" providerId="LiveId" clId="{6D107C27-A44C-4EA3-9499-C7FA94E7874F}" dt="2023-05-28T18:47:40.726" v="24" actId="1076"/>
+          <ac:spMkLst>
+            <pc:docMk/>
+            <pc:sldMk cId="2156876428" sldId="287"/>
+            <ac:spMk id="5" creationId="{CB4FF9B6-2A8F-220D-54FD-F6BF2C53C595}"/>
+          </ac:spMkLst>
+        </pc:spChg>
+        <pc:spChg chg="add mod">
+          <ac:chgData name="Kai Walcott" userId="654001f085ee9bc0" providerId="LiveId" clId="{6D107C27-A44C-4EA3-9499-C7FA94E7874F}" dt="2023-05-28T18:48:26.271" v="36" actId="1076"/>
+          <ac:spMkLst>
+            <pc:docMk/>
+            <pc:sldMk cId="2156876428" sldId="287"/>
+            <ac:spMk id="6" creationId="{97AB58C2-C5EA-B43E-1CDD-CC8FD249746D}"/>
+          </ac:spMkLst>
+        </pc:spChg>
+        <pc:spChg chg="add mod">
+          <ac:chgData name="Kai Walcott" userId="654001f085ee9bc0" providerId="LiveId" clId="{6D107C27-A44C-4EA3-9499-C7FA94E7874F}" dt="2023-05-28T18:48:34.726" v="38" actId="1076"/>
+          <ac:spMkLst>
+            <pc:docMk/>
+            <pc:sldMk cId="2156876428" sldId="287"/>
+            <ac:spMk id="7" creationId="{83EC32B5-6279-5C96-CC6E-17A2C3A724AD}"/>
+          </ac:spMkLst>
+        </pc:spChg>
+        <pc:picChg chg="add mod">
+          <ac:chgData name="Kai Walcott" userId="654001f085ee9bc0" providerId="LiveId" clId="{6D107C27-A44C-4EA3-9499-C7FA94E7874F}" dt="2023-05-28T19:04:39.518" v="324"/>
+          <ac:picMkLst>
+            <pc:docMk/>
+            <pc:sldMk cId="2156876428" sldId="287"/>
+            <ac:picMk id="8" creationId="{368706DF-DC35-8B3D-0954-295B9B9189B7}"/>
+          </ac:picMkLst>
+        </pc:picChg>
+      </pc:sldChg>
+      <pc:sldChg chg="addSp delSp modSp add mod modTransition modClrScheme modAnim chgLayout">
+        <pc:chgData name="Kai Walcott" userId="654001f085ee9bc0" providerId="LiveId" clId="{6D107C27-A44C-4EA3-9499-C7FA94E7874F}" dt="2023-05-28T19:31:57.273" v="390"/>
+        <pc:sldMkLst>
+          <pc:docMk/>
+          <pc:sldMk cId="578125677" sldId="288"/>
+        </pc:sldMkLst>
+        <pc:spChg chg="add mod">
+          <ac:chgData name="Kai Walcott" userId="654001f085ee9bc0" providerId="LiveId" clId="{6D107C27-A44C-4EA3-9499-C7FA94E7874F}" dt="2023-05-28T18:55:44.202" v="211" actId="20577"/>
+          <ac:spMkLst>
+            <pc:docMk/>
+            <pc:sldMk cId="578125677" sldId="288"/>
+            <ac:spMk id="2" creationId="{B213572A-1336-DE45-C4F5-AAC832002F62}"/>
+          </ac:spMkLst>
+        </pc:spChg>
+        <pc:spChg chg="del">
+          <ac:chgData name="Kai Walcott" userId="654001f085ee9bc0" providerId="LiveId" clId="{6D107C27-A44C-4EA3-9499-C7FA94E7874F}" dt="2023-05-28T18:54:59.360" v="169" actId="478"/>
+          <ac:spMkLst>
+            <pc:docMk/>
+            <pc:sldMk cId="578125677" sldId="288"/>
+            <ac:spMk id="3" creationId="{399D9E79-DB43-1DA3-A758-54F41B79A49F}"/>
+          </ac:spMkLst>
+        </pc:spChg>
+        <pc:spChg chg="del">
+          <ac:chgData name="Kai Walcott" userId="654001f085ee9bc0" providerId="LiveId" clId="{6D107C27-A44C-4EA3-9499-C7FA94E7874F}" dt="2023-05-28T18:54:59.360" v="169" actId="478"/>
+          <ac:spMkLst>
+            <pc:docMk/>
+            <pc:sldMk cId="578125677" sldId="288"/>
+            <ac:spMk id="4" creationId="{12FE4EA2-71FC-224C-A794-CC3A36CE4DF6}"/>
+          </ac:spMkLst>
+        </pc:spChg>
+        <pc:spChg chg="del">
+          <ac:chgData name="Kai Walcott" userId="654001f085ee9bc0" providerId="LiveId" clId="{6D107C27-A44C-4EA3-9499-C7FA94E7874F}" dt="2023-05-28T18:54:59.360" v="169" actId="478"/>
+          <ac:spMkLst>
+            <pc:docMk/>
+            <pc:sldMk cId="578125677" sldId="288"/>
+            <ac:spMk id="5" creationId="{CB4FF9B6-2A8F-220D-54FD-F6BF2C53C595}"/>
+          </ac:spMkLst>
+        </pc:spChg>
+        <pc:spChg chg="del">
+          <ac:chgData name="Kai Walcott" userId="654001f085ee9bc0" providerId="LiveId" clId="{6D107C27-A44C-4EA3-9499-C7FA94E7874F}" dt="2023-05-28T18:54:59.360" v="169" actId="478"/>
+          <ac:spMkLst>
+            <pc:docMk/>
+            <pc:sldMk cId="578125677" sldId="288"/>
+            <ac:spMk id="6" creationId="{97AB58C2-C5EA-B43E-1CDD-CC8FD249746D}"/>
+          </ac:spMkLst>
+        </pc:spChg>
+        <pc:spChg chg="del">
+          <ac:chgData name="Kai Walcott" userId="654001f085ee9bc0" providerId="LiveId" clId="{6D107C27-A44C-4EA3-9499-C7FA94E7874F}" dt="2023-05-28T18:54:59.360" v="169" actId="478"/>
+          <ac:spMkLst>
+            <pc:docMk/>
+            <pc:sldMk cId="578125677" sldId="288"/>
+            <ac:spMk id="7" creationId="{83EC32B5-6279-5C96-CC6E-17A2C3A724AD}"/>
+          </ac:spMkLst>
+        </pc:spChg>
+        <pc:spChg chg="add del mod">
+          <ac:chgData name="Kai Walcott" userId="654001f085ee9bc0" providerId="LiveId" clId="{6D107C27-A44C-4EA3-9499-C7FA94E7874F}" dt="2023-05-28T18:56:18.029" v="228" actId="478"/>
+          <ac:spMkLst>
+            <pc:docMk/>
+            <pc:sldMk cId="578125677" sldId="288"/>
+            <ac:spMk id="8" creationId="{B3EE0E3E-15A0-EE90-9DE0-84E4554421DB}"/>
+          </ac:spMkLst>
+        </pc:spChg>
+        <pc:spChg chg="add mod">
+          <ac:chgData name="Kai Walcott" userId="654001f085ee9bc0" providerId="LiveId" clId="{6D107C27-A44C-4EA3-9499-C7FA94E7874F}" dt="2023-05-28T19:31:57.273" v="390"/>
+          <ac:spMkLst>
+            <pc:docMk/>
+            <pc:sldMk cId="578125677" sldId="288"/>
+            <ac:spMk id="9" creationId="{20E7D21C-849C-9C5D-E858-FD465EF2B520}"/>
+          </ac:spMkLst>
+        </pc:spChg>
+      </pc:sldChg>
+      <pc:sldChg chg="addSp delSp modSp add mod modAnim">
+        <pc:chgData name="Kai Walcott" userId="654001f085ee9bc0" providerId="LiveId" clId="{6D107C27-A44C-4EA3-9499-C7FA94E7874F}" dt="2023-05-28T19:24:35.919" v="379" actId="1076"/>
+        <pc:sldMkLst>
+          <pc:docMk/>
+          <pc:sldMk cId="1247322664" sldId="289"/>
+        </pc:sldMkLst>
+        <pc:spChg chg="mod">
+          <ac:chgData name="Kai Walcott" userId="654001f085ee9bc0" providerId="LiveId" clId="{6D107C27-A44C-4EA3-9499-C7FA94E7874F}" dt="2023-05-28T19:18:04.553" v="356" actId="14100"/>
+          <ac:spMkLst>
+            <pc:docMk/>
+            <pc:sldMk cId="1247322664" sldId="289"/>
+            <ac:spMk id="3" creationId="{E1D3803A-94F2-2867-6B80-79CA9928EF00}"/>
+          </ac:spMkLst>
+        </pc:spChg>
+        <pc:spChg chg="mod">
+          <ac:chgData name="Kai Walcott" userId="654001f085ee9bc0" providerId="LiveId" clId="{6D107C27-A44C-4EA3-9499-C7FA94E7874F}" dt="2023-05-28T19:24:17.141" v="376" actId="1076"/>
+          <ac:spMkLst>
+            <pc:docMk/>
+            <pc:sldMk cId="1247322664" sldId="289"/>
+            <ac:spMk id="4" creationId="{95A8936A-F9EF-A2C3-79A1-CA2D788A3267}"/>
+          </ac:spMkLst>
+        </pc:spChg>
+        <pc:spChg chg="del">
+          <ac:chgData name="Kai Walcott" userId="654001f085ee9bc0" providerId="LiveId" clId="{6D107C27-A44C-4EA3-9499-C7FA94E7874F}" dt="2023-05-28T19:23:58.749" v="375" actId="478"/>
+          <ac:spMkLst>
+            <pc:docMk/>
+            <pc:sldMk cId="1247322664" sldId="289"/>
+            <ac:spMk id="5" creationId="{FD39CC4C-7D96-413A-57FD-60F567B2968D}"/>
+          </ac:spMkLst>
+        </pc:spChg>
+        <pc:spChg chg="add mod">
+          <ac:chgData name="Kai Walcott" userId="654001f085ee9bc0" providerId="LiveId" clId="{6D107C27-A44C-4EA3-9499-C7FA94E7874F}" dt="2023-05-28T19:24:27.981" v="378" actId="1076"/>
+          <ac:spMkLst>
+            <pc:docMk/>
+            <pc:sldMk cId="1247322664" sldId="289"/>
+            <ac:spMk id="6" creationId="{BCE6D972-A8D5-0E3F-2AB3-4AB7B6BEAD32}"/>
+          </ac:spMkLst>
+        </pc:spChg>
+        <pc:spChg chg="add mod">
+          <ac:chgData name="Kai Walcott" userId="654001f085ee9bc0" providerId="LiveId" clId="{6D107C27-A44C-4EA3-9499-C7FA94E7874F}" dt="2023-05-28T19:24:22.377" v="377" actId="1076"/>
+          <ac:spMkLst>
+            <pc:docMk/>
+            <pc:sldMk cId="1247322664" sldId="289"/>
+            <ac:spMk id="7" creationId="{D6F8E32F-CBA1-2249-9F75-320144BCDF59}"/>
+          </ac:spMkLst>
+        </pc:spChg>
+        <pc:spChg chg="add mod">
+          <ac:chgData name="Kai Walcott" userId="654001f085ee9bc0" providerId="LiveId" clId="{6D107C27-A44C-4EA3-9499-C7FA94E7874F}" dt="2023-05-28T19:24:35.919" v="379" actId="1076"/>
+          <ac:spMkLst>
+            <pc:docMk/>
+            <pc:sldMk cId="1247322664" sldId="289"/>
+            <ac:spMk id="8" creationId="{4C562156-D007-C6DD-2B10-73E3F108D22C}"/>
+          </ac:spMkLst>
+        </pc:spChg>
       </pc:sldChg>
     </pc:docChg>
   </pc:docChgLst>
@@ -2392,7 +2724,7 @@
           <a:p>
             <a:fld id="{B8A26FA8-1628-487E-9485-12E85A242217}" type="datetimeFigureOut">
               <a:rPr lang="en-US" smtClean="0"/>
-              <a:t>1/8/2023</a:t>
+              <a:t>5/28/2023</a:t>
             </a:fld>
             <a:endParaRPr lang="en-US"/>
           </a:p>
@@ -2562,7 +2894,7 @@
           <a:p>
             <a:fld id="{B8A26FA8-1628-487E-9485-12E85A242217}" type="datetimeFigureOut">
               <a:rPr lang="en-US" smtClean="0"/>
-              <a:t>1/8/2023</a:t>
+              <a:t>5/28/2023</a:t>
             </a:fld>
             <a:endParaRPr lang="en-US"/>
           </a:p>
@@ -2742,7 +3074,7 @@
           <a:p>
             <a:fld id="{B8A26FA8-1628-487E-9485-12E85A242217}" type="datetimeFigureOut">
               <a:rPr lang="en-US" smtClean="0"/>
-              <a:t>1/8/2023</a:t>
+              <a:t>5/28/2023</a:t>
             </a:fld>
             <a:endParaRPr lang="en-US"/>
           </a:p>
@@ -2912,7 +3244,7 @@
           <a:p>
             <a:fld id="{B8A26FA8-1628-487E-9485-12E85A242217}" type="datetimeFigureOut">
               <a:rPr lang="en-US" smtClean="0"/>
-              <a:t>1/8/2023</a:t>
+              <a:t>5/28/2023</a:t>
             </a:fld>
             <a:endParaRPr lang="en-US"/>
           </a:p>
@@ -3158,7 +3490,7 @@
           <a:p>
             <a:fld id="{B8A26FA8-1628-487E-9485-12E85A242217}" type="datetimeFigureOut">
               <a:rPr lang="en-US" smtClean="0"/>
-              <a:t>1/8/2023</a:t>
+              <a:t>5/28/2023</a:t>
             </a:fld>
             <a:endParaRPr lang="en-US"/>
           </a:p>
@@ -3390,7 +3722,7 @@
           <a:p>
             <a:fld id="{B8A26FA8-1628-487E-9485-12E85A242217}" type="datetimeFigureOut">
               <a:rPr lang="en-US" smtClean="0"/>
-              <a:t>1/8/2023</a:t>
+              <a:t>5/28/2023</a:t>
             </a:fld>
             <a:endParaRPr lang="en-US"/>
           </a:p>
@@ -3757,7 +4089,7 @@
           <a:p>
             <a:fld id="{B8A26FA8-1628-487E-9485-12E85A242217}" type="datetimeFigureOut">
               <a:rPr lang="en-US" smtClean="0"/>
-              <a:t>1/8/2023</a:t>
+              <a:t>5/28/2023</a:t>
             </a:fld>
             <a:endParaRPr lang="en-US"/>
           </a:p>
@@ -3875,7 +4207,7 @@
           <a:p>
             <a:fld id="{B8A26FA8-1628-487E-9485-12E85A242217}" type="datetimeFigureOut">
               <a:rPr lang="en-US" smtClean="0"/>
-              <a:t>1/8/2023</a:t>
+              <a:t>5/28/2023</a:t>
             </a:fld>
             <a:endParaRPr lang="en-US"/>
           </a:p>
@@ -3970,7 +4302,7 @@
           <a:p>
             <a:fld id="{B8A26FA8-1628-487E-9485-12E85A242217}" type="datetimeFigureOut">
               <a:rPr lang="en-US" smtClean="0"/>
-              <a:t>1/8/2023</a:t>
+              <a:t>5/28/2023</a:t>
             </a:fld>
             <a:endParaRPr lang="en-US"/>
           </a:p>
@@ -4247,7 +4579,7 @@
           <a:p>
             <a:fld id="{B8A26FA8-1628-487E-9485-12E85A242217}" type="datetimeFigureOut">
               <a:rPr lang="en-US" smtClean="0"/>
-              <a:t>1/8/2023</a:t>
+              <a:t>5/28/2023</a:t>
             </a:fld>
             <a:endParaRPr lang="en-US"/>
           </a:p>
@@ -4504,7 +4836,7 @@
           <a:p>
             <a:fld id="{B8A26FA8-1628-487E-9485-12E85A242217}" type="datetimeFigureOut">
               <a:rPr lang="en-US" smtClean="0"/>
-              <a:t>1/8/2023</a:t>
+              <a:t>5/28/2023</a:t>
             </a:fld>
             <a:endParaRPr lang="en-US"/>
           </a:p>
@@ -4717,7 +5049,7 @@
           <a:p>
             <a:fld id="{B8A26FA8-1628-487E-9485-12E85A242217}" type="datetimeFigureOut">
               <a:rPr lang="en-US" smtClean="0"/>
-              <a:t>1/8/2023</a:t>
+              <a:t>5/28/2023</a:t>
             </a:fld>
             <a:endParaRPr lang="en-US"/>
           </a:p>
@@ -5124,54 +5456,7 @@
       </p:grpSpPr>
       <p:sp>
         <p:nvSpPr>
-          <p:cNvPr id="8" name="Rectangle: Rounded Corners 7">
-            <a:extLst>
-              <a:ext uri="{FF2B5EF4-FFF2-40B4-BE49-F238E27FC236}">
-                <a16:creationId xmlns:a16="http://schemas.microsoft.com/office/drawing/2014/main" id="{F6203AFC-CD9A-03F3-B4F0-0D512FBEB236}"/>
-              </a:ext>
-            </a:extLst>
-          </p:cNvPr>
-          <p:cNvSpPr/>
-          <p:nvPr/>
-        </p:nvSpPr>
-        <p:spPr>
-          <a:xfrm>
-            <a:off x="4404360" y="1737360"/>
-            <a:ext cx="3383280" cy="3383280"/>
-          </a:xfrm>
-          <a:prstGeom prst="roundRect">
-            <a:avLst/>
-          </a:prstGeom>
-        </p:spPr>
-        <p:style>
-          <a:lnRef idx="3">
-            <a:schemeClr val="lt1"/>
-          </a:lnRef>
-          <a:fillRef idx="1">
-            <a:schemeClr val="accent4"/>
-          </a:fillRef>
-          <a:effectRef idx="1">
-            <a:schemeClr val="accent4"/>
-          </a:effectRef>
-          <a:fontRef idx="minor">
-            <a:schemeClr val="lt1"/>
-          </a:fontRef>
-        </p:style>
-        <p:txBody>
-          <a:bodyPr rtlCol="0" anchor="ctr"/>
-          <a:lstStyle/>
-          <a:p>
-            <a:pPr algn="ctr"/>
-            <a:endParaRPr lang="en-US" dirty="0"/>
-          </a:p>
-        </p:txBody>
-      </p:sp>
-      <p:sp>
-        <p:nvSpPr>
           <p:cNvPr id="9" name="Oval 8">
-            <a:hlinkClick r:id="" action="ppaction://hlinkshowjump?jump=nextslide">
-              <a:snd r:embed="rId2" name="blipSelect.wav"/>
-            </a:hlinkClick>
             <a:extLst>
               <a:ext uri="{FF2B5EF4-FFF2-40B4-BE49-F238E27FC236}">
                 <a16:creationId xmlns:a16="http://schemas.microsoft.com/office/drawing/2014/main" id="{3C8B4D11-FBCA-1A68-15C5-26C5D83583EA}"/>
@@ -5225,6 +5510,14 @@
   <p:clrMapOvr>
     <a:masterClrMapping/>
   </p:clrMapOvr>
+  <mc:AlternateContent xmlns:mc="http://schemas.openxmlformats.org/markup-compatibility/2006" xmlns:p14="http://schemas.microsoft.com/office/powerpoint/2010/main">
+    <mc:Choice Requires="p14">
+      <p:transition spd="slow" p14:dur="2000" advTm="7600"/>
+    </mc:Choice>
+    <mc:Fallback xmlns="">
+      <p:transition spd="slow" advTm="7600"/>
+    </mc:Fallback>
+  </mc:AlternateContent>
   <p:timing>
     <p:tnLst>
       <p:par>
@@ -5249,7 +5542,7 @@
                             </p:stCondLst>
                             <p:childTnLst>
                               <p:par>
-                                <p:cTn id="5" presetID="14" presetClass="entr" presetSubtype="10" fill="hold" grpId="0" nodeType="withEffect">
+                                <p:cTn id="5" presetID="21" presetClass="entr" presetSubtype="1" fill="hold" grpId="0" nodeType="withEffect">
                                   <p:stCondLst>
                                     <p:cond delay="0"/>
                                   </p:stCondLst>
@@ -5272,9 +5565,9 @@
                                         <p:strVal val="visible"/>
                                       </p:to>
                                     </p:set>
-                                    <p:animEffect transition="in" filter="randombar(horizontal)">
+                                    <p:animEffect transition="in" filter="wheel(1)">
                                       <p:cBhvr>
-                                        <p:cTn id="7" dur="3250"/>
+                                        <p:cTn id="7" dur="7000"/>
                                         <p:tgtEl>
                                           <p:spTgt spid="9"/>
                                         </p:tgtEl>
@@ -6389,58 +6682,6 @@
       </p:sp>
       <p:sp>
         <p:nvSpPr>
-          <p:cNvPr id="13" name="Rectangle: Rounded Corners 12">
-            <a:hlinkClick r:id="rId2" action="ppaction://hlinksldjump"/>
-            <a:extLst>
-              <a:ext uri="{FF2B5EF4-FFF2-40B4-BE49-F238E27FC236}">
-                <a16:creationId xmlns:a16="http://schemas.microsoft.com/office/drawing/2014/main" id="{8030DC82-104C-D4D0-6FF2-A677FA9BEB4A}"/>
-              </a:ext>
-            </a:extLst>
-          </p:cNvPr>
-          <p:cNvSpPr/>
-          <p:nvPr/>
-        </p:nvSpPr>
-        <p:spPr>
-          <a:xfrm>
-            <a:off x="98322" y="5863149"/>
-            <a:ext cx="1248697" cy="785096"/>
-          </a:xfrm>
-          <a:prstGeom prst="roundRect">
-            <a:avLst/>
-          </a:prstGeom>
-          <a:ln>
-            <a:headEnd type="none" w="med" len="med"/>
-            <a:tailEnd type="none" w="med" len="med"/>
-          </a:ln>
-        </p:spPr>
-        <p:style>
-          <a:lnRef idx="1">
-            <a:schemeClr val="accent4"/>
-          </a:lnRef>
-          <a:fillRef idx="2">
-            <a:schemeClr val="accent4"/>
-          </a:fillRef>
-          <a:effectRef idx="1">
-            <a:schemeClr val="accent4"/>
-          </a:effectRef>
-          <a:fontRef idx="minor">
-            <a:schemeClr val="dk1"/>
-          </a:fontRef>
-        </p:style>
-        <p:txBody>
-          <a:bodyPr rtlCol="0" anchor="ctr"/>
-          <a:lstStyle/>
-          <a:p>
-            <a:pPr algn="ctr"/>
-            <a:r>
-              <a:rPr lang="en-US" dirty="0"/>
-              <a:t>Debug Menu</a:t>
-            </a:r>
-          </a:p>
-        </p:txBody>
-      </p:sp>
-      <p:sp>
-        <p:nvSpPr>
           <p:cNvPr id="14" name="Rectangle: Rounded Corners 13">
             <a:extLst>
               <a:ext uri="{FF2B5EF4-FFF2-40B4-BE49-F238E27FC236}">
@@ -6495,10 +6736,10 @@
         <p:nvSpPr>
           <p:cNvPr id="15" name="Rectangle: Rounded Corners 14">
             <a:hlinkClick r:id="" action="ppaction://hlinkshowjump?jump=nextslide">
-              <a:snd r:embed="rId3" name="synth.wav"/>
+              <a:snd r:embed="rId4" name="synth.wav"/>
             </a:hlinkClick>
             <a:hlinkHover r:id="" action="ppaction://noaction">
-              <a:snd r:embed="rId4" name="click.wav"/>
+              <a:snd r:embed="rId5" name="click.wav"/>
             </a:hlinkHover>
             <a:extLst>
               <a:ext uri="{FF2B5EF4-FFF2-40B4-BE49-F238E27FC236}">
@@ -6551,11 +6792,11 @@
       <p:sp>
         <p:nvSpPr>
           <p:cNvPr id="16" name="Rectangle: Rounded Corners 15">
-            <a:hlinkClick r:id="rId5" action="ppaction://hlinksldjump">
-              <a:snd r:embed="rId6" name="blipSelect.wav"/>
+            <a:hlinkClick r:id="rId6" action="ppaction://hlinksldjump">
+              <a:snd r:embed="rId7" name="blipSelect.wav"/>
             </a:hlinkClick>
             <a:hlinkHover r:id="" action="ppaction://noaction">
-              <a:snd r:embed="rId4" name="click.wav"/>
+              <a:snd r:embed="rId5" name="click.wav"/>
             </a:hlinkHover>
             <a:extLst>
               <a:ext uri="{FF2B5EF4-FFF2-40B4-BE49-F238E27FC236}">
@@ -6747,6 +6988,103 @@
           <a:p>
             <a:pPr algn="ctr"/>
             <a:endParaRPr lang="en-US"/>
+          </a:p>
+        </p:txBody>
+      </p:sp>
+      <p:pic>
+        <p:nvPicPr>
+          <p:cNvPr id="9" name="menus">
+            <a:hlinkClick r:id="" action="ppaction://media"/>
+            <a:extLst>
+              <a:ext uri="{FF2B5EF4-FFF2-40B4-BE49-F238E27FC236}">
+                <a16:creationId xmlns:a16="http://schemas.microsoft.com/office/drawing/2014/main" id="{BEBED743-9EF1-DC8F-6117-F8B9F26A9B15}"/>
+              </a:ext>
+            </a:extLst>
+          </p:cNvPr>
+          <p:cNvPicPr>
+            <a:picLocks noChangeAspect="1"/>
+          </p:cNvPicPr>
+          <p:nvPr>
+            <a:audioFile r:link="rId2"/>
+            <p:extLst>
+              <p:ext uri="{DAA4B4D4-6D71-4841-9C94-3DE7FCFB9230}">
+                <p14:media xmlns:p14="http://schemas.microsoft.com/office/powerpoint/2010/main" r:embed="rId1">
+                  <p14:fade in="3000" out="3000"/>
+                </p14:media>
+              </p:ext>
+            </p:extLst>
+          </p:nvPr>
+        </p:nvPicPr>
+        <p:blipFill>
+          <a:blip r:embed="rId8"/>
+          <a:stretch>
+            <a:fillRect/>
+          </a:stretch>
+        </p:blipFill>
+        <p:spPr>
+          <a:xfrm>
+            <a:off x="11558014" y="6160882"/>
+            <a:ext cx="487363" cy="487363"/>
+          </a:xfrm>
+          <a:prstGeom prst="rect">
+            <a:avLst/>
+          </a:prstGeom>
+        </p:spPr>
+      </p:pic>
+      <p:sp>
+        <p:nvSpPr>
+          <p:cNvPr id="18" name="Rectangle: Rounded Corners 17">
+            <a:extLst>
+              <a:ext uri="{FF2B5EF4-FFF2-40B4-BE49-F238E27FC236}">
+                <a16:creationId xmlns:a16="http://schemas.microsoft.com/office/drawing/2014/main" id="{3367284F-546C-F048-E2C1-BE8C666C9125}"/>
+              </a:ext>
+            </a:extLst>
+          </p:cNvPr>
+          <p:cNvSpPr/>
+          <p:nvPr/>
+        </p:nvSpPr>
+        <p:spPr>
+          <a:xfrm>
+            <a:off x="98322" y="5863149"/>
+            <a:ext cx="1248697" cy="785096"/>
+          </a:xfrm>
+          <a:prstGeom prst="roundRect">
+            <a:avLst/>
+          </a:prstGeom>
+          <a:noFill/>
+          <a:ln w="9525" cap="flat" cmpd="sng" algn="ctr">
+            <a:solidFill>
+              <a:schemeClr val="accent4"/>
+            </a:solidFill>
+            <a:prstDash val="solid"/>
+            <a:round/>
+            <a:headEnd type="none" w="med" len="med"/>
+            <a:tailEnd type="none" w="med" len="med"/>
+          </a:ln>
+        </p:spPr>
+        <p:style>
+          <a:lnRef idx="0">
+            <a:scrgbClr r="0" g="0" b="0"/>
+          </a:lnRef>
+          <a:fillRef idx="0">
+            <a:scrgbClr r="0" g="0" b="0"/>
+          </a:fillRef>
+          <a:effectRef idx="0">
+            <a:scrgbClr r="0" g="0" b="0"/>
+          </a:effectRef>
+          <a:fontRef idx="minor">
+            <a:schemeClr val="accent4"/>
+          </a:fontRef>
+        </p:style>
+        <p:txBody>
+          <a:bodyPr rtlCol="0" anchor="ctr"/>
+          <a:lstStyle/>
+          <a:p>
+            <a:pPr algn="ctr"/>
+            <a:r>
+              <a:rPr lang="en-US" dirty="0"/>
+              <a:t>null</a:t>
+            </a:r>
           </a:p>
         </p:txBody>
       </p:sp>
@@ -6796,14 +7134,31 @@
                             </p:stCondLst>
                             <p:childTnLst>
                               <p:par>
-                                <p:cTn id="5" presetID="27" presetClass="emph" presetSubtype="0" repeatCount="indefinite" fill="remove" grpId="0" nodeType="withEffect">
+                                <p:cTn id="5" presetID="1" presetClass="mediacall" presetSubtype="0" fill="hold" nodeType="afterEffect">
+                                  <p:stCondLst>
+                                    <p:cond delay="0"/>
+                                  </p:stCondLst>
+                                  <p:childTnLst>
+                                    <p:cmd type="call" cmd="playFrom(0.0)">
+                                      <p:cBhvr>
+                                        <p:cTn id="6" dur="61570" fill="hold"/>
+                                        <p:tgtEl>
+                                          <p:spTgt spid="9"/>
+                                        </p:tgtEl>
+                                      </p:cBhvr>
+                                    </p:cmd>
+                                  </p:childTnLst>
+                                </p:cTn>
+                              </p:par>
+                              <p:par>
+                                <p:cTn id="7" presetID="27" presetClass="emph" presetSubtype="0" repeatCount="indefinite" fill="remove" grpId="0" nodeType="withEffect">
                                   <p:stCondLst>
                                     <p:cond delay="0"/>
                                   </p:stCondLst>
                                   <p:childTnLst>
                                     <p:animClr clrSpc="rgb" dir="cw">
                                       <p:cBhvr override="childStyle">
-                                        <p:cTn id="6" dur="250" autoRev="1" fill="remove"/>
+                                        <p:cTn id="8" dur="250" autoRev="1" fill="remove"/>
                                         <p:tgtEl>
                                           <p:spTgt spid="5"/>
                                         </p:tgtEl>
@@ -6817,7 +7172,7 @@
                                     </p:animClr>
                                     <p:animClr clrSpc="rgb" dir="cw">
                                       <p:cBhvr>
-                                        <p:cTn id="7" dur="250" autoRev="1" fill="remove"/>
+                                        <p:cTn id="9" dur="250" autoRev="1" fill="remove"/>
                                         <p:tgtEl>
                                           <p:spTgt spid="5"/>
                                         </p:tgtEl>
@@ -6831,7 +7186,7 @@
                                     </p:animClr>
                                     <p:set>
                                       <p:cBhvr>
-                                        <p:cTn id="8" dur="250" autoRev="1" fill="remove"/>
+                                        <p:cTn id="10" dur="250" autoRev="1" fill="remove"/>
                                         <p:tgtEl>
                                           <p:spTgt spid="5"/>
                                         </p:tgtEl>
@@ -6845,7 +7200,7 @@
                                     </p:set>
                                     <p:set>
                                       <p:cBhvr>
-                                        <p:cTn id="9" dur="250" autoRev="1" fill="remove"/>
+                                        <p:cTn id="11" dur="250" autoRev="1" fill="remove"/>
                                         <p:tgtEl>
                                           <p:spTgt spid="5"/>
                                         </p:tgtEl>
@@ -6883,6 +7238,25 @@
                 </p:cond>
               </p:nextCondLst>
             </p:seq>
+            <p:audio>
+              <p:cMediaNode vol="80000">
+                <p:cTn id="12" repeatCount="indefinite" fill="hold" display="0">
+                  <p:stCondLst>
+                    <p:cond delay="indefinite"/>
+                  </p:stCondLst>
+                  <p:endCondLst>
+                    <p:cond evt="onStopAudio" delay="0">
+                      <p:tgtEl>
+                        <p:sldTgt/>
+                      </p:tgtEl>
+                    </p:cond>
+                  </p:endCondLst>
+                </p:cTn>
+                <p:tgtEl>
+                  <p:spTgt spid="9"/>
+                </p:tgtEl>
+              </p:cMediaNode>
+            </p:audio>
           </p:childTnLst>
         </p:cTn>
       </p:par>
@@ -7294,6 +7668,755 @@
 </file>
 
 <file path=ppt/slides/slide15.xml><?xml version="1.0" encoding="utf-8"?>
+<p:sld xmlns:a="http://schemas.openxmlformats.org/drawingml/2006/main" xmlns:r="http://schemas.openxmlformats.org/officeDocument/2006/relationships" xmlns:p="http://schemas.openxmlformats.org/presentationml/2006/main">
+  <p:cSld>
+    <p:spTree>
+      <p:nvGrpSpPr>
+        <p:cNvPr id="1" name=""/>
+        <p:cNvGrpSpPr/>
+        <p:nvPr/>
+      </p:nvGrpSpPr>
+      <p:grpSpPr>
+        <a:xfrm>
+          <a:off x="0" y="0"/>
+          <a:ext cx="0" cy="0"/>
+          <a:chOff x="0" y="0"/>
+          <a:chExt cx="0" cy="0"/>
+        </a:xfrm>
+      </p:grpSpPr>
+      <p:sp>
+        <p:nvSpPr>
+          <p:cNvPr id="2" name="Rectangle: Rounded Corners 1">
+            <a:hlinkHover r:id="" action="ppaction://hlinkshowjump?jump=previousslide"/>
+            <a:extLst>
+              <a:ext uri="{FF2B5EF4-FFF2-40B4-BE49-F238E27FC236}">
+                <a16:creationId xmlns:a16="http://schemas.microsoft.com/office/drawing/2014/main" id="{1FFD8E79-979C-C20E-E332-9448857215CB}"/>
+              </a:ext>
+            </a:extLst>
+          </p:cNvPr>
+          <p:cNvSpPr/>
+          <p:nvPr/>
+        </p:nvSpPr>
+        <p:spPr>
+          <a:xfrm>
+            <a:off x="5702808" y="9832"/>
+            <a:ext cx="786384" cy="6858000"/>
+          </a:xfrm>
+          <a:prstGeom prst="roundRect">
+            <a:avLst/>
+          </a:prstGeom>
+        </p:spPr>
+        <p:style>
+          <a:lnRef idx="1">
+            <a:schemeClr val="dk1"/>
+          </a:lnRef>
+          <a:fillRef idx="2">
+            <a:schemeClr val="dk1"/>
+          </a:fillRef>
+          <a:effectRef idx="1">
+            <a:schemeClr val="dk1"/>
+          </a:effectRef>
+          <a:fontRef idx="minor">
+            <a:schemeClr val="dk1"/>
+          </a:fontRef>
+        </p:style>
+        <p:txBody>
+          <a:bodyPr rtlCol="0" anchor="ctr"/>
+          <a:lstStyle/>
+          <a:p>
+            <a:pPr algn="ctr"/>
+            <a:endParaRPr lang="en-US"/>
+          </a:p>
+        </p:txBody>
+      </p:sp>
+      <p:sp>
+        <p:nvSpPr>
+          <p:cNvPr id="3" name="Rectangle: Rounded Corners 2">
+            <a:hlinkHover r:id="" action="ppaction://hlinkshowjump?jump=previousslide">
+              <a:snd r:embed="rId2" name="laserShoot.wav"/>
+            </a:hlinkHover>
+            <a:extLst>
+              <a:ext uri="{FF2B5EF4-FFF2-40B4-BE49-F238E27FC236}">
+                <a16:creationId xmlns:a16="http://schemas.microsoft.com/office/drawing/2014/main" id="{E1D3803A-94F2-2867-6B80-79CA9928EF00}"/>
+              </a:ext>
+            </a:extLst>
+          </p:cNvPr>
+          <p:cNvSpPr/>
+          <p:nvPr/>
+        </p:nvSpPr>
+        <p:spPr>
+          <a:xfrm>
+            <a:off x="627202" y="-665018"/>
+            <a:ext cx="786384" cy="8811491"/>
+          </a:xfrm>
+          <a:prstGeom prst="roundRect">
+            <a:avLst/>
+          </a:prstGeom>
+          <a:solidFill>
+            <a:schemeClr val="accent6">
+              <a:alpha val="50000"/>
+            </a:schemeClr>
+          </a:solidFill>
+          <a:ln>
+            <a:noFill/>
+          </a:ln>
+        </p:spPr>
+        <p:style>
+          <a:lnRef idx="0">
+            <a:scrgbClr r="0" g="0" b="0"/>
+          </a:lnRef>
+          <a:fillRef idx="0">
+            <a:scrgbClr r="0" g="0" b="0"/>
+          </a:fillRef>
+          <a:effectRef idx="0">
+            <a:scrgbClr r="0" g="0" b="0"/>
+          </a:effectRef>
+          <a:fontRef idx="minor">
+            <a:schemeClr val="lt1"/>
+          </a:fontRef>
+        </p:style>
+        <p:txBody>
+          <a:bodyPr rtlCol="0" anchor="ctr"/>
+          <a:lstStyle/>
+          <a:p>
+            <a:pPr algn="ctr"/>
+            <a:endParaRPr lang="en-US"/>
+          </a:p>
+        </p:txBody>
+      </p:sp>
+      <p:sp>
+        <p:nvSpPr>
+          <p:cNvPr id="4" name="Rectangle: Rounded Corners 3">
+            <a:hlinkClick r:id="" action="ppaction://noaction">
+              <a:snd r:embed="rId3" name="blipSelect.wav"/>
+            </a:hlinkClick>
+            <a:hlinkHover r:id="" action="ppaction://noaction">
+              <a:snd r:embed="rId4" name="click.wav"/>
+            </a:hlinkHover>
+            <a:extLst>
+              <a:ext uri="{FF2B5EF4-FFF2-40B4-BE49-F238E27FC236}">
+                <a16:creationId xmlns:a16="http://schemas.microsoft.com/office/drawing/2014/main" id="{95A8936A-F9EF-A2C3-79A1-CA2D788A3267}"/>
+              </a:ext>
+            </a:extLst>
+          </p:cNvPr>
+          <p:cNvSpPr/>
+          <p:nvPr/>
+        </p:nvSpPr>
+        <p:spPr>
+          <a:xfrm>
+            <a:off x="9173497" y="1489470"/>
+            <a:ext cx="786384" cy="785096"/>
+          </a:xfrm>
+          <a:prstGeom prst="roundRect">
+            <a:avLst/>
+          </a:prstGeom>
+        </p:spPr>
+        <p:style>
+          <a:lnRef idx="2">
+            <a:schemeClr val="accent3">
+              <a:shade val="50000"/>
+            </a:schemeClr>
+          </a:lnRef>
+          <a:fillRef idx="1">
+            <a:schemeClr val="accent3"/>
+          </a:fillRef>
+          <a:effectRef idx="0">
+            <a:schemeClr val="accent3"/>
+          </a:effectRef>
+          <a:fontRef idx="minor">
+            <a:schemeClr val="lt1"/>
+          </a:fontRef>
+        </p:style>
+        <p:txBody>
+          <a:bodyPr rtlCol="0" anchor="ctr"/>
+          <a:lstStyle/>
+          <a:p>
+            <a:pPr algn="ctr"/>
+            <a:endParaRPr lang="en-US"/>
+          </a:p>
+        </p:txBody>
+      </p:sp>
+      <p:sp>
+        <p:nvSpPr>
+          <p:cNvPr id="6" name="Rectangle: Rounded Corners 5">
+            <a:hlinkClick r:id="" action="ppaction://noaction">
+              <a:snd r:embed="rId3" name="blipSelect.wav"/>
+            </a:hlinkClick>
+            <a:hlinkHover r:id="" action="ppaction://noaction">
+              <a:snd r:embed="rId4" name="click.wav"/>
+            </a:hlinkHover>
+            <a:extLst>
+              <a:ext uri="{FF2B5EF4-FFF2-40B4-BE49-F238E27FC236}">
+                <a16:creationId xmlns:a16="http://schemas.microsoft.com/office/drawing/2014/main" id="{BCE6D972-A8D5-0E3F-2AB3-4AB7B6BEAD32}"/>
+              </a:ext>
+            </a:extLst>
+          </p:cNvPr>
+          <p:cNvSpPr/>
+          <p:nvPr/>
+        </p:nvSpPr>
+        <p:spPr>
+          <a:xfrm>
+            <a:off x="9173497" y="4583434"/>
+            <a:ext cx="786384" cy="785096"/>
+          </a:xfrm>
+          <a:prstGeom prst="roundRect">
+            <a:avLst/>
+          </a:prstGeom>
+        </p:spPr>
+        <p:style>
+          <a:lnRef idx="2">
+            <a:schemeClr val="accent3">
+              <a:shade val="50000"/>
+            </a:schemeClr>
+          </a:lnRef>
+          <a:fillRef idx="1">
+            <a:schemeClr val="accent3"/>
+          </a:fillRef>
+          <a:effectRef idx="0">
+            <a:schemeClr val="accent3"/>
+          </a:effectRef>
+          <a:fontRef idx="minor">
+            <a:schemeClr val="lt1"/>
+          </a:fontRef>
+        </p:style>
+        <p:txBody>
+          <a:bodyPr rtlCol="0" anchor="ctr"/>
+          <a:lstStyle/>
+          <a:p>
+            <a:pPr algn="ctr"/>
+            <a:endParaRPr lang="en-US"/>
+          </a:p>
+        </p:txBody>
+      </p:sp>
+      <p:sp>
+        <p:nvSpPr>
+          <p:cNvPr id="7" name="Rectangle: Rounded Corners 6">
+            <a:hlinkClick r:id="" action="ppaction://noaction">
+              <a:snd r:embed="rId3" name="blipSelect.wav"/>
+            </a:hlinkClick>
+            <a:hlinkHover r:id="" action="ppaction://noaction">
+              <a:snd r:embed="rId4" name="click.wav"/>
+            </a:hlinkHover>
+            <a:extLst>
+              <a:ext uri="{FF2B5EF4-FFF2-40B4-BE49-F238E27FC236}">
+                <a16:creationId xmlns:a16="http://schemas.microsoft.com/office/drawing/2014/main" id="{D6F8E32F-CBA1-2249-9F75-320144BCDF59}"/>
+              </a:ext>
+            </a:extLst>
+          </p:cNvPr>
+          <p:cNvSpPr/>
+          <p:nvPr/>
+        </p:nvSpPr>
+        <p:spPr>
+          <a:xfrm>
+            <a:off x="7438152" y="3036452"/>
+            <a:ext cx="786384" cy="785096"/>
+          </a:xfrm>
+          <a:prstGeom prst="roundRect">
+            <a:avLst/>
+          </a:prstGeom>
+        </p:spPr>
+        <p:style>
+          <a:lnRef idx="2">
+            <a:schemeClr val="accent3">
+              <a:shade val="50000"/>
+            </a:schemeClr>
+          </a:lnRef>
+          <a:fillRef idx="1">
+            <a:schemeClr val="accent3"/>
+          </a:fillRef>
+          <a:effectRef idx="0">
+            <a:schemeClr val="accent3"/>
+          </a:effectRef>
+          <a:fontRef idx="minor">
+            <a:schemeClr val="lt1"/>
+          </a:fontRef>
+        </p:style>
+        <p:txBody>
+          <a:bodyPr rtlCol="0" anchor="ctr"/>
+          <a:lstStyle/>
+          <a:p>
+            <a:pPr algn="ctr"/>
+            <a:endParaRPr lang="en-US"/>
+          </a:p>
+        </p:txBody>
+      </p:sp>
+      <p:sp>
+        <p:nvSpPr>
+          <p:cNvPr id="8" name="Rectangle: Rounded Corners 7">
+            <a:hlinkClick r:id="" action="ppaction://hlinkshowjump?jump=nextslide">
+              <a:snd r:embed="rId3" name="blipSelect.wav"/>
+            </a:hlinkClick>
+            <a:hlinkHover r:id="" action="ppaction://noaction">
+              <a:snd r:embed="rId4" name="click.wav"/>
+            </a:hlinkHover>
+            <a:extLst>
+              <a:ext uri="{FF2B5EF4-FFF2-40B4-BE49-F238E27FC236}">
+                <a16:creationId xmlns:a16="http://schemas.microsoft.com/office/drawing/2014/main" id="{4C562156-D007-C6DD-2B10-73E3F108D22C}"/>
+              </a:ext>
+            </a:extLst>
+          </p:cNvPr>
+          <p:cNvSpPr/>
+          <p:nvPr/>
+        </p:nvSpPr>
+        <p:spPr>
+          <a:xfrm>
+            <a:off x="1712573" y="704374"/>
+            <a:ext cx="786384" cy="785096"/>
+          </a:xfrm>
+          <a:prstGeom prst="roundRect">
+            <a:avLst/>
+          </a:prstGeom>
+        </p:spPr>
+        <p:style>
+          <a:lnRef idx="2">
+            <a:schemeClr val="accent1">
+              <a:shade val="50000"/>
+            </a:schemeClr>
+          </a:lnRef>
+          <a:fillRef idx="1">
+            <a:schemeClr val="accent1"/>
+          </a:fillRef>
+          <a:effectRef idx="0">
+            <a:schemeClr val="accent1"/>
+          </a:effectRef>
+          <a:fontRef idx="minor">
+            <a:schemeClr val="lt1"/>
+          </a:fontRef>
+        </p:style>
+        <p:txBody>
+          <a:bodyPr rtlCol="0" anchor="ctr"/>
+          <a:lstStyle/>
+          <a:p>
+            <a:pPr algn="ctr"/>
+            <a:endParaRPr lang="en-US"/>
+          </a:p>
+        </p:txBody>
+      </p:sp>
+    </p:spTree>
+    <p:extLst>
+      <p:ext uri="{BB962C8B-B14F-4D97-AF65-F5344CB8AC3E}">
+        <p14:creationId xmlns:p14="http://schemas.microsoft.com/office/powerpoint/2010/main" val="1247322664"/>
+      </p:ext>
+    </p:extLst>
+  </p:cSld>
+  <p:clrMapOvr>
+    <a:masterClrMapping/>
+  </p:clrMapOvr>
+  <mc:AlternateContent xmlns:mc="http://schemas.openxmlformats.org/markup-compatibility/2006">
+    <mc:Choice xmlns:p159="http://schemas.microsoft.com/office/powerpoint/2015/09/main" Requires="p159">
+      <p:transition xmlns:p14="http://schemas.microsoft.com/office/powerpoint/2010/main" spd="slow" p14:dur="2000">
+        <p159:morph option="byObject"/>
+      </p:transition>
+    </mc:Choice>
+    <mc:Fallback>
+      <p:transition spd="slow">
+        <p:fade/>
+      </p:transition>
+    </mc:Fallback>
+  </mc:AlternateContent>
+  <p:timing>
+    <p:tnLst>
+      <p:par>
+        <p:cTn id="1" dur="indefinite" restart="never" nodeType="tmRoot">
+          <p:childTnLst>
+            <p:seq concurrent="1" nextAc="seek">
+              <p:cTn id="2" dur="indefinite" nodeType="mainSeq">
+                <p:childTnLst>
+                  <p:par>
+                    <p:cTn id="3" fill="hold">
+                      <p:stCondLst>
+                        <p:cond delay="indefinite"/>
+                        <p:cond evt="onBegin" delay="0">
+                          <p:tn val="2"/>
+                        </p:cond>
+                      </p:stCondLst>
+                      <p:childTnLst>
+                        <p:par>
+                          <p:cTn id="4" fill="hold">
+                            <p:stCondLst>
+                              <p:cond delay="0"/>
+                            </p:stCondLst>
+                            <p:childTnLst>
+                              <p:par>
+                                <p:cTn id="5" presetID="63" presetClass="path" presetSubtype="0" repeatCount="indefinite" accel="50000" decel="50000" autoRev="1" fill="hold" grpId="0" nodeType="withEffect">
+                                  <p:stCondLst>
+                                    <p:cond delay="0"/>
+                                  </p:stCondLst>
+                                  <p:childTnLst>
+                                    <p:animMotion origin="layout" path="M -0.00195 -0.00139 L 0.83477 -0.00116 " pathEditMode="relative" rAng="0" ptsTypes="AA">
+                                      <p:cBhvr>
+                                        <p:cTn id="6" dur="3000" fill="hold"/>
+                                        <p:tgtEl>
+                                          <p:spTgt spid="3"/>
+                                        </p:tgtEl>
+                                        <p:attrNameLst>
+                                          <p:attrName>ppt_x</p:attrName>
+                                          <p:attrName>ppt_y</p:attrName>
+                                        </p:attrNameLst>
+                                      </p:cBhvr>
+                                      <p:rCtr x="41836" y="0"/>
+                                    </p:animMotion>
+                                  </p:childTnLst>
+                                </p:cTn>
+                              </p:par>
+                            </p:childTnLst>
+                          </p:cTn>
+                        </p:par>
+                      </p:childTnLst>
+                    </p:cTn>
+                  </p:par>
+                </p:childTnLst>
+              </p:cTn>
+              <p:prevCondLst>
+                <p:cond evt="onPrev" delay="0">
+                  <p:tgtEl>
+                    <p:sldTgt/>
+                  </p:tgtEl>
+                </p:cond>
+              </p:prevCondLst>
+              <p:nextCondLst>
+                <p:cond evt="onNext" delay="0">
+                  <p:tgtEl>
+                    <p:sldTgt/>
+                  </p:tgtEl>
+                </p:cond>
+              </p:nextCondLst>
+            </p:seq>
+            <p:seq concurrent="1" nextAc="seek">
+              <p:cTn id="7" restart="whenNotActive" fill="hold" evtFilter="cancelBubble" nodeType="interactiveSeq">
+                <p:stCondLst>
+                  <p:cond evt="onClick" delay="0">
+                    <p:tgtEl>
+                      <p:spTgt spid="4"/>
+                    </p:tgtEl>
+                  </p:cond>
+                </p:stCondLst>
+                <p:endSync evt="end" delay="0">
+                  <p:rtn val="all"/>
+                </p:endSync>
+                <p:childTnLst>
+                  <p:par>
+                    <p:cTn id="8" fill="hold">
+                      <p:stCondLst>
+                        <p:cond delay="0"/>
+                      </p:stCondLst>
+                      <p:childTnLst>
+                        <p:par>
+                          <p:cTn id="9" fill="hold">
+                            <p:stCondLst>
+                              <p:cond delay="0"/>
+                            </p:stCondLst>
+                            <p:childTnLst>
+                              <p:par>
+                                <p:cTn id="10" presetID="42" presetClass="entr" presetSubtype="0" fill="hold" grpId="0" nodeType="clickEffect">
+                                  <p:stCondLst>
+                                    <p:cond delay="0"/>
+                                  </p:stCondLst>
+                                  <p:childTnLst>
+                                    <p:set>
+                                      <p:cBhvr>
+                                        <p:cTn id="11" dur="1" fill="hold">
+                                          <p:stCondLst>
+                                            <p:cond delay="0"/>
+                                          </p:stCondLst>
+                                        </p:cTn>
+                                        <p:tgtEl>
+                                          <p:spTgt spid="6"/>
+                                        </p:tgtEl>
+                                        <p:attrNameLst>
+                                          <p:attrName>style.visibility</p:attrName>
+                                        </p:attrNameLst>
+                                      </p:cBhvr>
+                                      <p:to>
+                                        <p:strVal val="visible"/>
+                                      </p:to>
+                                    </p:set>
+                                    <p:animEffect transition="in" filter="fade">
+                                      <p:cBhvr>
+                                        <p:cTn id="12" dur="1000"/>
+                                        <p:tgtEl>
+                                          <p:spTgt spid="6"/>
+                                        </p:tgtEl>
+                                      </p:cBhvr>
+                                    </p:animEffect>
+                                    <p:anim calcmode="lin" valueType="num">
+                                      <p:cBhvr>
+                                        <p:cTn id="13" dur="1000" fill="hold"/>
+                                        <p:tgtEl>
+                                          <p:spTgt spid="6"/>
+                                        </p:tgtEl>
+                                        <p:attrNameLst>
+                                          <p:attrName>ppt_x</p:attrName>
+                                        </p:attrNameLst>
+                                      </p:cBhvr>
+                                      <p:tavLst>
+                                        <p:tav tm="0">
+                                          <p:val>
+                                            <p:strVal val="#ppt_x"/>
+                                          </p:val>
+                                        </p:tav>
+                                        <p:tav tm="100000">
+                                          <p:val>
+                                            <p:strVal val="#ppt_x"/>
+                                          </p:val>
+                                        </p:tav>
+                                      </p:tavLst>
+                                    </p:anim>
+                                    <p:anim calcmode="lin" valueType="num">
+                                      <p:cBhvr>
+                                        <p:cTn id="14" dur="1000" fill="hold"/>
+                                        <p:tgtEl>
+                                          <p:spTgt spid="6"/>
+                                        </p:tgtEl>
+                                        <p:attrNameLst>
+                                          <p:attrName>ppt_y</p:attrName>
+                                        </p:attrNameLst>
+                                      </p:cBhvr>
+                                      <p:tavLst>
+                                        <p:tav tm="0">
+                                          <p:val>
+                                            <p:strVal val="#ppt_y+.1"/>
+                                          </p:val>
+                                        </p:tav>
+                                        <p:tav tm="100000">
+                                          <p:val>
+                                            <p:strVal val="#ppt_y"/>
+                                          </p:val>
+                                        </p:tav>
+                                      </p:tavLst>
+                                    </p:anim>
+                                  </p:childTnLst>
+                                </p:cTn>
+                              </p:par>
+                            </p:childTnLst>
+                          </p:cTn>
+                        </p:par>
+                      </p:childTnLst>
+                    </p:cTn>
+                  </p:par>
+                </p:childTnLst>
+              </p:cTn>
+              <p:nextCondLst>
+                <p:cond evt="onClick" delay="0">
+                  <p:tgtEl>
+                    <p:spTgt spid="4"/>
+                  </p:tgtEl>
+                </p:cond>
+              </p:nextCondLst>
+            </p:seq>
+            <p:seq concurrent="1" nextAc="seek">
+              <p:cTn id="15" restart="whenNotActive" fill="hold" evtFilter="cancelBubble" nodeType="interactiveSeq">
+                <p:stCondLst>
+                  <p:cond evt="onClick" delay="0">
+                    <p:tgtEl>
+                      <p:spTgt spid="6"/>
+                    </p:tgtEl>
+                  </p:cond>
+                </p:stCondLst>
+                <p:endSync evt="end" delay="0">
+                  <p:rtn val="all"/>
+                </p:endSync>
+                <p:childTnLst>
+                  <p:par>
+                    <p:cTn id="16" fill="hold">
+                      <p:stCondLst>
+                        <p:cond delay="0"/>
+                      </p:stCondLst>
+                      <p:childTnLst>
+                        <p:par>
+                          <p:cTn id="17" fill="hold">
+                            <p:stCondLst>
+                              <p:cond delay="0"/>
+                            </p:stCondLst>
+                            <p:childTnLst>
+                              <p:par>
+                                <p:cTn id="18" presetID="42" presetClass="entr" presetSubtype="0" fill="hold" grpId="0" nodeType="clickEffect">
+                                  <p:stCondLst>
+                                    <p:cond delay="0"/>
+                                  </p:stCondLst>
+                                  <p:childTnLst>
+                                    <p:set>
+                                      <p:cBhvr>
+                                        <p:cTn id="19" dur="1" fill="hold">
+                                          <p:stCondLst>
+                                            <p:cond delay="0"/>
+                                          </p:stCondLst>
+                                        </p:cTn>
+                                        <p:tgtEl>
+                                          <p:spTgt spid="7"/>
+                                        </p:tgtEl>
+                                        <p:attrNameLst>
+                                          <p:attrName>style.visibility</p:attrName>
+                                        </p:attrNameLst>
+                                      </p:cBhvr>
+                                      <p:to>
+                                        <p:strVal val="visible"/>
+                                      </p:to>
+                                    </p:set>
+                                    <p:animEffect transition="in" filter="fade">
+                                      <p:cBhvr>
+                                        <p:cTn id="20" dur="1000"/>
+                                        <p:tgtEl>
+                                          <p:spTgt spid="7"/>
+                                        </p:tgtEl>
+                                      </p:cBhvr>
+                                    </p:animEffect>
+                                    <p:anim calcmode="lin" valueType="num">
+                                      <p:cBhvr>
+                                        <p:cTn id="21" dur="1000" fill="hold"/>
+                                        <p:tgtEl>
+                                          <p:spTgt spid="7"/>
+                                        </p:tgtEl>
+                                        <p:attrNameLst>
+                                          <p:attrName>ppt_x</p:attrName>
+                                        </p:attrNameLst>
+                                      </p:cBhvr>
+                                      <p:tavLst>
+                                        <p:tav tm="0">
+                                          <p:val>
+                                            <p:strVal val="#ppt_x"/>
+                                          </p:val>
+                                        </p:tav>
+                                        <p:tav tm="100000">
+                                          <p:val>
+                                            <p:strVal val="#ppt_x"/>
+                                          </p:val>
+                                        </p:tav>
+                                      </p:tavLst>
+                                    </p:anim>
+                                    <p:anim calcmode="lin" valueType="num">
+                                      <p:cBhvr>
+                                        <p:cTn id="22" dur="1000" fill="hold"/>
+                                        <p:tgtEl>
+                                          <p:spTgt spid="7"/>
+                                        </p:tgtEl>
+                                        <p:attrNameLst>
+                                          <p:attrName>ppt_y</p:attrName>
+                                        </p:attrNameLst>
+                                      </p:cBhvr>
+                                      <p:tavLst>
+                                        <p:tav tm="0">
+                                          <p:val>
+                                            <p:strVal val="#ppt_y+.1"/>
+                                          </p:val>
+                                        </p:tav>
+                                        <p:tav tm="100000">
+                                          <p:val>
+                                            <p:strVal val="#ppt_y"/>
+                                          </p:val>
+                                        </p:tav>
+                                      </p:tavLst>
+                                    </p:anim>
+                                  </p:childTnLst>
+                                </p:cTn>
+                              </p:par>
+                            </p:childTnLst>
+                          </p:cTn>
+                        </p:par>
+                      </p:childTnLst>
+                    </p:cTn>
+                  </p:par>
+                </p:childTnLst>
+              </p:cTn>
+              <p:nextCondLst>
+                <p:cond evt="onClick" delay="0">
+                  <p:tgtEl>
+                    <p:spTgt spid="6"/>
+                  </p:tgtEl>
+                </p:cond>
+              </p:nextCondLst>
+            </p:seq>
+            <p:seq concurrent="1" nextAc="seek">
+              <p:cTn id="23" restart="whenNotActive" fill="hold" evtFilter="cancelBubble" nodeType="interactiveSeq">
+                <p:stCondLst>
+                  <p:cond evt="onClick" delay="0">
+                    <p:tgtEl>
+                      <p:spTgt spid="7"/>
+                    </p:tgtEl>
+                  </p:cond>
+                </p:stCondLst>
+                <p:endSync evt="end" delay="0">
+                  <p:rtn val="all"/>
+                </p:endSync>
+                <p:childTnLst>
+                  <p:par>
+                    <p:cTn id="24" fill="hold">
+                      <p:stCondLst>
+                        <p:cond delay="0"/>
+                      </p:stCondLst>
+                      <p:childTnLst>
+                        <p:par>
+                          <p:cTn id="25" fill="hold">
+                            <p:stCondLst>
+                              <p:cond delay="0"/>
+                            </p:stCondLst>
+                            <p:childTnLst>
+                              <p:par>
+                                <p:cTn id="26" presetID="22" presetClass="exit" presetSubtype="4" fill="hold" grpId="0" nodeType="clickEffect">
+                                  <p:stCondLst>
+                                    <p:cond delay="0"/>
+                                  </p:stCondLst>
+                                  <p:childTnLst>
+                                    <p:animEffect transition="out" filter="wipe(down)">
+                                      <p:cBhvr>
+                                        <p:cTn id="27" dur="1000"/>
+                                        <p:tgtEl>
+                                          <p:spTgt spid="2"/>
+                                        </p:tgtEl>
+                                      </p:cBhvr>
+                                    </p:animEffect>
+                                    <p:set>
+                                      <p:cBhvr>
+                                        <p:cTn id="28" dur="1" fill="hold">
+                                          <p:stCondLst>
+                                            <p:cond delay="999"/>
+                                          </p:stCondLst>
+                                        </p:cTn>
+                                        <p:tgtEl>
+                                          <p:spTgt spid="2"/>
+                                        </p:tgtEl>
+                                        <p:attrNameLst>
+                                          <p:attrName>style.visibility</p:attrName>
+                                        </p:attrNameLst>
+                                      </p:cBhvr>
+                                      <p:to>
+                                        <p:strVal val="hidden"/>
+                                      </p:to>
+                                    </p:set>
+                                  </p:childTnLst>
+                                </p:cTn>
+                              </p:par>
+                            </p:childTnLst>
+                          </p:cTn>
+                        </p:par>
+                      </p:childTnLst>
+                    </p:cTn>
+                  </p:par>
+                </p:childTnLst>
+              </p:cTn>
+              <p:nextCondLst>
+                <p:cond evt="onClick" delay="0">
+                  <p:tgtEl>
+                    <p:spTgt spid="7"/>
+                  </p:tgtEl>
+                </p:cond>
+              </p:nextCondLst>
+            </p:seq>
+          </p:childTnLst>
+        </p:cTn>
+      </p:par>
+    </p:tnLst>
+    <p:bldLst>
+      <p:bldP spid="2" grpId="0" animBg="1"/>
+      <p:bldP spid="3" grpId="0" animBg="1"/>
+      <p:bldP spid="6" grpId="0" animBg="1"/>
+      <p:bldP spid="7" grpId="0" animBg="1"/>
+    </p:bldLst>
+  </p:timing>
+</p:sld>
+</file>
+
+<file path=ppt/slides/slide16.xml><?xml version="1.0" encoding="utf-8"?>
 <p:sld xmlns:a="http://schemas.openxmlformats.org/drawingml/2006/main" xmlns:r="http://schemas.openxmlformats.org/officeDocument/2006/relationships" xmlns:p="http://schemas.openxmlformats.org/presentationml/2006/main">
   <p:cSld>
     <p:spTree>
@@ -7944,7 +9067,7 @@
 </p:sld>
 </file>
 
-<file path=ppt/slides/slide16.xml><?xml version="1.0" encoding="utf-8"?>
+<file path=ppt/slides/slide17.xml><?xml version="1.0" encoding="utf-8"?>
 <p:sld xmlns:a="http://schemas.openxmlformats.org/drawingml/2006/main" xmlns:r="http://schemas.openxmlformats.org/officeDocument/2006/relationships" xmlns:p="http://schemas.openxmlformats.org/presentationml/2006/main">
   <p:cSld>
     <p:spTree>
@@ -8710,7 +9833,7 @@
 </p:sld>
 </file>
 
-<file path=ppt/slides/slide17.xml><?xml version="1.0" encoding="utf-8"?>
+<file path=ppt/slides/slide18.xml><?xml version="1.0" encoding="utf-8"?>
 <p:sld xmlns:a="http://schemas.openxmlformats.org/drawingml/2006/main" xmlns:r="http://schemas.openxmlformats.org/officeDocument/2006/relationships" xmlns:p="http://schemas.openxmlformats.org/presentationml/2006/main">
   <p:cSld>
     <p:spTree>
@@ -9232,13 +10355,13 @@
   <p:clrMapOvr>
     <a:masterClrMapping/>
   </p:clrMapOvr>
-  <mc:AlternateContent xmlns:mc="http://schemas.openxmlformats.org/markup-compatibility/2006">
-    <mc:Choice xmlns:p159="http://schemas.microsoft.com/office/powerpoint/2015/09/main" Requires="p159">
+  <mc:AlternateContent xmlns:mc="http://schemas.openxmlformats.org/markup-compatibility/2006" xmlns:p159="http://schemas.microsoft.com/office/powerpoint/2015/09/main">
+    <mc:Choice Requires="p159">
       <p:transition xmlns:p14="http://schemas.microsoft.com/office/powerpoint/2010/main" spd="slow" p14:dur="2000">
         <p159:morph option="byObject"/>
       </p:transition>
     </mc:Choice>
-    <mc:Fallback>
+    <mc:Fallback xmlns="">
       <p:transition spd="slow">
         <p:fade/>
       </p:transition>
@@ -9762,314 +10885,6 @@
 </p:sld>
 </file>
 
-<file path=ppt/slides/slide18.xml><?xml version="1.0" encoding="utf-8"?>
-<p:sld xmlns:a="http://schemas.openxmlformats.org/drawingml/2006/main" xmlns:r="http://schemas.openxmlformats.org/officeDocument/2006/relationships" xmlns:p="http://schemas.openxmlformats.org/presentationml/2006/main">
-  <p:cSld>
-    <p:spTree>
-      <p:nvGrpSpPr>
-        <p:cNvPr id="1" name=""/>
-        <p:cNvGrpSpPr/>
-        <p:nvPr/>
-      </p:nvGrpSpPr>
-      <p:grpSpPr>
-        <a:xfrm>
-          <a:off x="0" y="0"/>
-          <a:ext cx="0" cy="0"/>
-          <a:chOff x="0" y="0"/>
-          <a:chExt cx="0" cy="0"/>
-        </a:xfrm>
-      </p:grpSpPr>
-      <p:sp>
-        <p:nvSpPr>
-          <p:cNvPr id="4" name="Rectangle: Rounded Corners 3">
-            <a:hlinkHover r:id="" action="ppaction://hlinkshowjump?jump=lastslideviewed"/>
-            <a:extLst>
-              <a:ext uri="{FF2B5EF4-FFF2-40B4-BE49-F238E27FC236}">
-                <a16:creationId xmlns:a16="http://schemas.microsoft.com/office/drawing/2014/main" id="{416A1BD4-BB7E-7F06-6A21-103E1E430865}"/>
-              </a:ext>
-            </a:extLst>
-          </p:cNvPr>
-          <p:cNvSpPr/>
-          <p:nvPr/>
-        </p:nvSpPr>
-        <p:spPr>
-          <a:xfrm>
-            <a:off x="531668" y="1"/>
-            <a:ext cx="11128664" cy="968188"/>
-          </a:xfrm>
-          <a:prstGeom prst="roundRect">
-            <a:avLst/>
-          </a:prstGeom>
-        </p:spPr>
-        <p:style>
-          <a:lnRef idx="2">
-            <a:schemeClr val="accent4">
-              <a:shade val="50000"/>
-            </a:schemeClr>
-          </a:lnRef>
-          <a:fillRef idx="1">
-            <a:schemeClr val="accent4"/>
-          </a:fillRef>
-          <a:effectRef idx="0">
-            <a:schemeClr val="accent4"/>
-          </a:effectRef>
-          <a:fontRef idx="minor">
-            <a:schemeClr val="lt1"/>
-          </a:fontRef>
-        </p:style>
-        <p:txBody>
-          <a:bodyPr rtlCol="0" anchor="ctr"/>
-          <a:lstStyle/>
-          <a:p>
-            <a:pPr algn="ctr"/>
-            <a:endParaRPr lang="en-US"/>
-          </a:p>
-        </p:txBody>
-      </p:sp>
-      <p:pic>
-        <p:nvPicPr>
-          <p:cNvPr id="5" name="Picture 4" descr="Icon&#10;&#10;Description automatically generated">
-            <a:hlinkHover r:id="" action="ppaction://hlinkshowjump?jump=lastslide"/>
-            <a:extLst>
-              <a:ext uri="{FF2B5EF4-FFF2-40B4-BE49-F238E27FC236}">
-                <a16:creationId xmlns:a16="http://schemas.microsoft.com/office/drawing/2014/main" id="{295E0980-D84D-7502-F185-33494C9BE0CB}"/>
-              </a:ext>
-            </a:extLst>
-          </p:cNvPr>
-          <p:cNvPicPr>
-            <a:picLocks noChangeAspect="1"/>
-          </p:cNvPicPr>
-          <p:nvPr/>
-        </p:nvPicPr>
-        <p:blipFill>
-          <a:blip r:embed="rId3">
-            <a:extLst>
-              <a:ext uri="{28A0092B-C50C-407E-A947-70E740481C1C}">
-                <a14:useLocalDpi xmlns:a14="http://schemas.microsoft.com/office/drawing/2010/main" val="0"/>
-              </a:ext>
-            </a:extLst>
-          </a:blip>
-          <a:stretch>
-            <a:fillRect/>
-          </a:stretch>
-        </p:blipFill>
-        <p:spPr>
-          <a:xfrm>
-            <a:off x="-2953443" y="1860804"/>
-            <a:ext cx="3136392" cy="3136392"/>
-          </a:xfrm>
-          <a:prstGeom prst="rect">
-            <a:avLst/>
-          </a:prstGeom>
-        </p:spPr>
-      </p:pic>
-      <p:sp>
-        <p:nvSpPr>
-          <p:cNvPr id="6" name="Rectangle: Rounded Corners 5">
-            <a:hlinkHover r:id="" action="ppaction://hlinkshowjump?jump=lastslideviewed"/>
-            <a:extLst>
-              <a:ext uri="{FF2B5EF4-FFF2-40B4-BE49-F238E27FC236}">
-                <a16:creationId xmlns:a16="http://schemas.microsoft.com/office/drawing/2014/main" id="{11C96FB6-5103-9357-1868-62829120738A}"/>
-              </a:ext>
-            </a:extLst>
-          </p:cNvPr>
-          <p:cNvSpPr/>
-          <p:nvPr/>
-        </p:nvSpPr>
-        <p:spPr>
-          <a:xfrm>
-            <a:off x="531668" y="5889812"/>
-            <a:ext cx="11128664" cy="968188"/>
-          </a:xfrm>
-          <a:prstGeom prst="roundRect">
-            <a:avLst/>
-          </a:prstGeom>
-        </p:spPr>
-        <p:style>
-          <a:lnRef idx="2">
-            <a:schemeClr val="accent4">
-              <a:shade val="50000"/>
-            </a:schemeClr>
-          </a:lnRef>
-          <a:fillRef idx="1">
-            <a:schemeClr val="accent4"/>
-          </a:fillRef>
-          <a:effectRef idx="0">
-            <a:schemeClr val="accent4"/>
-          </a:effectRef>
-          <a:fontRef idx="minor">
-            <a:schemeClr val="lt1"/>
-          </a:fontRef>
-        </p:style>
-        <p:txBody>
-          <a:bodyPr rtlCol="0" anchor="ctr"/>
-          <a:lstStyle/>
-          <a:p>
-            <a:pPr algn="ctr"/>
-            <a:endParaRPr lang="en-US"/>
-          </a:p>
-        </p:txBody>
-      </p:sp>
-      <p:sp>
-        <p:nvSpPr>
-          <p:cNvPr id="7" name="Rectangle: Rounded Corners 6">
-            <a:hlinkClick r:id="" action="ppaction://hlinkshowjump?jump=nextslide">
-              <a:snd r:embed="rId4" name="blipSelect.wav"/>
-            </a:hlinkClick>
-            <a:hlinkHover r:id="" action="ppaction://noaction">
-              <a:snd r:embed="rId5" name="click.wav"/>
-            </a:hlinkHover>
-            <a:extLst>
-              <a:ext uri="{FF2B5EF4-FFF2-40B4-BE49-F238E27FC236}">
-                <a16:creationId xmlns:a16="http://schemas.microsoft.com/office/drawing/2014/main" id="{580D2BFB-EF5C-7E51-1151-06707A035B34}"/>
-              </a:ext>
-            </a:extLst>
-          </p:cNvPr>
-          <p:cNvSpPr/>
-          <p:nvPr/>
-        </p:nvSpPr>
-        <p:spPr>
-          <a:xfrm>
-            <a:off x="10873948" y="3036452"/>
-            <a:ext cx="786384" cy="785096"/>
-          </a:xfrm>
-          <a:prstGeom prst="roundRect">
-            <a:avLst/>
-          </a:prstGeom>
-        </p:spPr>
-        <p:style>
-          <a:lnRef idx="2">
-            <a:schemeClr val="accent1">
-              <a:shade val="50000"/>
-            </a:schemeClr>
-          </a:lnRef>
-          <a:fillRef idx="1">
-            <a:schemeClr val="accent1"/>
-          </a:fillRef>
-          <a:effectRef idx="0">
-            <a:schemeClr val="accent1"/>
-          </a:effectRef>
-          <a:fontRef idx="minor">
-            <a:schemeClr val="lt1"/>
-          </a:fontRef>
-        </p:style>
-        <p:txBody>
-          <a:bodyPr rtlCol="0" anchor="ctr"/>
-          <a:lstStyle/>
-          <a:p>
-            <a:pPr algn="ctr"/>
-            <a:endParaRPr lang="en-US"/>
-          </a:p>
-        </p:txBody>
-      </p:sp>
-    </p:spTree>
-    <p:extLst>
-      <p:ext uri="{BB962C8B-B14F-4D97-AF65-F5344CB8AC3E}">
-        <p14:creationId xmlns:p14="http://schemas.microsoft.com/office/powerpoint/2010/main" val="897608513"/>
-      </p:ext>
-    </p:extLst>
-  </p:cSld>
-  <p:clrMapOvr>
-    <a:masterClrMapping/>
-  </p:clrMapOvr>
-  <mc:AlternateContent xmlns:mc="http://schemas.openxmlformats.org/markup-compatibility/2006">
-    <mc:Choice xmlns:p15="http://schemas.microsoft.com/office/powerpoint/2012/main" Requires="p15">
-      <p:transition xmlns:p14="http://schemas.microsoft.com/office/powerpoint/2010/main" spd="slow" p14:dur="2000">
-        <p15:prstTrans prst="fracture"/>
-        <p:sndAc>
-          <p:stSnd>
-            <p:snd r:embed="rId2" name="laserShoot.wav"/>
-          </p:stSnd>
-        </p:sndAc>
-      </p:transition>
-    </mc:Choice>
-    <mc:Fallback>
-      <p:transition spd="slow">
-        <p:fade/>
-        <p:sndAc>
-          <p:stSnd>
-            <p:snd r:embed="rId2" name="laserShoot.wav"/>
-          </p:stSnd>
-        </p:sndAc>
-      </p:transition>
-    </mc:Fallback>
-  </mc:AlternateContent>
-  <p:timing>
-    <p:tnLst>
-      <p:par>
-        <p:cTn id="1" dur="indefinite" restart="never" nodeType="tmRoot">
-          <p:childTnLst>
-            <p:seq concurrent="1" nextAc="seek">
-              <p:cTn id="2" dur="indefinite" nodeType="mainSeq">
-                <p:childTnLst>
-                  <p:par>
-                    <p:cTn id="3" fill="hold">
-                      <p:stCondLst>
-                        <p:cond delay="indefinite"/>
-                        <p:cond evt="onBegin" delay="0">
-                          <p:tn val="2"/>
-                        </p:cond>
-                      </p:stCondLst>
-                      <p:childTnLst>
-                        <p:par>
-                          <p:cTn id="4" fill="hold">
-                            <p:stCondLst>
-                              <p:cond delay="0"/>
-                            </p:stCondLst>
-                            <p:childTnLst>
-                              <p:par>
-                                <p:cTn id="5" presetID="63" presetClass="path" presetSubtype="0" repeatCount="indefinite" accel="50000" decel="50000" autoRev="1" fill="hold" nodeType="withEffect">
-                                  <p:stCondLst>
-                                    <p:cond delay="0"/>
-                                  </p:stCondLst>
-                                  <p:childTnLst>
-                                    <p:animMotion origin="layout" path="M 1.66667E-6 0 L 1.2888 0 " pathEditMode="relative" rAng="0" ptsTypes="AA">
-                                      <p:cBhvr>
-                                        <p:cTn id="6" dur="1000" fill="hold"/>
-                                        <p:tgtEl>
-                                          <p:spTgt spid="5"/>
-                                        </p:tgtEl>
-                                        <p:attrNameLst>
-                                          <p:attrName>ppt_x</p:attrName>
-                                          <p:attrName>ppt_y</p:attrName>
-                                        </p:attrNameLst>
-                                      </p:cBhvr>
-                                      <p:rCtr x="64440" y="0"/>
-                                    </p:animMotion>
-                                  </p:childTnLst>
-                                </p:cTn>
-                              </p:par>
-                            </p:childTnLst>
-                          </p:cTn>
-                        </p:par>
-                      </p:childTnLst>
-                    </p:cTn>
-                  </p:par>
-                </p:childTnLst>
-              </p:cTn>
-              <p:prevCondLst>
-                <p:cond evt="onPrev" delay="0">
-                  <p:tgtEl>
-                    <p:sldTgt/>
-                  </p:tgtEl>
-                </p:cond>
-              </p:prevCondLst>
-              <p:nextCondLst>
-                <p:cond evt="onNext" delay="0">
-                  <p:tgtEl>
-                    <p:sldTgt/>
-                  </p:tgtEl>
-                </p:cond>
-              </p:nextCondLst>
-            </p:seq>
-          </p:childTnLst>
-        </p:cTn>
-      </p:par>
-    </p:tnLst>
-  </p:timing>
-</p:sld>
-</file>
-
 <file path=ppt/slides/slide19.xml><?xml version="1.0" encoding="utf-8"?>
 <p:sld xmlns:a="http://schemas.openxmlformats.org/drawingml/2006/main" xmlns:r="http://schemas.openxmlformats.org/officeDocument/2006/relationships" xmlns:p="http://schemas.openxmlformats.org/presentationml/2006/main">
   <p:cSld>
@@ -10150,7 +10965,7 @@
           <p:nvPr/>
         </p:nvPicPr>
         <p:blipFill>
-          <a:blip r:embed="rId2">
+          <a:blip r:embed="rId3">
             <a:extLst>
               <a:ext uri="{28A0092B-C50C-407E-A947-70E740481C1C}">
                 <a14:useLocalDpi xmlns:a14="http://schemas.microsoft.com/office/drawing/2010/main" val="0"/>
@@ -10220,11 +11035,16 @@
       </p:sp>
       <p:sp>
         <p:nvSpPr>
-          <p:cNvPr id="2" name="Rectangle: Rounded Corners 1">
-            <a:hlinkHover r:id="" action="ppaction://hlinkshowjump?jump=lastslideviewed"/>
+          <p:cNvPr id="7" name="Rectangle: Rounded Corners 6">
+            <a:hlinkClick r:id="" action="ppaction://hlinkshowjump?jump=nextslide">
+              <a:snd r:embed="rId4" name="blipSelect.wav"/>
+            </a:hlinkClick>
+            <a:hlinkHover r:id="" action="ppaction://noaction">
+              <a:snd r:embed="rId5" name="click.wav"/>
+            </a:hlinkHover>
             <a:extLst>
               <a:ext uri="{FF2B5EF4-FFF2-40B4-BE49-F238E27FC236}">
-                <a16:creationId xmlns:a16="http://schemas.microsoft.com/office/drawing/2014/main" id="{B69B6FE1-77A2-3D79-D71A-6E851A421035}"/>
+                <a16:creationId xmlns:a16="http://schemas.microsoft.com/office/drawing/2014/main" id="{580D2BFB-EF5C-7E51-1151-06707A035B34}"/>
               </a:ext>
             </a:extLst>
           </p:cNvPr>
@@ -10233,59 +11053,7 @@
         </p:nvSpPr>
         <p:spPr>
           <a:xfrm>
-            <a:off x="5531223" y="968188"/>
-            <a:ext cx="1129553" cy="4029007"/>
-          </a:xfrm>
-          <a:prstGeom prst="roundRect">
-            <a:avLst/>
-          </a:prstGeom>
-        </p:spPr>
-        <p:style>
-          <a:lnRef idx="2">
-            <a:schemeClr val="accent4">
-              <a:shade val="50000"/>
-            </a:schemeClr>
-          </a:lnRef>
-          <a:fillRef idx="1">
-            <a:schemeClr val="accent4"/>
-          </a:fillRef>
-          <a:effectRef idx="0">
-            <a:schemeClr val="accent4"/>
-          </a:effectRef>
-          <a:fontRef idx="minor">
-            <a:schemeClr val="lt1"/>
-          </a:fontRef>
-        </p:style>
-        <p:txBody>
-          <a:bodyPr rtlCol="0" anchor="ctr"/>
-          <a:lstStyle/>
-          <a:p>
-            <a:pPr algn="ctr"/>
-            <a:endParaRPr lang="en-US"/>
-          </a:p>
-        </p:txBody>
-      </p:sp>
-      <p:sp>
-        <p:nvSpPr>
-          <p:cNvPr id="3" name="Rectangle: Rounded Corners 2">
-            <a:hlinkClick r:id="" action="ppaction://hlinkshowjump?jump=nextslide">
-              <a:snd r:embed="rId3" name="blipSelect.wav"/>
-            </a:hlinkClick>
-            <a:hlinkHover r:id="" action="ppaction://noaction">
-              <a:snd r:embed="rId4" name="click.wav"/>
-            </a:hlinkHover>
-            <a:extLst>
-              <a:ext uri="{FF2B5EF4-FFF2-40B4-BE49-F238E27FC236}">
-                <a16:creationId xmlns:a16="http://schemas.microsoft.com/office/drawing/2014/main" id="{80D9E149-BE3A-C986-6562-3C9EDB8EC170}"/>
-              </a:ext>
-            </a:extLst>
-          </p:cNvPr>
-          <p:cNvSpPr/>
-          <p:nvPr/>
-        </p:nvSpPr>
-        <p:spPr>
-          <a:xfrm>
-            <a:off x="531667" y="3036452"/>
+            <a:off x="10873948" y="3036452"/>
             <a:ext cx="786384" cy="785096"/>
           </a:xfrm>
           <a:prstGeom prst="roundRect">
@@ -10320,22 +11088,32 @@
     </p:spTree>
     <p:extLst>
       <p:ext uri="{BB962C8B-B14F-4D97-AF65-F5344CB8AC3E}">
-        <p14:creationId xmlns:p14="http://schemas.microsoft.com/office/powerpoint/2010/main" val="1620114335"/>
+        <p14:creationId xmlns:p14="http://schemas.microsoft.com/office/powerpoint/2010/main" val="897608513"/>
       </p:ext>
     </p:extLst>
   </p:cSld>
   <p:clrMapOvr>
     <a:masterClrMapping/>
   </p:clrMapOvr>
-  <mc:AlternateContent xmlns:mc="http://schemas.openxmlformats.org/markup-compatibility/2006">
-    <mc:Choice xmlns:p15="http://schemas.microsoft.com/office/powerpoint/2012/main" Requires="p15">
+  <mc:AlternateContent xmlns:mc="http://schemas.openxmlformats.org/markup-compatibility/2006" xmlns:p15="http://schemas.microsoft.com/office/powerpoint/2012/main">
+    <mc:Choice Requires="p15">
       <p:transition xmlns:p14="http://schemas.microsoft.com/office/powerpoint/2010/main" spd="slow" p14:dur="2000">
         <p15:prstTrans prst="fracture"/>
+        <p:sndAc>
+          <p:stSnd>
+            <p:snd r:embed="rId2" name="laserShoot.wav"/>
+          </p:stSnd>
+        </p:sndAc>
       </p:transition>
     </mc:Choice>
-    <mc:Fallback>
+    <mc:Fallback xmlns="">
       <p:transition spd="slow">
         <p:fade/>
+        <p:sndAc>
+          <p:stSnd>
+            <p:snd r:embed="rId6" name="laserShoot.wav"/>
+          </p:stSnd>
+        </p:sndAc>
       </p:transition>
     </mc:Fallback>
   </mc:AlternateContent>
@@ -11049,13 +11827,13 @@
   <p:clrMapOvr>
     <a:masterClrMapping/>
   </p:clrMapOvr>
-  <mc:AlternateContent xmlns:mc="http://schemas.openxmlformats.org/markup-compatibility/2006">
-    <mc:Choice xmlns:p14="http://schemas.microsoft.com/office/powerpoint/2010/main" Requires="p14">
+  <mc:AlternateContent xmlns:mc="http://schemas.openxmlformats.org/markup-compatibility/2006" xmlns:p14="http://schemas.microsoft.com/office/powerpoint/2010/main">
+    <mc:Choice Requires="p14">
       <p:transition spd="slow" p14:dur="900">
         <p14:warp dir="in"/>
       </p:transition>
     </mc:Choice>
-    <mc:Fallback>
+    <mc:Fallback xmlns="">
       <p:transition spd="slow">
         <p:fade/>
       </p:transition>
@@ -11214,11 +11992,11 @@
       </p:sp>
       <p:sp>
         <p:nvSpPr>
-          <p:cNvPr id="3" name="Rectangle: Rounded Corners 2">
+          <p:cNvPr id="2" name="Rectangle: Rounded Corners 1">
             <a:hlinkHover r:id="" action="ppaction://hlinkshowjump?jump=lastslideviewed"/>
             <a:extLst>
               <a:ext uri="{FF2B5EF4-FFF2-40B4-BE49-F238E27FC236}">
-                <a16:creationId xmlns:a16="http://schemas.microsoft.com/office/drawing/2014/main" id="{5274074B-E295-C33D-03B1-650D52DB4A40}"/>
+                <a16:creationId xmlns:a16="http://schemas.microsoft.com/office/drawing/2014/main" id="{B69B6FE1-77A2-3D79-D71A-6E851A421035}"/>
               </a:ext>
             </a:extLst>
           </p:cNvPr>
@@ -11227,7 +12005,7 @@
         </p:nvSpPr>
         <p:spPr>
           <a:xfrm>
-            <a:off x="5531223" y="968189"/>
+            <a:off x="5531223" y="968188"/>
             <a:ext cx="1129553" cy="4029007"/>
           </a:xfrm>
           <a:prstGeom prst="roundRect">
@@ -11261,54 +12039,7 @@
       </p:sp>
       <p:sp>
         <p:nvSpPr>
-          <p:cNvPr id="7" name="Rectangle: Rounded Corners 6">
-            <a:hlinkHover r:id="" action="ppaction://hlinkshowjump?jump=lastslideviewed"/>
-            <a:extLst>
-              <a:ext uri="{FF2B5EF4-FFF2-40B4-BE49-F238E27FC236}">
-                <a16:creationId xmlns:a16="http://schemas.microsoft.com/office/drawing/2014/main" id="{F28D443A-71C7-99E2-1424-DEBE430FA08F}"/>
-              </a:ext>
-            </a:extLst>
-          </p:cNvPr>
-          <p:cNvSpPr/>
-          <p:nvPr/>
-        </p:nvSpPr>
-        <p:spPr>
-          <a:xfrm>
-            <a:off x="10530778" y="1860804"/>
-            <a:ext cx="1129553" cy="4029007"/>
-          </a:xfrm>
-          <a:prstGeom prst="roundRect">
-            <a:avLst/>
-          </a:prstGeom>
-        </p:spPr>
-        <p:style>
-          <a:lnRef idx="2">
-            <a:schemeClr val="accent4">
-              <a:shade val="50000"/>
-            </a:schemeClr>
-          </a:lnRef>
-          <a:fillRef idx="1">
-            <a:schemeClr val="accent4"/>
-          </a:fillRef>
-          <a:effectRef idx="0">
-            <a:schemeClr val="accent4"/>
-          </a:effectRef>
-          <a:fontRef idx="minor">
-            <a:schemeClr val="lt1"/>
-          </a:fontRef>
-        </p:style>
-        <p:txBody>
-          <a:bodyPr rtlCol="0" anchor="ctr"/>
-          <a:lstStyle/>
-          <a:p>
-            <a:pPr algn="ctr"/>
-            <a:endParaRPr lang="en-US"/>
-          </a:p>
-        </p:txBody>
-      </p:sp>
-      <p:sp>
-        <p:nvSpPr>
-          <p:cNvPr id="8" name="Rectangle: Rounded Corners 7">
+          <p:cNvPr id="3" name="Rectangle: Rounded Corners 2">
             <a:hlinkClick r:id="" action="ppaction://hlinkshowjump?jump=nextslide">
               <a:snd r:embed="rId3" name="blipSelect.wav"/>
             </a:hlinkClick>
@@ -11317,7 +12048,7 @@
             </a:hlinkHover>
             <a:extLst>
               <a:ext uri="{FF2B5EF4-FFF2-40B4-BE49-F238E27FC236}">
-                <a16:creationId xmlns:a16="http://schemas.microsoft.com/office/drawing/2014/main" id="{9DA9DEC1-6E48-3653-249A-9B5CA6B8AC5E}"/>
+                <a16:creationId xmlns:a16="http://schemas.microsoft.com/office/drawing/2014/main" id="{80D9E149-BE3A-C986-6562-3C9EDB8EC170}"/>
               </a:ext>
             </a:extLst>
           </p:cNvPr>
@@ -11326,7 +12057,7 @@
         </p:nvSpPr>
         <p:spPr>
           <a:xfrm>
-            <a:off x="10702362" y="1021948"/>
+            <a:off x="531667" y="3036452"/>
             <a:ext cx="786384" cy="785096"/>
           </a:xfrm>
           <a:prstGeom prst="roundRect">
@@ -11361,20 +12092,20 @@
     </p:spTree>
     <p:extLst>
       <p:ext uri="{BB962C8B-B14F-4D97-AF65-F5344CB8AC3E}">
-        <p14:creationId xmlns:p14="http://schemas.microsoft.com/office/powerpoint/2010/main" val="2964456938"/>
+        <p14:creationId xmlns:p14="http://schemas.microsoft.com/office/powerpoint/2010/main" val="1620114335"/>
       </p:ext>
     </p:extLst>
   </p:cSld>
   <p:clrMapOvr>
     <a:masterClrMapping/>
   </p:clrMapOvr>
-  <mc:AlternateContent xmlns:mc="http://schemas.openxmlformats.org/markup-compatibility/2006">
-    <mc:Choice xmlns:p15="http://schemas.microsoft.com/office/powerpoint/2012/main" Requires="p15">
+  <mc:AlternateContent xmlns:mc="http://schemas.openxmlformats.org/markup-compatibility/2006" xmlns:p15="http://schemas.microsoft.com/office/powerpoint/2012/main">
+    <mc:Choice Requires="p15">
       <p:transition xmlns:p14="http://schemas.microsoft.com/office/powerpoint/2010/main" spd="slow" p14:dur="2000">
         <p15:prstTrans prst="fracture"/>
       </p:transition>
     </mc:Choice>
-    <mc:Fallback>
+    <mc:Fallback xmlns="">
       <p:transition spd="slow">
         <p:fade/>
       </p:transition>
@@ -11475,6 +12206,398 @@
       </p:grpSpPr>
       <p:sp>
         <p:nvSpPr>
+          <p:cNvPr id="4" name="Rectangle: Rounded Corners 3">
+            <a:hlinkHover r:id="" action="ppaction://hlinkshowjump?jump=lastslideviewed"/>
+            <a:extLst>
+              <a:ext uri="{FF2B5EF4-FFF2-40B4-BE49-F238E27FC236}">
+                <a16:creationId xmlns:a16="http://schemas.microsoft.com/office/drawing/2014/main" id="{416A1BD4-BB7E-7F06-6A21-103E1E430865}"/>
+              </a:ext>
+            </a:extLst>
+          </p:cNvPr>
+          <p:cNvSpPr/>
+          <p:nvPr/>
+        </p:nvSpPr>
+        <p:spPr>
+          <a:xfrm>
+            <a:off x="531668" y="1"/>
+            <a:ext cx="11128664" cy="968188"/>
+          </a:xfrm>
+          <a:prstGeom prst="roundRect">
+            <a:avLst/>
+          </a:prstGeom>
+        </p:spPr>
+        <p:style>
+          <a:lnRef idx="2">
+            <a:schemeClr val="accent4">
+              <a:shade val="50000"/>
+            </a:schemeClr>
+          </a:lnRef>
+          <a:fillRef idx="1">
+            <a:schemeClr val="accent4"/>
+          </a:fillRef>
+          <a:effectRef idx="0">
+            <a:schemeClr val="accent4"/>
+          </a:effectRef>
+          <a:fontRef idx="minor">
+            <a:schemeClr val="lt1"/>
+          </a:fontRef>
+        </p:style>
+        <p:txBody>
+          <a:bodyPr rtlCol="0" anchor="ctr"/>
+          <a:lstStyle/>
+          <a:p>
+            <a:pPr algn="ctr"/>
+            <a:endParaRPr lang="en-US"/>
+          </a:p>
+        </p:txBody>
+      </p:sp>
+      <p:pic>
+        <p:nvPicPr>
+          <p:cNvPr id="5" name="Picture 4" descr="Icon&#10;&#10;Description automatically generated">
+            <a:hlinkHover r:id="" action="ppaction://hlinkshowjump?jump=lastslide"/>
+            <a:extLst>
+              <a:ext uri="{FF2B5EF4-FFF2-40B4-BE49-F238E27FC236}">
+                <a16:creationId xmlns:a16="http://schemas.microsoft.com/office/drawing/2014/main" id="{295E0980-D84D-7502-F185-33494C9BE0CB}"/>
+              </a:ext>
+            </a:extLst>
+          </p:cNvPr>
+          <p:cNvPicPr>
+            <a:picLocks noChangeAspect="1"/>
+          </p:cNvPicPr>
+          <p:nvPr/>
+        </p:nvPicPr>
+        <p:blipFill>
+          <a:blip r:embed="rId2">
+            <a:extLst>
+              <a:ext uri="{28A0092B-C50C-407E-A947-70E740481C1C}">
+                <a14:useLocalDpi xmlns:a14="http://schemas.microsoft.com/office/drawing/2010/main" val="0"/>
+              </a:ext>
+            </a:extLst>
+          </a:blip>
+          <a:stretch>
+            <a:fillRect/>
+          </a:stretch>
+        </p:blipFill>
+        <p:spPr>
+          <a:xfrm>
+            <a:off x="-2953443" y="1860804"/>
+            <a:ext cx="3136392" cy="3136392"/>
+          </a:xfrm>
+          <a:prstGeom prst="rect">
+            <a:avLst/>
+          </a:prstGeom>
+        </p:spPr>
+      </p:pic>
+      <p:sp>
+        <p:nvSpPr>
+          <p:cNvPr id="6" name="Rectangle: Rounded Corners 5">
+            <a:hlinkHover r:id="" action="ppaction://hlinkshowjump?jump=lastslideviewed"/>
+            <a:extLst>
+              <a:ext uri="{FF2B5EF4-FFF2-40B4-BE49-F238E27FC236}">
+                <a16:creationId xmlns:a16="http://schemas.microsoft.com/office/drawing/2014/main" id="{11C96FB6-5103-9357-1868-62829120738A}"/>
+              </a:ext>
+            </a:extLst>
+          </p:cNvPr>
+          <p:cNvSpPr/>
+          <p:nvPr/>
+        </p:nvSpPr>
+        <p:spPr>
+          <a:xfrm>
+            <a:off x="531668" y="5889812"/>
+            <a:ext cx="11128664" cy="968188"/>
+          </a:xfrm>
+          <a:prstGeom prst="roundRect">
+            <a:avLst/>
+          </a:prstGeom>
+        </p:spPr>
+        <p:style>
+          <a:lnRef idx="2">
+            <a:schemeClr val="accent4">
+              <a:shade val="50000"/>
+            </a:schemeClr>
+          </a:lnRef>
+          <a:fillRef idx="1">
+            <a:schemeClr val="accent4"/>
+          </a:fillRef>
+          <a:effectRef idx="0">
+            <a:schemeClr val="accent4"/>
+          </a:effectRef>
+          <a:fontRef idx="minor">
+            <a:schemeClr val="lt1"/>
+          </a:fontRef>
+        </p:style>
+        <p:txBody>
+          <a:bodyPr rtlCol="0" anchor="ctr"/>
+          <a:lstStyle/>
+          <a:p>
+            <a:pPr algn="ctr"/>
+            <a:endParaRPr lang="en-US"/>
+          </a:p>
+        </p:txBody>
+      </p:sp>
+      <p:sp>
+        <p:nvSpPr>
+          <p:cNvPr id="3" name="Rectangle: Rounded Corners 2">
+            <a:hlinkHover r:id="" action="ppaction://hlinkshowjump?jump=lastslideviewed"/>
+            <a:extLst>
+              <a:ext uri="{FF2B5EF4-FFF2-40B4-BE49-F238E27FC236}">
+                <a16:creationId xmlns:a16="http://schemas.microsoft.com/office/drawing/2014/main" id="{5274074B-E295-C33D-03B1-650D52DB4A40}"/>
+              </a:ext>
+            </a:extLst>
+          </p:cNvPr>
+          <p:cNvSpPr/>
+          <p:nvPr/>
+        </p:nvSpPr>
+        <p:spPr>
+          <a:xfrm>
+            <a:off x="5531223" y="968189"/>
+            <a:ext cx="1129553" cy="4029007"/>
+          </a:xfrm>
+          <a:prstGeom prst="roundRect">
+            <a:avLst/>
+          </a:prstGeom>
+        </p:spPr>
+        <p:style>
+          <a:lnRef idx="2">
+            <a:schemeClr val="accent4">
+              <a:shade val="50000"/>
+            </a:schemeClr>
+          </a:lnRef>
+          <a:fillRef idx="1">
+            <a:schemeClr val="accent4"/>
+          </a:fillRef>
+          <a:effectRef idx="0">
+            <a:schemeClr val="accent4"/>
+          </a:effectRef>
+          <a:fontRef idx="minor">
+            <a:schemeClr val="lt1"/>
+          </a:fontRef>
+        </p:style>
+        <p:txBody>
+          <a:bodyPr rtlCol="0" anchor="ctr"/>
+          <a:lstStyle/>
+          <a:p>
+            <a:pPr algn="ctr"/>
+            <a:endParaRPr lang="en-US"/>
+          </a:p>
+        </p:txBody>
+      </p:sp>
+      <p:sp>
+        <p:nvSpPr>
+          <p:cNvPr id="7" name="Rectangle: Rounded Corners 6">
+            <a:hlinkHover r:id="" action="ppaction://hlinkshowjump?jump=lastslideviewed"/>
+            <a:extLst>
+              <a:ext uri="{FF2B5EF4-FFF2-40B4-BE49-F238E27FC236}">
+                <a16:creationId xmlns:a16="http://schemas.microsoft.com/office/drawing/2014/main" id="{F28D443A-71C7-99E2-1424-DEBE430FA08F}"/>
+              </a:ext>
+            </a:extLst>
+          </p:cNvPr>
+          <p:cNvSpPr/>
+          <p:nvPr/>
+        </p:nvSpPr>
+        <p:spPr>
+          <a:xfrm>
+            <a:off x="10530778" y="1860804"/>
+            <a:ext cx="1129553" cy="4029007"/>
+          </a:xfrm>
+          <a:prstGeom prst="roundRect">
+            <a:avLst/>
+          </a:prstGeom>
+        </p:spPr>
+        <p:style>
+          <a:lnRef idx="2">
+            <a:schemeClr val="accent4">
+              <a:shade val="50000"/>
+            </a:schemeClr>
+          </a:lnRef>
+          <a:fillRef idx="1">
+            <a:schemeClr val="accent4"/>
+          </a:fillRef>
+          <a:effectRef idx="0">
+            <a:schemeClr val="accent4"/>
+          </a:effectRef>
+          <a:fontRef idx="minor">
+            <a:schemeClr val="lt1"/>
+          </a:fontRef>
+        </p:style>
+        <p:txBody>
+          <a:bodyPr rtlCol="0" anchor="ctr"/>
+          <a:lstStyle/>
+          <a:p>
+            <a:pPr algn="ctr"/>
+            <a:endParaRPr lang="en-US"/>
+          </a:p>
+        </p:txBody>
+      </p:sp>
+      <p:sp>
+        <p:nvSpPr>
+          <p:cNvPr id="8" name="Rectangle: Rounded Corners 7">
+            <a:hlinkClick r:id="" action="ppaction://hlinkshowjump?jump=nextslide">
+              <a:snd r:embed="rId3" name="blipSelect.wav"/>
+            </a:hlinkClick>
+            <a:hlinkHover r:id="" action="ppaction://noaction">
+              <a:snd r:embed="rId4" name="click.wav"/>
+            </a:hlinkHover>
+            <a:extLst>
+              <a:ext uri="{FF2B5EF4-FFF2-40B4-BE49-F238E27FC236}">
+                <a16:creationId xmlns:a16="http://schemas.microsoft.com/office/drawing/2014/main" id="{9DA9DEC1-6E48-3653-249A-9B5CA6B8AC5E}"/>
+              </a:ext>
+            </a:extLst>
+          </p:cNvPr>
+          <p:cNvSpPr/>
+          <p:nvPr/>
+        </p:nvSpPr>
+        <p:spPr>
+          <a:xfrm>
+            <a:off x="10702362" y="1021948"/>
+            <a:ext cx="786384" cy="785096"/>
+          </a:xfrm>
+          <a:prstGeom prst="roundRect">
+            <a:avLst/>
+          </a:prstGeom>
+        </p:spPr>
+        <p:style>
+          <a:lnRef idx="2">
+            <a:schemeClr val="accent1">
+              <a:shade val="50000"/>
+            </a:schemeClr>
+          </a:lnRef>
+          <a:fillRef idx="1">
+            <a:schemeClr val="accent1"/>
+          </a:fillRef>
+          <a:effectRef idx="0">
+            <a:schemeClr val="accent1"/>
+          </a:effectRef>
+          <a:fontRef idx="minor">
+            <a:schemeClr val="lt1"/>
+          </a:fontRef>
+        </p:style>
+        <p:txBody>
+          <a:bodyPr rtlCol="0" anchor="ctr"/>
+          <a:lstStyle/>
+          <a:p>
+            <a:pPr algn="ctr"/>
+            <a:endParaRPr lang="en-US"/>
+          </a:p>
+        </p:txBody>
+      </p:sp>
+    </p:spTree>
+    <p:extLst>
+      <p:ext uri="{BB962C8B-B14F-4D97-AF65-F5344CB8AC3E}">
+        <p14:creationId xmlns:p14="http://schemas.microsoft.com/office/powerpoint/2010/main" val="2964456938"/>
+      </p:ext>
+    </p:extLst>
+  </p:cSld>
+  <p:clrMapOvr>
+    <a:masterClrMapping/>
+  </p:clrMapOvr>
+  <mc:AlternateContent xmlns:mc="http://schemas.openxmlformats.org/markup-compatibility/2006" xmlns:p15="http://schemas.microsoft.com/office/powerpoint/2012/main">
+    <mc:Choice Requires="p15">
+      <p:transition xmlns:p14="http://schemas.microsoft.com/office/powerpoint/2010/main" spd="slow" p14:dur="2000">
+        <p15:prstTrans prst="fracture"/>
+      </p:transition>
+    </mc:Choice>
+    <mc:Fallback xmlns="">
+      <p:transition spd="slow">
+        <p:fade/>
+      </p:transition>
+    </mc:Fallback>
+  </mc:AlternateContent>
+  <p:timing>
+    <p:tnLst>
+      <p:par>
+        <p:cTn id="1" dur="indefinite" restart="never" nodeType="tmRoot">
+          <p:childTnLst>
+            <p:seq concurrent="1" nextAc="seek">
+              <p:cTn id="2" dur="indefinite" nodeType="mainSeq">
+                <p:childTnLst>
+                  <p:par>
+                    <p:cTn id="3" fill="hold">
+                      <p:stCondLst>
+                        <p:cond delay="indefinite"/>
+                        <p:cond evt="onBegin" delay="0">
+                          <p:tn val="2"/>
+                        </p:cond>
+                      </p:stCondLst>
+                      <p:childTnLst>
+                        <p:par>
+                          <p:cTn id="4" fill="hold">
+                            <p:stCondLst>
+                              <p:cond delay="0"/>
+                            </p:stCondLst>
+                            <p:childTnLst>
+                              <p:par>
+                                <p:cTn id="5" presetID="63" presetClass="path" presetSubtype="0" repeatCount="indefinite" accel="50000" decel="50000" autoRev="1" fill="hold" nodeType="withEffect">
+                                  <p:stCondLst>
+                                    <p:cond delay="0"/>
+                                  </p:stCondLst>
+                                  <p:childTnLst>
+                                    <p:animMotion origin="layout" path="M 1.66667E-6 0 L 1.2888 0 " pathEditMode="relative" rAng="0" ptsTypes="AA">
+                                      <p:cBhvr>
+                                        <p:cTn id="6" dur="1000" fill="hold"/>
+                                        <p:tgtEl>
+                                          <p:spTgt spid="5"/>
+                                        </p:tgtEl>
+                                        <p:attrNameLst>
+                                          <p:attrName>ppt_x</p:attrName>
+                                          <p:attrName>ppt_y</p:attrName>
+                                        </p:attrNameLst>
+                                      </p:cBhvr>
+                                      <p:rCtr x="64440" y="0"/>
+                                    </p:animMotion>
+                                  </p:childTnLst>
+                                </p:cTn>
+                              </p:par>
+                            </p:childTnLst>
+                          </p:cTn>
+                        </p:par>
+                      </p:childTnLst>
+                    </p:cTn>
+                  </p:par>
+                </p:childTnLst>
+              </p:cTn>
+              <p:prevCondLst>
+                <p:cond evt="onPrev" delay="0">
+                  <p:tgtEl>
+                    <p:sldTgt/>
+                  </p:tgtEl>
+                </p:cond>
+              </p:prevCondLst>
+              <p:nextCondLst>
+                <p:cond evt="onNext" delay="0">
+                  <p:tgtEl>
+                    <p:sldTgt/>
+                  </p:tgtEl>
+                </p:cond>
+              </p:nextCondLst>
+            </p:seq>
+          </p:childTnLst>
+        </p:cTn>
+      </p:par>
+    </p:tnLst>
+  </p:timing>
+</p:sld>
+</file>
+
+<file path=ppt/slides/slide22.xml><?xml version="1.0" encoding="utf-8"?>
+<p:sld xmlns:a="http://schemas.openxmlformats.org/drawingml/2006/main" xmlns:r="http://schemas.openxmlformats.org/officeDocument/2006/relationships" xmlns:p="http://schemas.openxmlformats.org/presentationml/2006/main">
+  <p:cSld>
+    <p:spTree>
+      <p:nvGrpSpPr>
+        <p:cNvPr id="1" name=""/>
+        <p:cNvGrpSpPr/>
+        <p:nvPr/>
+      </p:nvGrpSpPr>
+      <p:grpSpPr>
+        <a:xfrm>
+          <a:off x="0" y="0"/>
+          <a:ext cx="0" cy="0"/>
+          <a:chOff x="0" y="0"/>
+          <a:chExt cx="0" cy="0"/>
+        </a:xfrm>
+      </p:grpSpPr>
+      <p:sp>
+        <p:nvSpPr>
           <p:cNvPr id="4" name="Title 3">
             <a:extLst>
               <a:ext uri="{FF2B5EF4-FFF2-40B4-BE49-F238E27FC236}">
@@ -11544,7 +12667,7 @@
       <p:sp>
         <p:nvSpPr>
           <p:cNvPr id="6" name="Cross 5">
-            <a:hlinkClick r:id="rId3" action="ppaction://hlinksldjump"/>
+            <a:hlinkClick r:id="" action="ppaction://hlinkshowjump?jump=nextslide"/>
             <a:extLst>
               <a:ext uri="{FF2B5EF4-FFF2-40B4-BE49-F238E27FC236}">
                 <a16:creationId xmlns:a16="http://schemas.microsoft.com/office/drawing/2014/main" id="{D3B3BA11-5B11-01FD-B8F5-5A5D84DCD455}"/>
@@ -11598,8 +12721,8 @@
   <p:clrMapOvr>
     <a:masterClrMapping/>
   </p:clrMapOvr>
-  <mc:AlternateContent xmlns:mc="http://schemas.openxmlformats.org/markup-compatibility/2006">
-    <mc:Choice xmlns:p14="http://schemas.microsoft.com/office/powerpoint/2010/main" Requires="p14">
+  <mc:AlternateContent xmlns:mc="http://schemas.openxmlformats.org/markup-compatibility/2006" xmlns:p14="http://schemas.microsoft.com/office/powerpoint/2010/main">
+    <mc:Choice Requires="p14">
       <p:transition spd="slow">
         <p14:flash/>
         <p:sndAc>
@@ -11609,12 +12732,12 @@
         </p:sndAc>
       </p:transition>
     </mc:Choice>
-    <mc:Fallback>
+    <mc:Fallback xmlns="">
       <p:transition spd="slow">
         <p:fade/>
         <p:sndAc>
           <p:stSnd>
-            <p:snd r:embed="rId2" name="laserShoot.wav"/>
+            <p:snd r:embed="rId4" name="laserShoot.wav"/>
           </p:stSnd>
         </p:sndAc>
       </p:transition>
@@ -11697,7 +12820,729 @@
 </p:sld>
 </file>
 
-<file path=ppt/slides/slide22.xml><?xml version="1.0" encoding="utf-8"?>
+<file path=ppt/slides/slide23.xml><?xml version="1.0" encoding="utf-8"?>
+<p:sld xmlns:a="http://schemas.openxmlformats.org/drawingml/2006/main" xmlns:r="http://schemas.openxmlformats.org/officeDocument/2006/relationships" xmlns:p="http://schemas.openxmlformats.org/presentationml/2006/main">
+  <p:cSld>
+    <p:spTree>
+      <p:nvGrpSpPr>
+        <p:cNvPr id="1" name=""/>
+        <p:cNvGrpSpPr/>
+        <p:nvPr/>
+      </p:nvGrpSpPr>
+      <p:grpSpPr>
+        <a:xfrm>
+          <a:off x="0" y="0"/>
+          <a:ext cx="0" cy="0"/>
+          <a:chOff x="0" y="0"/>
+          <a:chExt cx="0" cy="0"/>
+        </a:xfrm>
+      </p:grpSpPr>
+      <p:sp>
+        <p:nvSpPr>
+          <p:cNvPr id="3" name="Rectangle 2">
+            <a:extLst>
+              <a:ext uri="{FF2B5EF4-FFF2-40B4-BE49-F238E27FC236}">
+                <a16:creationId xmlns:a16="http://schemas.microsoft.com/office/drawing/2014/main" id="{399D9E79-DB43-1DA3-A758-54F41B79A49F}"/>
+              </a:ext>
+            </a:extLst>
+          </p:cNvPr>
+          <p:cNvSpPr/>
+          <p:nvPr/>
+        </p:nvSpPr>
+        <p:spPr>
+          <a:xfrm>
+            <a:off x="2015836" y="5166995"/>
+            <a:ext cx="9337964" cy="1325880"/>
+          </a:xfrm>
+          <a:prstGeom prst="rect">
+            <a:avLst/>
+          </a:prstGeom>
+        </p:spPr>
+        <p:style>
+          <a:lnRef idx="2">
+            <a:schemeClr val="accent1">
+              <a:shade val="50000"/>
+            </a:schemeClr>
+          </a:lnRef>
+          <a:fillRef idx="1">
+            <a:schemeClr val="accent1"/>
+          </a:fillRef>
+          <a:effectRef idx="0">
+            <a:schemeClr val="accent1"/>
+          </a:effectRef>
+          <a:fontRef idx="minor">
+            <a:schemeClr val="lt1"/>
+          </a:fontRef>
+        </p:style>
+        <p:txBody>
+          <a:bodyPr rtlCol="0" anchor="ctr"/>
+          <a:lstStyle/>
+          <a:p>
+            <a:pPr algn="ctr"/>
+            <a:r>
+              <a:rPr lang="en-US" dirty="0"/>
+              <a:t>Ugh! It escaped </a:t>
+            </a:r>
+            <a:r>
+              <a:rPr lang="en-US" dirty="0" err="1"/>
+              <a:t>Gaux</a:t>
+            </a:r>
+            <a:r>
+              <a:rPr lang="en-US" dirty="0"/>
+              <a:t>. I might have another chance before it</a:t>
+            </a:r>
+          </a:p>
+          <a:p>
+            <a:pPr algn="ctr"/>
+            <a:r>
+              <a:rPr lang="en-US" dirty="0"/>
+              <a:t>will happen.</a:t>
+            </a:r>
+          </a:p>
+        </p:txBody>
+      </p:sp>
+      <p:sp>
+        <p:nvSpPr>
+          <p:cNvPr id="4" name="Oval 3">
+            <a:extLst>
+              <a:ext uri="{FF2B5EF4-FFF2-40B4-BE49-F238E27FC236}">
+                <a16:creationId xmlns:a16="http://schemas.microsoft.com/office/drawing/2014/main" id="{12FE4EA2-71FC-224C-A794-CC3A36CE4DF6}"/>
+              </a:ext>
+            </a:extLst>
+          </p:cNvPr>
+          <p:cNvSpPr/>
+          <p:nvPr/>
+        </p:nvSpPr>
+        <p:spPr>
+          <a:xfrm>
+            <a:off x="768927" y="3999057"/>
+            <a:ext cx="2493818" cy="2493818"/>
+          </a:xfrm>
+          <a:prstGeom prst="ellipse">
+            <a:avLst/>
+          </a:prstGeom>
+        </p:spPr>
+        <p:style>
+          <a:lnRef idx="1">
+            <a:schemeClr val="dk1"/>
+          </a:lnRef>
+          <a:fillRef idx="2">
+            <a:schemeClr val="dk1"/>
+          </a:fillRef>
+          <a:effectRef idx="1">
+            <a:schemeClr val="dk1"/>
+          </a:effectRef>
+          <a:fontRef idx="minor">
+            <a:schemeClr val="dk1"/>
+          </a:fontRef>
+        </p:style>
+        <p:txBody>
+          <a:bodyPr rtlCol="0" anchor="ctr"/>
+          <a:lstStyle/>
+          <a:p>
+            <a:pPr algn="ctr"/>
+            <a:endParaRPr lang="en-US"/>
+          </a:p>
+        </p:txBody>
+      </p:sp>
+      <p:sp>
+        <p:nvSpPr>
+          <p:cNvPr id="5" name="Oval 4">
+            <a:extLst>
+              <a:ext uri="{FF2B5EF4-FFF2-40B4-BE49-F238E27FC236}">
+                <a16:creationId xmlns:a16="http://schemas.microsoft.com/office/drawing/2014/main" id="{CB4FF9B6-2A8F-220D-54FD-F6BF2C53C595}"/>
+              </a:ext>
+            </a:extLst>
+          </p:cNvPr>
+          <p:cNvSpPr/>
+          <p:nvPr/>
+        </p:nvSpPr>
+        <p:spPr>
+          <a:xfrm>
+            <a:off x="1091045" y="4321175"/>
+            <a:ext cx="1849582" cy="1849582"/>
+          </a:xfrm>
+          <a:prstGeom prst="ellipse">
+            <a:avLst/>
+          </a:prstGeom>
+        </p:spPr>
+        <p:style>
+          <a:lnRef idx="2">
+            <a:schemeClr val="dk1">
+              <a:shade val="50000"/>
+            </a:schemeClr>
+          </a:lnRef>
+          <a:fillRef idx="1">
+            <a:schemeClr val="dk1"/>
+          </a:fillRef>
+          <a:effectRef idx="0">
+            <a:schemeClr val="dk1"/>
+          </a:effectRef>
+          <a:fontRef idx="minor">
+            <a:schemeClr val="lt1"/>
+          </a:fontRef>
+        </p:style>
+        <p:txBody>
+          <a:bodyPr rtlCol="0" anchor="ctr"/>
+          <a:lstStyle/>
+          <a:p>
+            <a:pPr algn="ctr"/>
+            <a:endParaRPr lang="en-US"/>
+          </a:p>
+        </p:txBody>
+      </p:sp>
+      <p:sp>
+        <p:nvSpPr>
+          <p:cNvPr id="6" name="Oval 5">
+            <a:extLst>
+              <a:ext uri="{FF2B5EF4-FFF2-40B4-BE49-F238E27FC236}">
+                <a16:creationId xmlns:a16="http://schemas.microsoft.com/office/drawing/2014/main" id="{97AB58C2-C5EA-B43E-1CDD-CC8FD249746D}"/>
+              </a:ext>
+            </a:extLst>
+          </p:cNvPr>
+          <p:cNvSpPr/>
+          <p:nvPr/>
+        </p:nvSpPr>
+        <p:spPr>
+          <a:xfrm>
+            <a:off x="2369125" y="5434445"/>
+            <a:ext cx="259773" cy="259773"/>
+          </a:xfrm>
+          <a:prstGeom prst="ellipse">
+            <a:avLst/>
+          </a:prstGeom>
+        </p:spPr>
+        <p:style>
+          <a:lnRef idx="2">
+            <a:schemeClr val="dk1"/>
+          </a:lnRef>
+          <a:fillRef idx="1">
+            <a:schemeClr val="lt1"/>
+          </a:fillRef>
+          <a:effectRef idx="0">
+            <a:schemeClr val="dk1"/>
+          </a:effectRef>
+          <a:fontRef idx="minor">
+            <a:schemeClr val="dk1"/>
+          </a:fontRef>
+        </p:style>
+        <p:txBody>
+          <a:bodyPr rtlCol="0" anchor="ctr"/>
+          <a:lstStyle/>
+          <a:p>
+            <a:pPr algn="ctr"/>
+            <a:endParaRPr lang="en-US"/>
+          </a:p>
+        </p:txBody>
+      </p:sp>
+      <p:sp>
+        <p:nvSpPr>
+          <p:cNvPr id="7" name="Oval 6">
+            <a:extLst>
+              <a:ext uri="{FF2B5EF4-FFF2-40B4-BE49-F238E27FC236}">
+                <a16:creationId xmlns:a16="http://schemas.microsoft.com/office/drawing/2014/main" id="{83EC32B5-6279-5C96-CC6E-17A2C3A724AD}"/>
+              </a:ext>
+            </a:extLst>
+          </p:cNvPr>
+          <p:cNvSpPr/>
+          <p:nvPr/>
+        </p:nvSpPr>
+        <p:spPr>
+          <a:xfrm>
+            <a:off x="1423552" y="5434445"/>
+            <a:ext cx="259773" cy="259773"/>
+          </a:xfrm>
+          <a:prstGeom prst="ellipse">
+            <a:avLst/>
+          </a:prstGeom>
+        </p:spPr>
+        <p:style>
+          <a:lnRef idx="2">
+            <a:schemeClr val="dk1"/>
+          </a:lnRef>
+          <a:fillRef idx="1">
+            <a:schemeClr val="lt1"/>
+          </a:fillRef>
+          <a:effectRef idx="0">
+            <a:schemeClr val="dk1"/>
+          </a:effectRef>
+          <a:fontRef idx="minor">
+            <a:schemeClr val="dk1"/>
+          </a:fontRef>
+        </p:style>
+        <p:txBody>
+          <a:bodyPr rtlCol="0" anchor="ctr"/>
+          <a:lstStyle/>
+          <a:p>
+            <a:pPr algn="ctr"/>
+            <a:endParaRPr lang="en-US"/>
+          </a:p>
+        </p:txBody>
+      </p:sp>
+      <p:pic>
+        <p:nvPicPr>
+          <p:cNvPr id="8" name="sam">
+            <a:hlinkClick r:id="" action="ppaction://media"/>
+            <a:extLst>
+              <a:ext uri="{FF2B5EF4-FFF2-40B4-BE49-F238E27FC236}">
+                <a16:creationId xmlns:a16="http://schemas.microsoft.com/office/drawing/2014/main" id="{368706DF-DC35-8B3D-0954-295B9B9189B7}"/>
+              </a:ext>
+            </a:extLst>
+          </p:cNvPr>
+          <p:cNvPicPr>
+            <a:picLocks noChangeAspect="1"/>
+          </p:cNvPicPr>
+          <p:nvPr>
+            <a:audioFile r:link="rId2"/>
+            <p:extLst>
+              <p:ext uri="{DAA4B4D4-6D71-4841-9C94-3DE7FCFB9230}">
+                <p14:media xmlns:p14="http://schemas.microsoft.com/office/powerpoint/2010/main" r:embed="rId1"/>
+              </p:ext>
+            </p:extLst>
+          </p:nvPr>
+        </p:nvPicPr>
+        <p:blipFill>
+          <a:blip r:embed="rId4"/>
+          <a:stretch>
+            <a:fillRect/>
+          </a:stretch>
+        </p:blipFill>
+        <p:spPr>
+          <a:xfrm>
+            <a:off x="5851525" y="3184525"/>
+            <a:ext cx="487363" cy="487363"/>
+          </a:xfrm>
+          <a:prstGeom prst="rect">
+            <a:avLst/>
+          </a:prstGeom>
+        </p:spPr>
+      </p:pic>
+    </p:spTree>
+    <p:extLst>
+      <p:ext uri="{BB962C8B-B14F-4D97-AF65-F5344CB8AC3E}">
+        <p14:creationId xmlns:p14="http://schemas.microsoft.com/office/powerpoint/2010/main" val="2156876428"/>
+      </p:ext>
+    </p:extLst>
+  </p:cSld>
+  <p:clrMapOvr>
+    <a:masterClrMapping/>
+  </p:clrMapOvr>
+  <mc:AlternateContent xmlns:mc="http://schemas.openxmlformats.org/markup-compatibility/2006">
+    <mc:Choice xmlns:p14="http://schemas.microsoft.com/office/powerpoint/2010/main" Requires="p14">
+      <p:transition spd="slow" advTm="8000">
+        <p14:reveal/>
+      </p:transition>
+    </mc:Choice>
+    <mc:Fallback>
+      <p:transition spd="slow" advTm="8000">
+        <p:fade/>
+      </p:transition>
+    </mc:Fallback>
+  </mc:AlternateContent>
+  <p:timing>
+    <p:tnLst>
+      <p:par>
+        <p:cTn id="1" dur="indefinite" restart="never" nodeType="tmRoot">
+          <p:childTnLst>
+            <p:seq concurrent="1" nextAc="seek">
+              <p:cTn id="2" dur="indefinite" nodeType="mainSeq">
+                <p:childTnLst>
+                  <p:par>
+                    <p:cTn id="3" fill="hold">
+                      <p:stCondLst>
+                        <p:cond delay="indefinite"/>
+                        <p:cond evt="onBegin" delay="0">
+                          <p:tn val="2"/>
+                        </p:cond>
+                      </p:stCondLst>
+                      <p:childTnLst>
+                        <p:par>
+                          <p:cTn id="4" fill="hold">
+                            <p:stCondLst>
+                              <p:cond delay="0"/>
+                            </p:stCondLst>
+                            <p:childTnLst>
+                              <p:par>
+                                <p:cTn id="5" presetID="1" presetClass="mediacall" presetSubtype="0" fill="hold" nodeType="afterEffect">
+                                  <p:stCondLst>
+                                    <p:cond delay="0"/>
+                                  </p:stCondLst>
+                                  <p:childTnLst>
+                                    <p:cmd type="call" cmd="playFrom(0.0)">
+                                      <p:cBhvr>
+                                        <p:cTn id="6" dur="6791" fill="hold"/>
+                                        <p:tgtEl>
+                                          <p:spTgt spid="8"/>
+                                        </p:tgtEl>
+                                      </p:cBhvr>
+                                    </p:cmd>
+                                  </p:childTnLst>
+                                </p:cTn>
+                              </p:par>
+                              <p:par>
+                                <p:cTn id="7" presetID="22" presetClass="entr" presetSubtype="8" fill="hold" nodeType="withEffect">
+                                  <p:stCondLst>
+                                    <p:cond delay="0"/>
+                                  </p:stCondLst>
+                                  <p:childTnLst>
+                                    <p:set>
+                                      <p:cBhvr>
+                                        <p:cTn id="8" dur="1" fill="hold">
+                                          <p:stCondLst>
+                                            <p:cond delay="0"/>
+                                          </p:stCondLst>
+                                        </p:cTn>
+                                        <p:tgtEl>
+                                          <p:spTgt spid="3">
+                                            <p:txEl>
+                                              <p:pRg st="0" end="0"/>
+                                            </p:txEl>
+                                          </p:spTgt>
+                                        </p:tgtEl>
+                                        <p:attrNameLst>
+                                          <p:attrName>style.visibility</p:attrName>
+                                        </p:attrNameLst>
+                                      </p:cBhvr>
+                                      <p:to>
+                                        <p:strVal val="visible"/>
+                                      </p:to>
+                                    </p:set>
+                                    <p:animEffect transition="in" filter="wipe(left)">
+                                      <p:cBhvr>
+                                        <p:cTn id="9" dur="6000"/>
+                                        <p:tgtEl>
+                                          <p:spTgt spid="3">
+                                            <p:txEl>
+                                              <p:pRg st="0" end="0"/>
+                                            </p:txEl>
+                                          </p:spTgt>
+                                        </p:tgtEl>
+                                      </p:cBhvr>
+                                    </p:animEffect>
+                                  </p:childTnLst>
+                                </p:cTn>
+                              </p:par>
+                              <p:par>
+                                <p:cTn id="10" presetID="22" presetClass="entr" presetSubtype="8" fill="hold" nodeType="withEffect">
+                                  <p:stCondLst>
+                                    <p:cond delay="0"/>
+                                  </p:stCondLst>
+                                  <p:childTnLst>
+                                    <p:set>
+                                      <p:cBhvr>
+                                        <p:cTn id="11" dur="1" fill="hold">
+                                          <p:stCondLst>
+                                            <p:cond delay="0"/>
+                                          </p:stCondLst>
+                                        </p:cTn>
+                                        <p:tgtEl>
+                                          <p:spTgt spid="3">
+                                            <p:txEl>
+                                              <p:pRg st="1" end="1"/>
+                                            </p:txEl>
+                                          </p:spTgt>
+                                        </p:tgtEl>
+                                        <p:attrNameLst>
+                                          <p:attrName>style.visibility</p:attrName>
+                                        </p:attrNameLst>
+                                      </p:cBhvr>
+                                      <p:to>
+                                        <p:strVal val="visible"/>
+                                      </p:to>
+                                    </p:set>
+                                    <p:animEffect transition="in" filter="wipe(left)">
+                                      <p:cBhvr>
+                                        <p:cTn id="12" dur="6000"/>
+                                        <p:tgtEl>
+                                          <p:spTgt spid="3">
+                                            <p:txEl>
+                                              <p:pRg st="1" end="1"/>
+                                            </p:txEl>
+                                          </p:spTgt>
+                                        </p:tgtEl>
+                                      </p:cBhvr>
+                                    </p:animEffect>
+                                  </p:childTnLst>
+                                </p:cTn>
+                              </p:par>
+                            </p:childTnLst>
+                          </p:cTn>
+                        </p:par>
+                      </p:childTnLst>
+                    </p:cTn>
+                  </p:par>
+                </p:childTnLst>
+              </p:cTn>
+              <p:prevCondLst>
+                <p:cond evt="onPrev" delay="0">
+                  <p:tgtEl>
+                    <p:sldTgt/>
+                  </p:tgtEl>
+                </p:cond>
+              </p:prevCondLst>
+              <p:nextCondLst>
+                <p:cond evt="onNext" delay="0">
+                  <p:tgtEl>
+                    <p:sldTgt/>
+                  </p:tgtEl>
+                </p:cond>
+              </p:nextCondLst>
+            </p:seq>
+            <p:audio>
+              <p:cMediaNode vol="80000" showWhenStopped="0">
+                <p:cTn id="13" fill="hold" display="0">
+                  <p:stCondLst>
+                    <p:cond delay="indefinite"/>
+                  </p:stCondLst>
+                  <p:endCondLst>
+                    <p:cond evt="onStopAudio" delay="0">
+                      <p:tgtEl>
+                        <p:sldTgt/>
+                      </p:tgtEl>
+                    </p:cond>
+                  </p:endCondLst>
+                </p:cTn>
+                <p:tgtEl>
+                  <p:spTgt spid="8"/>
+                </p:tgtEl>
+              </p:cMediaNode>
+            </p:audio>
+          </p:childTnLst>
+        </p:cTn>
+      </p:par>
+    </p:tnLst>
+  </p:timing>
+</p:sld>
+</file>
+
+<file path=ppt/slides/slide24.xml><?xml version="1.0" encoding="utf-8"?>
+<p:sld xmlns:a="http://schemas.openxmlformats.org/drawingml/2006/main" xmlns:r="http://schemas.openxmlformats.org/officeDocument/2006/relationships" xmlns:p="http://schemas.openxmlformats.org/presentationml/2006/main">
+  <p:cSld>
+    <p:spTree>
+      <p:nvGrpSpPr>
+        <p:cNvPr id="1" name=""/>
+        <p:cNvGrpSpPr/>
+        <p:nvPr/>
+      </p:nvGrpSpPr>
+      <p:grpSpPr>
+        <a:xfrm>
+          <a:off x="0" y="0"/>
+          <a:ext cx="0" cy="0"/>
+          <a:chOff x="0" y="0"/>
+          <a:chExt cx="0" cy="0"/>
+        </a:xfrm>
+      </p:grpSpPr>
+      <p:sp>
+        <p:nvSpPr>
+          <p:cNvPr id="2" name="Title 1">
+            <a:extLst>
+              <a:ext uri="{FF2B5EF4-FFF2-40B4-BE49-F238E27FC236}">
+                <a16:creationId xmlns:a16="http://schemas.microsoft.com/office/drawing/2014/main" id="{B213572A-1336-DE45-C4F5-AAC832002F62}"/>
+              </a:ext>
+            </a:extLst>
+          </p:cNvPr>
+          <p:cNvSpPr>
+            <a:spLocks noGrp="1"/>
+          </p:cNvSpPr>
+          <p:nvPr>
+            <p:ph type="ctrTitle"/>
+          </p:nvPr>
+        </p:nvSpPr>
+        <p:spPr/>
+        <p:txBody>
+          <a:bodyPr/>
+          <a:lstStyle/>
+          <a:p>
+            <a:r>
+              <a:rPr lang="en-US" dirty="0"/>
+              <a:t>To Be Continued</a:t>
+            </a:r>
+          </a:p>
+        </p:txBody>
+      </p:sp>
+      <p:sp>
+        <p:nvSpPr>
+          <p:cNvPr id="9" name="Cross 8">
+            <a:hlinkClick r:id="rId2" action="ppaction://hlinksldjump"/>
+            <a:extLst>
+              <a:ext uri="{FF2B5EF4-FFF2-40B4-BE49-F238E27FC236}">
+                <a16:creationId xmlns:a16="http://schemas.microsoft.com/office/drawing/2014/main" id="{20E7D21C-849C-9C5D-E858-FD465EF2B520}"/>
+              </a:ext>
+            </a:extLst>
+          </p:cNvPr>
+          <p:cNvSpPr/>
+          <p:nvPr/>
+        </p:nvSpPr>
+        <p:spPr>
+          <a:xfrm rot="2700000">
+            <a:off x="5113193" y="3605645"/>
+            <a:ext cx="1965614" cy="1965614"/>
+          </a:xfrm>
+          <a:prstGeom prst="plus">
+            <a:avLst>
+              <a:gd name="adj" fmla="val 40330"/>
+            </a:avLst>
+          </a:prstGeom>
+        </p:spPr>
+        <p:style>
+          <a:lnRef idx="1">
+            <a:schemeClr val="accent1"/>
+          </a:lnRef>
+          <a:fillRef idx="2">
+            <a:schemeClr val="accent1"/>
+          </a:fillRef>
+          <a:effectRef idx="1">
+            <a:schemeClr val="accent1"/>
+          </a:effectRef>
+          <a:fontRef idx="minor">
+            <a:schemeClr val="dk1"/>
+          </a:fontRef>
+        </p:style>
+        <p:txBody>
+          <a:bodyPr rtlCol="0" anchor="ctr"/>
+          <a:lstStyle/>
+          <a:p>
+            <a:pPr algn="ctr"/>
+            <a:endParaRPr lang="en-US"/>
+          </a:p>
+        </p:txBody>
+      </p:sp>
+    </p:spTree>
+    <p:extLst>
+      <p:ext uri="{BB962C8B-B14F-4D97-AF65-F5344CB8AC3E}">
+        <p14:creationId xmlns:p14="http://schemas.microsoft.com/office/powerpoint/2010/main" val="578125677"/>
+      </p:ext>
+    </p:extLst>
+  </p:cSld>
+  <p:clrMapOvr>
+    <a:masterClrMapping/>
+  </p:clrMapOvr>
+  <mc:AlternateContent xmlns:mc="http://schemas.openxmlformats.org/markup-compatibility/2006">
+    <mc:Choice xmlns:p14="http://schemas.microsoft.com/office/powerpoint/2010/main" Requires="p14">
+      <p:transition spd="slow" p14:dur="1500">
+        <p:split orient="vert"/>
+      </p:transition>
+    </mc:Choice>
+    <mc:Fallback>
+      <p:transition spd="slow">
+        <p:split orient="vert"/>
+      </p:transition>
+    </mc:Fallback>
+  </mc:AlternateContent>
+  <p:timing>
+    <p:tnLst>
+      <p:par>
+        <p:cTn id="1" dur="indefinite" restart="never" nodeType="tmRoot">
+          <p:childTnLst>
+            <p:seq concurrent="1" nextAc="seek">
+              <p:cTn id="2" dur="indefinite" nodeType="mainSeq">
+                <p:childTnLst>
+                  <p:par>
+                    <p:cTn id="3" fill="hold">
+                      <p:stCondLst>
+                        <p:cond delay="indefinite"/>
+                        <p:cond evt="onBegin" delay="0">
+                          <p:tn val="2"/>
+                        </p:cond>
+                      </p:stCondLst>
+                      <p:childTnLst>
+                        <p:par>
+                          <p:cTn id="4" fill="hold">
+                            <p:stCondLst>
+                              <p:cond delay="0"/>
+                            </p:stCondLst>
+                            <p:childTnLst>
+                              <p:par>
+                                <p:cTn id="5" presetID="22" presetClass="entr" presetSubtype="8" fill="hold" grpId="0" nodeType="withEffect">
+                                  <p:stCondLst>
+                                    <p:cond delay="0"/>
+                                  </p:stCondLst>
+                                  <p:childTnLst>
+                                    <p:set>
+                                      <p:cBhvr>
+                                        <p:cTn id="6" dur="1" fill="hold">
+                                          <p:stCondLst>
+                                            <p:cond delay="0"/>
+                                          </p:stCondLst>
+                                        </p:cTn>
+                                        <p:tgtEl>
+                                          <p:spTgt spid="2"/>
+                                        </p:tgtEl>
+                                        <p:attrNameLst>
+                                          <p:attrName>style.visibility</p:attrName>
+                                        </p:attrNameLst>
+                                      </p:cBhvr>
+                                      <p:to>
+                                        <p:strVal val="visible"/>
+                                      </p:to>
+                                    </p:set>
+                                    <p:animEffect transition="in" filter="wipe(left)">
+                                      <p:cBhvr>
+                                        <p:cTn id="7" dur="3000"/>
+                                        <p:tgtEl>
+                                          <p:spTgt spid="2"/>
+                                        </p:tgtEl>
+                                      </p:cBhvr>
+                                    </p:animEffect>
+                                  </p:childTnLst>
+                                </p:cTn>
+                              </p:par>
+                              <p:par>
+                                <p:cTn id="8" presetID="8" presetClass="emph" presetSubtype="0" repeatCount="indefinite" autoRev="1" fill="hold" grpId="0" nodeType="withEffect">
+                                  <p:stCondLst>
+                                    <p:cond delay="0"/>
+                                  </p:stCondLst>
+                                  <p:childTnLst>
+                                    <p:animRot by="-21600000">
+                                      <p:cBhvr>
+                                        <p:cTn id="9" dur="1000" fill="hold"/>
+                                        <p:tgtEl>
+                                          <p:spTgt spid="9"/>
+                                        </p:tgtEl>
+                                        <p:attrNameLst>
+                                          <p:attrName>r</p:attrName>
+                                        </p:attrNameLst>
+                                      </p:cBhvr>
+                                    </p:animRot>
+                                  </p:childTnLst>
+                                </p:cTn>
+                              </p:par>
+                            </p:childTnLst>
+                          </p:cTn>
+                        </p:par>
+                      </p:childTnLst>
+                    </p:cTn>
+                  </p:par>
+                </p:childTnLst>
+              </p:cTn>
+              <p:prevCondLst>
+                <p:cond evt="onPrev" delay="0">
+                  <p:tgtEl>
+                    <p:sldTgt/>
+                  </p:tgtEl>
+                </p:cond>
+              </p:prevCondLst>
+              <p:nextCondLst>
+                <p:cond evt="onNext" delay="0">
+                  <p:tgtEl>
+                    <p:sldTgt/>
+                  </p:tgtEl>
+                </p:cond>
+              </p:nextCondLst>
+            </p:seq>
+          </p:childTnLst>
+        </p:cTn>
+      </p:par>
+    </p:tnLst>
+    <p:bldLst>
+      <p:bldP spid="2" grpId="0"/>
+      <p:bldP spid="9" grpId="0" animBg="1"/>
+    </p:bldLst>
+  </p:timing>
+</p:sld>
+</file>
+
+<file path=ppt/slides/slide25.xml><?xml version="1.0" encoding="utf-8"?>
 <p:sld xmlns:a="http://schemas.openxmlformats.org/drawingml/2006/main" xmlns:r="http://schemas.openxmlformats.org/officeDocument/2006/relationships" xmlns:p="http://schemas.openxmlformats.org/presentationml/2006/main">
   <p:cSld>
     <p:spTree>
@@ -12042,7 +13887,7 @@
 </p:sld>
 </file>
 
-<file path=ppt/slides/slide23.xml><?xml version="1.0" encoding="utf-8"?>
+<file path=ppt/slides/slide26.xml><?xml version="1.0" encoding="utf-8"?>
 <p:sld xmlns:a="http://schemas.openxmlformats.org/drawingml/2006/main" xmlns:r="http://schemas.openxmlformats.org/officeDocument/2006/relationships" xmlns:p="http://schemas.openxmlformats.org/presentationml/2006/main">
   <p:cSld>
     <p:spTree>
@@ -12387,7 +14232,7 @@
 </p:sld>
 </file>
 
-<file path=ppt/slides/slide24.xml><?xml version="1.0" encoding="utf-8"?>
+<file path=ppt/slides/slide27.xml><?xml version="1.0" encoding="utf-8"?>
 <p:sld xmlns:a="http://schemas.openxmlformats.org/drawingml/2006/main" xmlns:r="http://schemas.openxmlformats.org/officeDocument/2006/relationships" xmlns:p="http://schemas.openxmlformats.org/presentationml/2006/main">
   <p:cSld>
     <p:spTree>
@@ -12631,13 +14476,13 @@
   <p:clrMapOvr>
     <a:masterClrMapping/>
   </p:clrMapOvr>
-  <mc:AlternateContent xmlns:mc="http://schemas.openxmlformats.org/markup-compatibility/2006">
-    <mc:Choice xmlns:p14="http://schemas.microsoft.com/office/powerpoint/2010/main" Requires="p14">
+  <mc:AlternateContent xmlns:mc="http://schemas.openxmlformats.org/markup-compatibility/2006" xmlns:p14="http://schemas.microsoft.com/office/powerpoint/2010/main">
+    <mc:Choice Requires="p14">
       <p:transition spd="slow">
         <p14:flash/>
       </p:transition>
     </mc:Choice>
-    <mc:Fallback>
+    <mc:Fallback xmlns="">
       <p:transition spd="slow">
         <p:fade/>
       </p:transition>
@@ -12789,7 +14634,7 @@
 </p:sld>
 </file>
 
-<file path=ppt/slides/slide25.xml><?xml version="1.0" encoding="utf-8"?>
+<file path=ppt/slides/slide28.xml><?xml version="1.0" encoding="utf-8"?>
 <p:sld xmlns:a="http://schemas.openxmlformats.org/drawingml/2006/main" xmlns:r="http://schemas.openxmlformats.org/officeDocument/2006/relationships" xmlns:p="http://schemas.openxmlformats.org/presentationml/2006/main">
   <p:cSld>
     <p:spTree>
@@ -13129,13 +14974,13 @@
   <p:clrMapOvr>
     <a:masterClrMapping/>
   </p:clrMapOvr>
-  <mc:AlternateContent xmlns:mc="http://schemas.openxmlformats.org/markup-compatibility/2006">
-    <mc:Choice xmlns:p14="http://schemas.microsoft.com/office/powerpoint/2010/main" Requires="p14">
+  <mc:AlternateContent xmlns:mc="http://schemas.openxmlformats.org/markup-compatibility/2006" xmlns:p14="http://schemas.microsoft.com/office/powerpoint/2010/main">
+    <mc:Choice Requires="p14">
       <p:transition spd="slow" p14:dur="1400">
         <p14:doors dir="vert"/>
       </p:transition>
     </mc:Choice>
-    <mc:Fallback>
+    <mc:Fallback xmlns="">
       <p:transition spd="slow">
         <p:fade/>
       </p:transition>
@@ -13144,7 +14989,7 @@
 </p:sld>
 </file>
 
-<file path=ppt/slides/slide26.xml><?xml version="1.0" encoding="utf-8"?>
+<file path=ppt/slides/slide29.xml><?xml version="1.0" encoding="utf-8"?>
 <p:sld xmlns:a="http://schemas.openxmlformats.org/drawingml/2006/main" xmlns:r="http://schemas.openxmlformats.org/officeDocument/2006/relationships" xmlns:p="http://schemas.openxmlformats.org/presentationml/2006/main">
   <p:cSld>
     <p:bg>
@@ -13907,13 +15752,13 @@
   <p:clrMapOvr>
     <a:masterClrMapping/>
   </p:clrMapOvr>
-  <mc:AlternateContent xmlns:mc="http://schemas.openxmlformats.org/markup-compatibility/2006">
-    <mc:Choice xmlns:p15="http://schemas.microsoft.com/office/powerpoint/2012/main" Requires="p15">
+  <mc:AlternateContent xmlns:mc="http://schemas.openxmlformats.org/markup-compatibility/2006" xmlns:p15="http://schemas.microsoft.com/office/powerpoint/2012/main">
+    <mc:Choice Requires="p15">
       <p:transition xmlns:p14="http://schemas.microsoft.com/office/powerpoint/2010/main" spd="slow" p14:dur="2000">
         <p15:prstTrans prst="fracture"/>
       </p:transition>
     </mc:Choice>
-    <mc:Fallback>
+    <mc:Fallback xmlns="">
       <p:transition spd="slow">
         <p:fade/>
       </p:transition>
@@ -14131,7 +15976,7 @@
 </p:sld>
 </file>
 
-<file path=ppt/slides/slide27.xml><?xml version="1.0" encoding="utf-8"?>
+<file path=ppt/slides/slide3.xml><?xml version="1.0" encoding="utf-8"?>
 <p:sld xmlns:a="http://schemas.openxmlformats.org/drawingml/2006/main" xmlns:r="http://schemas.openxmlformats.org/officeDocument/2006/relationships" xmlns:p="http://schemas.openxmlformats.org/presentationml/2006/main">
   <p:cSld>
     <p:spTree>
@@ -14150,6 +15995,117 @@
       </p:grpSpPr>
       <p:sp>
         <p:nvSpPr>
+          <p:cNvPr id="2" name="Title 1">
+            <a:extLst>
+              <a:ext uri="{FF2B5EF4-FFF2-40B4-BE49-F238E27FC236}">
+                <a16:creationId xmlns:a16="http://schemas.microsoft.com/office/drawing/2014/main" id="{9064A0C9-9396-1779-59A4-1B7DBB029E09}"/>
+              </a:ext>
+            </a:extLst>
+          </p:cNvPr>
+          <p:cNvSpPr>
+            <a:spLocks noGrp="1"/>
+          </p:cNvSpPr>
+          <p:nvPr>
+            <p:ph type="title"/>
+          </p:nvPr>
+        </p:nvSpPr>
+        <p:spPr/>
+        <p:txBody>
+          <a:bodyPr/>
+          <a:lstStyle/>
+          <a:p>
+            <a:r>
+              <a:rPr lang="en-US" dirty="0"/>
+              <a:t>Mod (Remixing) </a:t>
+            </a:r>
+            <a:r>
+              <a:rPr lang="en-US" dirty="0">
+                <a:hlinkClick r:id="" action="ppaction://hlinkshowjump?jump=previousslide"/>
+              </a:rPr>
+              <a:t>Guidelines</a:t>
+            </a:r>
+            <a:endParaRPr lang="en-US" dirty="0"/>
+          </a:p>
+        </p:txBody>
+      </p:sp>
+      <p:sp>
+        <p:nvSpPr>
+          <p:cNvPr id="3" name="Content Placeholder 2">
+            <a:extLst>
+              <a:ext uri="{FF2B5EF4-FFF2-40B4-BE49-F238E27FC236}">
+                <a16:creationId xmlns:a16="http://schemas.microsoft.com/office/drawing/2014/main" id="{53665404-4A42-77C9-D154-AF9B5FFEB57D}"/>
+              </a:ext>
+            </a:extLst>
+          </p:cNvPr>
+          <p:cNvSpPr>
+            <a:spLocks noGrp="1"/>
+          </p:cNvSpPr>
+          <p:nvPr>
+            <p:ph idx="1"/>
+          </p:nvPr>
+        </p:nvSpPr>
+        <p:spPr/>
+        <p:txBody>
+          <a:bodyPr/>
+          <a:lstStyle/>
+          <a:p>
+            <a:r>
+              <a:rPr lang="en-US" dirty="0"/>
+              <a:t>Mods can be verified if it uses PowerPoint Tools.</a:t>
+            </a:r>
+          </a:p>
+          <a:p>
+            <a:endParaRPr lang="en-US" dirty="0"/>
+          </a:p>
+          <a:p>
+            <a:r>
+              <a:rPr lang="en-US" dirty="0"/>
+              <a:t>Any reserving texts should be deleted to be verified.</a:t>
+            </a:r>
+          </a:p>
+          <a:p>
+            <a:endParaRPr lang="en-US" dirty="0"/>
+          </a:p>
+          <a:p>
+            <a:r>
+              <a:rPr lang="en-US" dirty="0"/>
+              <a:t>Mods must be user-friendly</a:t>
+            </a:r>
+          </a:p>
+        </p:txBody>
+      </p:sp>
+    </p:spTree>
+    <p:extLst>
+      <p:ext uri="{BB962C8B-B14F-4D97-AF65-F5344CB8AC3E}">
+        <p14:creationId xmlns:p14="http://schemas.microsoft.com/office/powerpoint/2010/main" val="2089267522"/>
+      </p:ext>
+    </p:extLst>
+  </p:cSld>
+  <p:clrMapOvr>
+    <a:masterClrMapping/>
+  </p:clrMapOvr>
+</p:sld>
+</file>
+
+<file path=ppt/slides/slide30.xml><?xml version="1.0" encoding="utf-8"?>
+<p:sld xmlns:a="http://schemas.openxmlformats.org/drawingml/2006/main" xmlns:r="http://schemas.openxmlformats.org/officeDocument/2006/relationships" xmlns:p="http://schemas.openxmlformats.org/presentationml/2006/main">
+  <p:cSld>
+    <p:spTree>
+      <p:nvGrpSpPr>
+        <p:cNvPr id="1" name=""/>
+        <p:cNvGrpSpPr/>
+        <p:nvPr/>
+      </p:nvGrpSpPr>
+      <p:grpSpPr>
+        <a:xfrm>
+          <a:off x="0" y="0"/>
+          <a:ext cx="0" cy="0"/>
+          <a:chOff x="0" y="0"/>
+          <a:chExt cx="0" cy="0"/>
+        </a:xfrm>
+      </p:grpSpPr>
+      <p:sp>
+        <p:nvSpPr>
           <p:cNvPr id="4" name="Title 3">
             <a:extLst>
               <a:ext uri="{FF2B5EF4-FFF2-40B4-BE49-F238E27FC236}">
@@ -14379,13 +16335,13 @@
   <p:clrMapOvr>
     <a:masterClrMapping/>
   </p:clrMapOvr>
-  <mc:AlternateContent xmlns:mc="http://schemas.openxmlformats.org/markup-compatibility/2006">
-    <mc:Choice xmlns:p14="http://schemas.microsoft.com/office/powerpoint/2010/main" Requires="p14">
+  <mc:AlternateContent xmlns:mc="http://schemas.openxmlformats.org/markup-compatibility/2006" xmlns:p14="http://schemas.microsoft.com/office/powerpoint/2010/main">
+    <mc:Choice Requires="p14">
       <p:transition spd="slow">
         <p14:flash/>
       </p:transition>
     </mc:Choice>
-    <mc:Fallback>
+    <mc:Fallback xmlns="">
       <p:transition spd="slow">
         <p:fade/>
       </p:transition>
@@ -14485,7 +16441,7 @@
 </p:sld>
 </file>
 
-<file path=ppt/slides/slide28.xml><?xml version="1.0" encoding="utf-8"?>
+<file path=ppt/slides/slide31.xml><?xml version="1.0" encoding="utf-8"?>
 <p:sld xmlns:a="http://schemas.openxmlformats.org/drawingml/2006/main" xmlns:r="http://schemas.openxmlformats.org/officeDocument/2006/relationships" xmlns:p="http://schemas.openxmlformats.org/presentationml/2006/main">
   <p:cSld>
     <p:spTree>
@@ -14826,13 +16782,13 @@
   <p:clrMapOvr>
     <a:masterClrMapping/>
   </p:clrMapOvr>
-  <mc:AlternateContent xmlns:mc="http://schemas.openxmlformats.org/markup-compatibility/2006">
-    <mc:Choice xmlns:p14="http://schemas.microsoft.com/office/powerpoint/2010/main" Requires="p14">
+  <mc:AlternateContent xmlns:mc="http://schemas.openxmlformats.org/markup-compatibility/2006" xmlns:p14="http://schemas.microsoft.com/office/powerpoint/2010/main">
+    <mc:Choice Requires="p14">
       <p:transition spd="slow" p14:dur="1400">
         <p14:doors dir="vert"/>
       </p:transition>
     </mc:Choice>
-    <mc:Fallback>
+    <mc:Fallback xmlns="">
       <p:transition spd="slow">
         <p:fade/>
       </p:transition>
@@ -14841,7 +16797,7 @@
 </p:sld>
 </file>
 
-<file path=ppt/slides/slide29.xml><?xml version="1.0" encoding="utf-8"?>
+<file path=ppt/slides/slide32.xml><?xml version="1.0" encoding="utf-8"?>
 <p:sld xmlns:a="http://schemas.openxmlformats.org/drawingml/2006/main" xmlns:r="http://schemas.openxmlformats.org/officeDocument/2006/relationships" xmlns:p="http://schemas.openxmlformats.org/presentationml/2006/main">
   <p:cSld>
     <p:spTree>
@@ -14860,10 +16816,138 @@
       </p:grpSpPr>
       <p:sp>
         <p:nvSpPr>
-          <p:cNvPr id="4" name="Rectangle: Rounded Corners 3">
+          <p:cNvPr id="4" name="Title 3">
             <a:extLst>
               <a:ext uri="{FF2B5EF4-FFF2-40B4-BE49-F238E27FC236}">
-                <a16:creationId xmlns:a16="http://schemas.microsoft.com/office/drawing/2014/main" id="{29505FE3-2D63-493D-5830-445696B9A0C4}"/>
+                <a16:creationId xmlns:a16="http://schemas.microsoft.com/office/drawing/2014/main" id="{3D28B20D-C88A-6A70-639B-44CCBF2044CC}"/>
+              </a:ext>
+            </a:extLst>
+          </p:cNvPr>
+          <p:cNvSpPr>
+            <a:spLocks noGrp="1"/>
+          </p:cNvSpPr>
+          <p:nvPr>
+            <p:ph type="title"/>
+          </p:nvPr>
+        </p:nvSpPr>
+        <p:spPr>
+          <a:xfrm>
+            <a:off x="1752600" y="336550"/>
+            <a:ext cx="10515600" cy="1325563"/>
+          </a:xfrm>
+        </p:spPr>
+        <p:txBody>
+          <a:bodyPr/>
+          <a:lstStyle/>
+          <a:p>
+            <a:r>
+              <a:rPr lang="en-US" dirty="0"/>
+              <a:t>Death Screen</a:t>
+            </a:r>
+          </a:p>
+        </p:txBody>
+      </p:sp>
+      <p:pic>
+        <p:nvPicPr>
+          <p:cNvPr id="1026" name="Picture 2" descr="Sad Icons - Download Free Vector Icons | Noun Project">
+            <a:extLst>
+              <a:ext uri="{FF2B5EF4-FFF2-40B4-BE49-F238E27FC236}">
+                <a16:creationId xmlns:a16="http://schemas.microsoft.com/office/drawing/2014/main" id="{641F089B-DA7E-D4C0-9685-6D1EFBB7A922}"/>
+              </a:ext>
+            </a:extLst>
+          </p:cNvPr>
+          <p:cNvPicPr>
+            <a:picLocks noChangeAspect="1" noChangeArrowheads="1"/>
+          </p:cNvPicPr>
+          <p:nvPr/>
+        </p:nvPicPr>
+        <p:blipFill>
+          <a:blip r:embed="rId2">
+            <a:duotone>
+              <a:schemeClr val="accent5">
+                <a:shade val="45000"/>
+                <a:satMod val="135000"/>
+              </a:schemeClr>
+              <a:prstClr val="white"/>
+            </a:duotone>
+            <a:extLst>
+              <a:ext uri="{28A0092B-C50C-407E-A947-70E740481C1C}">
+                <a14:useLocalDpi xmlns:a14="http://schemas.microsoft.com/office/drawing/2010/main" val="0"/>
+              </a:ext>
+            </a:extLst>
+          </a:blip>
+          <a:srcRect/>
+          <a:stretch>
+            <a:fillRect/>
+          </a:stretch>
+        </p:blipFill>
+        <p:spPr bwMode="auto">
+          <a:xfrm>
+            <a:off x="602672" y="523081"/>
+            <a:ext cx="952500" cy="952500"/>
+          </a:xfrm>
+          <a:prstGeom prst="rect">
+            <a:avLst/>
+          </a:prstGeom>
+          <a:extLst>
+            <a:ext uri="{909E8E84-426E-40DD-AFC4-6F175D3DCCD1}">
+              <a14:hiddenFill xmlns:a14="http://schemas.microsoft.com/office/drawing/2010/main">
+                <a:solidFill>
+                  <a:srgbClr val="FFFFFF"/>
+                </a:solidFill>
+              </a14:hiddenFill>
+            </a:ext>
+          </a:extLst>
+        </p:spPr>
+      </p:pic>
+      <p:sp>
+        <p:nvSpPr>
+          <p:cNvPr id="2" name="TextBox 1">
+            <a:extLst>
+              <a:ext uri="{FF2B5EF4-FFF2-40B4-BE49-F238E27FC236}">
+                <a16:creationId xmlns:a16="http://schemas.microsoft.com/office/drawing/2014/main" id="{AB50BDEF-F75E-E13D-520F-E0B9A623229A}"/>
+              </a:ext>
+            </a:extLst>
+          </p:cNvPr>
+          <p:cNvSpPr txBox="1"/>
+          <p:nvPr/>
+        </p:nvSpPr>
+        <p:spPr>
+          <a:xfrm>
+            <a:off x="602672" y="2005446"/>
+            <a:ext cx="9128589" cy="646331"/>
+          </a:xfrm>
+          <a:prstGeom prst="rect">
+            <a:avLst/>
+          </a:prstGeom>
+          <a:noFill/>
+        </p:spPr>
+        <p:txBody>
+          <a:bodyPr wrap="none" rtlCol="0">
+            <a:spAutoFit/>
+          </a:bodyPr>
+          <a:lstStyle/>
+          <a:p>
+            <a:r>
+              <a:rPr lang="en-US" dirty="0"/>
+              <a:t>You have lost the game. However, you can revive yourself. Be careful though</a:t>
+            </a:r>
+          </a:p>
+          <a:p>
+            <a:r>
+              <a:rPr lang="en-US" dirty="0"/>
+              <a:t>because you may only use this once.</a:t>
+            </a:r>
+          </a:p>
+        </p:txBody>
+      </p:sp>
+      <p:sp>
+        <p:nvSpPr>
+          <p:cNvPr id="3" name="Cross 2">
+            <a:hlinkClick r:id="" action="ppaction://hlinkshowjump?jump=lastslideviewed"/>
+            <a:extLst>
+              <a:ext uri="{FF2B5EF4-FFF2-40B4-BE49-F238E27FC236}">
+                <a16:creationId xmlns:a16="http://schemas.microsoft.com/office/drawing/2014/main" id="{E96C45CC-5CAC-7CEC-F8AC-07832C904A79}"/>
               </a:ext>
             </a:extLst>
           </p:cNvPr>
@@ -14872,55 +16956,13 @@
         </p:nvSpPr>
         <p:spPr>
           <a:xfrm>
-            <a:off x="4201945" y="1027804"/>
-            <a:ext cx="786384" cy="785096"/>
-          </a:xfrm>
-          <a:prstGeom prst="roundRect">
-            <a:avLst/>
-          </a:prstGeom>
-        </p:spPr>
-        <p:style>
-          <a:lnRef idx="1">
-            <a:schemeClr val="dk1"/>
-          </a:lnRef>
-          <a:fillRef idx="2">
-            <a:schemeClr val="dk1"/>
-          </a:fillRef>
-          <a:effectRef idx="1">
-            <a:schemeClr val="dk1"/>
-          </a:effectRef>
-          <a:fontRef idx="minor">
-            <a:schemeClr val="dk1"/>
-          </a:fontRef>
-        </p:style>
-        <p:txBody>
-          <a:bodyPr rtlCol="0" anchor="ctr"/>
-          <a:lstStyle/>
-          <a:p>
-            <a:pPr algn="ctr"/>
-            <a:endParaRPr lang="en-US"/>
-          </a:p>
-        </p:txBody>
-      </p:sp>
-      <p:sp>
-        <p:nvSpPr>
-          <p:cNvPr id="5" name="Rectangle: Rounded Corners 4">
-            <a:extLst>
-              <a:ext uri="{FF2B5EF4-FFF2-40B4-BE49-F238E27FC236}">
-                <a16:creationId xmlns:a16="http://schemas.microsoft.com/office/drawing/2014/main" id="{5E5F73DA-6A83-8122-2635-6321FE97BDF6}"/>
-              </a:ext>
-            </a:extLst>
-          </p:cNvPr>
-          <p:cNvSpPr/>
-          <p:nvPr/>
-        </p:nvSpPr>
-        <p:spPr>
-          <a:xfrm>
-            <a:off x="270025" y="255187"/>
-            <a:ext cx="786384" cy="785096"/>
-          </a:xfrm>
-          <a:prstGeom prst="roundRect">
-            <a:avLst/>
+            <a:off x="1555172" y="3605645"/>
+            <a:ext cx="1965614" cy="1965614"/>
+          </a:xfrm>
+          <a:prstGeom prst="plus">
+            <a:avLst>
+              <a:gd name="adj" fmla="val 40330"/>
+            </a:avLst>
           </a:prstGeom>
         </p:spPr>
         <p:style>
@@ -14950,10 +16992,11 @@
       </p:sp>
       <p:sp>
         <p:nvSpPr>
-          <p:cNvPr id="6" name="Rectangle: Rounded Corners 5">
+          <p:cNvPr id="6" name="Cross 5">
+            <a:hlinkClick r:id="rId3" action="ppaction://hlinksldjump"/>
             <a:extLst>
               <a:ext uri="{FF2B5EF4-FFF2-40B4-BE49-F238E27FC236}">
-                <a16:creationId xmlns:a16="http://schemas.microsoft.com/office/drawing/2014/main" id="{1D1F5523-E18F-7C2B-B4AA-F6D0020E0AB9}"/>
+                <a16:creationId xmlns:a16="http://schemas.microsoft.com/office/drawing/2014/main" id="{D3B3BA11-5B11-01FD-B8F5-5A5D84DCD455}"/>
               </a:ext>
             </a:extLst>
           </p:cNvPr>
@@ -14961,8 +17004,336 @@
           <p:nvPr/>
         </p:nvSpPr>
         <p:spPr>
+          <a:xfrm rot="2700000">
+            <a:off x="8748454" y="3605645"/>
+            <a:ext cx="1965614" cy="1965614"/>
+          </a:xfrm>
+          <a:prstGeom prst="plus">
+            <a:avLst>
+              <a:gd name="adj" fmla="val 40330"/>
+            </a:avLst>
+          </a:prstGeom>
+        </p:spPr>
+        <p:style>
+          <a:lnRef idx="1">
+            <a:schemeClr val="accent1"/>
+          </a:lnRef>
+          <a:fillRef idx="2">
+            <a:schemeClr val="accent1"/>
+          </a:fillRef>
+          <a:effectRef idx="1">
+            <a:schemeClr val="accent1"/>
+          </a:effectRef>
+          <a:fontRef idx="minor">
+            <a:schemeClr val="dk1"/>
+          </a:fontRef>
+        </p:style>
+        <p:txBody>
+          <a:bodyPr rtlCol="0" anchor="ctr"/>
+          <a:lstStyle/>
+          <a:p>
+            <a:pPr algn="ctr"/>
+            <a:endParaRPr lang="en-US"/>
+          </a:p>
+        </p:txBody>
+      </p:sp>
+    </p:spTree>
+    <p:extLst>
+      <p:ext uri="{BB962C8B-B14F-4D97-AF65-F5344CB8AC3E}">
+        <p14:creationId xmlns:p14="http://schemas.microsoft.com/office/powerpoint/2010/main" val="1616290446"/>
+      </p:ext>
+    </p:extLst>
+  </p:cSld>
+  <p:clrMapOvr>
+    <a:masterClrMapping/>
+  </p:clrMapOvr>
+  <mc:AlternateContent xmlns:mc="http://schemas.openxmlformats.org/markup-compatibility/2006" xmlns:p14="http://schemas.microsoft.com/office/powerpoint/2010/main">
+    <mc:Choice Requires="p14">
+      <p:transition spd="slow">
+        <p14:flash/>
+      </p:transition>
+    </mc:Choice>
+    <mc:Fallback xmlns="">
+      <p:transition spd="slow">
+        <p:fade/>
+      </p:transition>
+    </mc:Fallback>
+  </mc:AlternateContent>
+  <p:timing>
+    <p:tnLst>
+      <p:par>
+        <p:cTn id="1" dur="indefinite" restart="never" nodeType="tmRoot">
+          <p:childTnLst>
+            <p:seq concurrent="1" nextAc="seek">
+              <p:cTn id="2" restart="whenNotActive" fill="hold" evtFilter="cancelBubble" nodeType="interactiveSeq">
+                <p:stCondLst>
+                  <p:cond evt="onClick" delay="0">
+                    <p:tgtEl>
+                      <p:spTgt spid="3"/>
+                    </p:tgtEl>
+                  </p:cond>
+                </p:stCondLst>
+                <p:endSync evt="end" delay="0">
+                  <p:rtn val="all"/>
+                </p:endSync>
+                <p:childTnLst>
+                  <p:par>
+                    <p:cTn id="3" fill="hold">
+                      <p:stCondLst>
+                        <p:cond delay="0"/>
+                      </p:stCondLst>
+                      <p:childTnLst>
+                        <p:par>
+                          <p:cTn id="4" fill="hold">
+                            <p:stCondLst>
+                              <p:cond delay="0"/>
+                            </p:stCondLst>
+                            <p:childTnLst>
+                              <p:par>
+                                <p:cTn id="5" presetID="1" presetClass="exit" presetSubtype="0" fill="hold" grpId="0" nodeType="clickEffect">
+                                  <p:stCondLst>
+                                    <p:cond delay="0"/>
+                                  </p:stCondLst>
+                                  <p:childTnLst>
+                                    <p:set>
+                                      <p:cBhvr>
+                                        <p:cTn id="6" dur="1" fill="hold">
+                                          <p:stCondLst>
+                                            <p:cond delay="0"/>
+                                          </p:stCondLst>
+                                        </p:cTn>
+                                        <p:tgtEl>
+                                          <p:spTgt spid="3"/>
+                                        </p:tgtEl>
+                                        <p:attrNameLst>
+                                          <p:attrName>style.visibility</p:attrName>
+                                        </p:attrNameLst>
+                                      </p:cBhvr>
+                                      <p:to>
+                                        <p:strVal val="hidden"/>
+                                      </p:to>
+                                    </p:set>
+                                  </p:childTnLst>
+                                </p:cTn>
+                              </p:par>
+                            </p:childTnLst>
+                          </p:cTn>
+                        </p:par>
+                      </p:childTnLst>
+                    </p:cTn>
+                  </p:par>
+                </p:childTnLst>
+              </p:cTn>
+              <p:nextCondLst>
+                <p:cond evt="onClick" delay="0">
+                  <p:tgtEl>
+                    <p:spTgt spid="3"/>
+                  </p:tgtEl>
+                </p:cond>
+              </p:nextCondLst>
+            </p:seq>
+          </p:childTnLst>
+        </p:cTn>
+      </p:par>
+    </p:tnLst>
+    <p:bldLst>
+      <p:bldP spid="3" grpId="0" animBg="1"/>
+    </p:bldLst>
+  </p:timing>
+</p:sld>
+</file>
+
+<file path=ppt/slides/slide4.xml><?xml version="1.0" encoding="utf-8"?>
+<p:sld xmlns:a="http://schemas.openxmlformats.org/drawingml/2006/main" xmlns:r="http://schemas.openxmlformats.org/officeDocument/2006/relationships" xmlns:p="http://schemas.openxmlformats.org/presentationml/2006/main">
+  <p:cSld>
+    <p:spTree>
+      <p:nvGrpSpPr>
+        <p:cNvPr id="1" name=""/>
+        <p:cNvGrpSpPr/>
+        <p:nvPr/>
+      </p:nvGrpSpPr>
+      <p:grpSpPr>
+        <a:xfrm>
+          <a:off x="0" y="0"/>
+          <a:ext cx="0" cy="0"/>
+          <a:chOff x="0" y="0"/>
+          <a:chExt cx="0" cy="0"/>
+        </a:xfrm>
+      </p:grpSpPr>
+      <p:sp>
+        <p:nvSpPr>
+          <p:cNvPr id="2" name="Title 1">
+            <a:extLst>
+              <a:ext uri="{FF2B5EF4-FFF2-40B4-BE49-F238E27FC236}">
+                <a16:creationId xmlns:a16="http://schemas.microsoft.com/office/drawing/2014/main" id="{891C1F49-7343-C92E-82DB-91BB7B729527}"/>
+              </a:ext>
+            </a:extLst>
+          </p:cNvPr>
+          <p:cNvSpPr>
+            <a:spLocks noGrp="1"/>
+          </p:cNvSpPr>
+          <p:nvPr>
+            <p:ph type="ctrTitle"/>
+          </p:nvPr>
+        </p:nvSpPr>
+        <p:spPr>
           <a:xfrm>
-            <a:off x="4988329" y="230229"/>
+            <a:off x="98323" y="1142027"/>
+            <a:ext cx="9144000" cy="2387600"/>
+          </a:xfrm>
+        </p:spPr>
+        <p:txBody>
+          <a:bodyPr/>
+          <a:lstStyle/>
+          <a:p>
+            <a:pPr algn="l"/>
+            <a:r>
+              <a:rPr lang="en-US" dirty="0"/>
+              <a:t>virtual</a:t>
+            </a:r>
+          </a:p>
+        </p:txBody>
+      </p:sp>
+      <p:sp>
+        <p:nvSpPr>
+          <p:cNvPr id="3" name="Subtitle 2">
+            <a:extLst>
+              <a:ext uri="{FF2B5EF4-FFF2-40B4-BE49-F238E27FC236}">
+                <a16:creationId xmlns:a16="http://schemas.microsoft.com/office/drawing/2014/main" id="{9ACE1C27-E82E-1E73-2BDB-E5D095780AE6}"/>
+              </a:ext>
+            </a:extLst>
+          </p:cNvPr>
+          <p:cNvSpPr>
+            <a:spLocks noGrp="1"/>
+          </p:cNvSpPr>
+          <p:nvPr>
+            <p:ph type="subTitle" idx="1"/>
+          </p:nvPr>
+        </p:nvSpPr>
+        <p:spPr>
+          <a:xfrm>
+            <a:off x="98323" y="3621702"/>
+            <a:ext cx="9144000" cy="1655762"/>
+          </a:xfrm>
+        </p:spPr>
+        <p:txBody>
+          <a:bodyPr/>
+          <a:lstStyle/>
+          <a:p>
+            <a:pPr algn="l"/>
+            <a:r>
+              <a:rPr lang="en-US" dirty="0" err="1"/>
+              <a:t>cubic.game</a:t>
+            </a:r>
+            <a:endParaRPr lang="en-US" dirty="0"/>
+          </a:p>
+        </p:txBody>
+      </p:sp>
+      <p:sp>
+        <p:nvSpPr>
+          <p:cNvPr id="4" name="Rectangle: Rounded Corners 3">
+            <a:extLst>
+              <a:ext uri="{FF2B5EF4-FFF2-40B4-BE49-F238E27FC236}">
+                <a16:creationId xmlns:a16="http://schemas.microsoft.com/office/drawing/2014/main" id="{062ECFE4-001A-99D9-F18C-497069A99AF8}"/>
+              </a:ext>
+            </a:extLst>
+          </p:cNvPr>
+          <p:cNvSpPr/>
+          <p:nvPr/>
+        </p:nvSpPr>
+        <p:spPr>
+          <a:xfrm>
+            <a:off x="9006349" y="1534575"/>
+            <a:ext cx="786384" cy="785096"/>
+          </a:xfrm>
+          <a:prstGeom prst="roundRect">
+            <a:avLst/>
+          </a:prstGeom>
+        </p:spPr>
+        <p:style>
+          <a:lnRef idx="1">
+            <a:schemeClr val="dk1"/>
+          </a:lnRef>
+          <a:fillRef idx="2">
+            <a:schemeClr val="dk1"/>
+          </a:fillRef>
+          <a:effectRef idx="1">
+            <a:schemeClr val="dk1"/>
+          </a:effectRef>
+          <a:fontRef idx="minor">
+            <a:schemeClr val="dk1"/>
+          </a:fontRef>
+        </p:style>
+        <p:txBody>
+          <a:bodyPr rtlCol="0" anchor="ctr"/>
+          <a:lstStyle/>
+          <a:p>
+            <a:pPr algn="ctr"/>
+            <a:endParaRPr lang="en-US"/>
+          </a:p>
+        </p:txBody>
+      </p:sp>
+      <p:sp>
+        <p:nvSpPr>
+          <p:cNvPr id="6" name="Rectangle: Rounded Corners 5">
+            <a:extLst>
+              <a:ext uri="{FF2B5EF4-FFF2-40B4-BE49-F238E27FC236}">
+                <a16:creationId xmlns:a16="http://schemas.microsoft.com/office/drawing/2014/main" id="{2A6B3226-B660-AB9F-2FDB-46C93E850848}"/>
+              </a:ext>
+            </a:extLst>
+          </p:cNvPr>
+          <p:cNvSpPr/>
+          <p:nvPr/>
+        </p:nvSpPr>
+        <p:spPr>
+          <a:xfrm>
+            <a:off x="5309616" y="2790569"/>
+            <a:ext cx="786384" cy="785096"/>
+          </a:xfrm>
+          <a:prstGeom prst="roundRect">
+            <a:avLst/>
+          </a:prstGeom>
+        </p:spPr>
+        <p:style>
+          <a:lnRef idx="2">
+            <a:schemeClr val="accent1">
+              <a:shade val="50000"/>
+            </a:schemeClr>
+          </a:lnRef>
+          <a:fillRef idx="1">
+            <a:schemeClr val="accent1"/>
+          </a:fillRef>
+          <a:effectRef idx="0">
+            <a:schemeClr val="accent1"/>
+          </a:effectRef>
+          <a:fontRef idx="minor">
+            <a:schemeClr val="lt1"/>
+          </a:fontRef>
+        </p:style>
+        <p:txBody>
+          <a:bodyPr rtlCol="0" anchor="ctr"/>
+          <a:lstStyle/>
+          <a:p>
+            <a:pPr algn="ctr"/>
+            <a:endParaRPr lang="en-US"/>
+          </a:p>
+        </p:txBody>
+      </p:sp>
+      <p:sp>
+        <p:nvSpPr>
+          <p:cNvPr id="8" name="Rectangle: Rounded Corners 7">
+            <a:extLst>
+              <a:ext uri="{FF2B5EF4-FFF2-40B4-BE49-F238E27FC236}">
+                <a16:creationId xmlns:a16="http://schemas.microsoft.com/office/drawing/2014/main" id="{05A18D93-838C-9E83-E8B2-F4BF29F84C4A}"/>
+              </a:ext>
+            </a:extLst>
+          </p:cNvPr>
+          <p:cNvSpPr/>
+          <p:nvPr/>
+        </p:nvSpPr>
+        <p:spPr>
+          <a:xfrm>
+            <a:off x="8116530" y="3036452"/>
             <a:ext cx="786384" cy="785096"/>
           </a:xfrm>
           <a:prstGeom prst="roundRect">
@@ -14996,10 +17367,10 @@
       </p:sp>
       <p:sp>
         <p:nvSpPr>
-          <p:cNvPr id="7" name="Rectangle: Rounded Corners 6">
+          <p:cNvPr id="9" name="Rectangle: Rounded Corners 8">
             <a:extLst>
               <a:ext uri="{FF2B5EF4-FFF2-40B4-BE49-F238E27FC236}">
-                <a16:creationId xmlns:a16="http://schemas.microsoft.com/office/drawing/2014/main" id="{AF853C31-DFF4-295D-F317-A3D8CF7009E8}"/>
+                <a16:creationId xmlns:a16="http://schemas.microsoft.com/office/drawing/2014/main" id="{FD4DCA27-0BA4-1E68-5DB6-056E65B6B471}"/>
               </a:ext>
             </a:extLst>
           </p:cNvPr>
@@ -15008,7 +17379,53 @@
         </p:nvSpPr>
         <p:spPr>
           <a:xfrm>
-            <a:off x="4201945" y="230229"/>
+            <a:off x="7239098" y="1943279"/>
+            <a:ext cx="786384" cy="785096"/>
+          </a:xfrm>
+          <a:prstGeom prst="roundRect">
+            <a:avLst/>
+          </a:prstGeom>
+        </p:spPr>
+        <p:style>
+          <a:lnRef idx="2">
+            <a:schemeClr val="accent1">
+              <a:shade val="50000"/>
+            </a:schemeClr>
+          </a:lnRef>
+          <a:fillRef idx="1">
+            <a:schemeClr val="accent1"/>
+          </a:fillRef>
+          <a:effectRef idx="0">
+            <a:schemeClr val="accent1"/>
+          </a:effectRef>
+          <a:fontRef idx="minor">
+            <a:schemeClr val="lt1"/>
+          </a:fontRef>
+        </p:style>
+        <p:txBody>
+          <a:bodyPr rtlCol="0" anchor="ctr"/>
+          <a:lstStyle/>
+          <a:p>
+            <a:pPr algn="ctr"/>
+            <a:endParaRPr lang="en-US"/>
+          </a:p>
+        </p:txBody>
+      </p:sp>
+      <p:sp>
+        <p:nvSpPr>
+          <p:cNvPr id="10" name="Rectangle: Rounded Corners 9">
+            <a:extLst>
+              <a:ext uri="{FF2B5EF4-FFF2-40B4-BE49-F238E27FC236}">
+                <a16:creationId xmlns:a16="http://schemas.microsoft.com/office/drawing/2014/main" id="{61D60E67-C829-5C20-BD6B-0869F68DC72A}"/>
+              </a:ext>
+            </a:extLst>
+          </p:cNvPr>
+          <p:cNvSpPr/>
+          <p:nvPr/>
+        </p:nvSpPr>
+        <p:spPr>
+          <a:xfrm>
+            <a:off x="6614553" y="3621702"/>
             <a:ext cx="786384" cy="785096"/>
           </a:xfrm>
           <a:prstGeom prst="roundRect">
@@ -15042,10 +17459,10 @@
       </p:sp>
       <p:sp>
         <p:nvSpPr>
-          <p:cNvPr id="8" name="Rectangle: Rounded Corners 7">
+          <p:cNvPr id="11" name="Rectangle: Rounded Corners 10">
             <a:extLst>
               <a:ext uri="{FF2B5EF4-FFF2-40B4-BE49-F238E27FC236}">
-                <a16:creationId xmlns:a16="http://schemas.microsoft.com/office/drawing/2014/main" id="{0E3FEF76-5D6E-D4A8-E8A1-E0DD1364C1E5}"/>
+                <a16:creationId xmlns:a16="http://schemas.microsoft.com/office/drawing/2014/main" id="{3B407BA1-0D73-C664-707E-381CBB7D301F}"/>
               </a:ext>
             </a:extLst>
           </p:cNvPr>
@@ -15054,7 +17471,7 @@
         </p:nvSpPr>
         <p:spPr>
           <a:xfrm>
-            <a:off x="2629177" y="234379"/>
+            <a:off x="9765694" y="2712219"/>
             <a:ext cx="786384" cy="785096"/>
           </a:xfrm>
           <a:prstGeom prst="roundRect">
@@ -15096,10 +17513,10 @@
       </p:sp>
       <p:sp>
         <p:nvSpPr>
-          <p:cNvPr id="9" name="Rectangle: Rounded Corners 8">
+          <p:cNvPr id="12" name="Rectangle: Rounded Corners 11">
             <a:extLst>
               <a:ext uri="{FF2B5EF4-FFF2-40B4-BE49-F238E27FC236}">
-                <a16:creationId xmlns:a16="http://schemas.microsoft.com/office/drawing/2014/main" id="{16A59BDF-D981-4253-7031-F4546217522C}"/>
+                <a16:creationId xmlns:a16="http://schemas.microsoft.com/office/drawing/2014/main" id="{CE0BBABC-30EE-CBE5-2173-84CF12048B8E}"/>
               </a:ext>
             </a:extLst>
           </p:cNvPr>
@@ -15108,7 +17525,7 @@
         </p:nvSpPr>
         <p:spPr>
           <a:xfrm>
-            <a:off x="2629177" y="1050647"/>
+            <a:off x="8950748" y="4145782"/>
             <a:ext cx="786384" cy="785096"/>
           </a:xfrm>
           <a:prstGeom prst="roundRect">
@@ -15148,10 +17565,10 @@
       </p:sp>
       <p:sp>
         <p:nvSpPr>
-          <p:cNvPr id="11" name="Rectangle: Rounded Corners 10">
+          <p:cNvPr id="13" name="Rectangle: Rounded Corners 12">
             <a:extLst>
               <a:ext uri="{FF2B5EF4-FFF2-40B4-BE49-F238E27FC236}">
-                <a16:creationId xmlns:a16="http://schemas.microsoft.com/office/drawing/2014/main" id="{00434B71-25B0-E711-B245-512E50A0C095}"/>
+                <a16:creationId xmlns:a16="http://schemas.microsoft.com/office/drawing/2014/main" id="{8030DC82-104C-D4D0-6FF2-A677FA9BEB4A}"/>
               </a:ext>
             </a:extLst>
           </p:cNvPr>
@@ -15160,54 +17577,8 @@
         </p:nvSpPr>
         <p:spPr>
           <a:xfrm>
-            <a:off x="1056409" y="247294"/>
-            <a:ext cx="786384" cy="785096"/>
-          </a:xfrm>
-          <a:prstGeom prst="roundRect">
-            <a:avLst/>
-          </a:prstGeom>
-        </p:spPr>
-        <p:style>
-          <a:lnRef idx="2">
-            <a:schemeClr val="accent1">
-              <a:shade val="50000"/>
-            </a:schemeClr>
-          </a:lnRef>
-          <a:fillRef idx="1">
-            <a:schemeClr val="accent1"/>
-          </a:fillRef>
-          <a:effectRef idx="0">
-            <a:schemeClr val="accent1"/>
-          </a:effectRef>
-          <a:fontRef idx="minor">
-            <a:schemeClr val="lt1"/>
-          </a:fontRef>
-        </p:style>
-        <p:txBody>
-          <a:bodyPr rtlCol="0" anchor="ctr"/>
-          <a:lstStyle/>
-          <a:p>
-            <a:pPr algn="ctr"/>
-            <a:endParaRPr lang="en-US"/>
-          </a:p>
-        </p:txBody>
-      </p:sp>
-      <p:sp>
-        <p:nvSpPr>
-          <p:cNvPr id="12" name="Rectangle: Rounded Corners 11">
-            <a:extLst>
-              <a:ext uri="{FF2B5EF4-FFF2-40B4-BE49-F238E27FC236}">
-                <a16:creationId xmlns:a16="http://schemas.microsoft.com/office/drawing/2014/main" id="{8EAB1906-841B-5C8B-7C61-9D66DB1DD4C9}"/>
-              </a:ext>
-            </a:extLst>
-          </p:cNvPr>
-          <p:cNvSpPr/>
-          <p:nvPr/>
-        </p:nvSpPr>
-        <p:spPr>
-          <a:xfrm>
-            <a:off x="3415561" y="242708"/>
-            <a:ext cx="786384" cy="785096"/>
+            <a:off x="98322" y="5863149"/>
+            <a:ext cx="1248697" cy="785096"/>
           </a:xfrm>
           <a:prstGeom prst="roundRect">
             <a:avLst/>
@@ -15242,7 +17613,10 @@
           <a:lstStyle/>
           <a:p>
             <a:pPr algn="ctr"/>
-            <a:endParaRPr lang="en-US"/>
+            <a:r>
+              <a:rPr lang="en-US" dirty="0"/>
+              <a:t>null</a:t>
+            </a:r>
           </a:p>
         </p:txBody>
       </p:sp>
@@ -15251,7 +17625,7 @@
           <p:cNvPr id="14" name="Rectangle: Rounded Corners 13">
             <a:extLst>
               <a:ext uri="{FF2B5EF4-FFF2-40B4-BE49-F238E27FC236}">
-                <a16:creationId xmlns:a16="http://schemas.microsoft.com/office/drawing/2014/main" id="{EDDD59C2-410F-BFB7-8749-843E9E8B25E3}"/>
+                <a16:creationId xmlns:a16="http://schemas.microsoft.com/office/drawing/2014/main" id="{612702E2-B096-DF2E-5051-7ED456E78E02}"/>
               </a:ext>
             </a:extLst>
           </p:cNvPr>
@@ -15260,24 +17634,30 @@
         </p:nvSpPr>
         <p:spPr>
           <a:xfrm>
-            <a:off x="3415561" y="1032390"/>
+            <a:off x="9103148" y="4298182"/>
             <a:ext cx="786384" cy="785096"/>
           </a:xfrm>
           <a:prstGeom prst="roundRect">
             <a:avLst/>
           </a:prstGeom>
+          <a:solidFill>
+            <a:schemeClr val="accent6">
+              <a:alpha val="50000"/>
+            </a:schemeClr>
+          </a:solidFill>
+          <a:ln>
+            <a:noFill/>
+          </a:ln>
         </p:spPr>
         <p:style>
-          <a:lnRef idx="2">
-            <a:schemeClr val="accent4">
-              <a:shade val="50000"/>
-            </a:schemeClr>
+          <a:lnRef idx="0">
+            <a:scrgbClr r="0" g="0" b="0"/>
           </a:lnRef>
-          <a:fillRef idx="1">
-            <a:schemeClr val="accent4"/>
+          <a:fillRef idx="0">
+            <a:scrgbClr r="0" g="0" b="0"/>
           </a:fillRef>
           <a:effectRef idx="0">
-            <a:schemeClr val="accent4"/>
+            <a:scrgbClr r="0" g="0" b="0"/>
           </a:effectRef>
           <a:fontRef idx="minor">
             <a:schemeClr val="lt1"/>
@@ -15288,260 +17668,79 @@
           <a:lstStyle/>
           <a:p>
             <a:pPr algn="ctr"/>
-            <a:endParaRPr lang="en-US" dirty="0"/>
-          </a:p>
-        </p:txBody>
-      </p:sp>
-      <p:sp>
-        <p:nvSpPr>
-          <p:cNvPr id="22" name="TextBox 21">
+            <a:endParaRPr lang="en-US"/>
+          </a:p>
+        </p:txBody>
+      </p:sp>
+      <p:sp>
+        <p:nvSpPr>
+          <p:cNvPr id="15" name="Rectangle: Rounded Corners 14">
             <a:extLst>
               <a:ext uri="{FF2B5EF4-FFF2-40B4-BE49-F238E27FC236}">
-                <a16:creationId xmlns:a16="http://schemas.microsoft.com/office/drawing/2014/main" id="{6BA89B24-B913-8474-227C-6D8758965B5D}"/>
+                <a16:creationId xmlns:a16="http://schemas.microsoft.com/office/drawing/2014/main" id="{DD3C3E6C-1AE1-9FB7-54C0-303107D83E26}"/>
               </a:ext>
             </a:extLst>
           </p:cNvPr>
-          <p:cNvSpPr txBox="1"/>
+          <p:cNvSpPr/>
           <p:nvPr/>
         </p:nvSpPr>
         <p:spPr>
           <a:xfrm>
-            <a:off x="6668019" y="190015"/>
-            <a:ext cx="4145687" cy="1200329"/>
-          </a:xfrm>
-          <a:prstGeom prst="rect">
+            <a:off x="1460090" y="5863149"/>
+            <a:ext cx="786384" cy="785096"/>
+          </a:xfrm>
+          <a:prstGeom prst="roundRect">
             <a:avLst/>
           </a:prstGeom>
           <a:noFill/>
-        </p:spPr>
-        <p:txBody>
-          <a:bodyPr wrap="none" rtlCol="0">
-            <a:spAutoFit/>
-          </a:bodyPr>
-          <a:lstStyle/>
-          <a:p>
+          <a:ln w="9525" cap="flat" cmpd="sng" algn="ctr">
+            <a:solidFill>
+              <a:schemeClr val="accent5"/>
+            </a:solidFill>
+            <a:prstDash val="solid"/>
+            <a:round/>
+            <a:headEnd type="none" w="med" len="med"/>
+            <a:tailEnd type="none" w="med" len="med"/>
+          </a:ln>
+        </p:spPr>
+        <p:style>
+          <a:lnRef idx="0">
+            <a:scrgbClr r="0" g="0" b="0"/>
+          </a:lnRef>
+          <a:fillRef idx="0">
+            <a:scrgbClr r="0" g="0" b="0"/>
+          </a:fillRef>
+          <a:effectRef idx="0">
+            <a:scrgbClr r="0" g="0" b="0"/>
+          </a:effectRef>
+          <a:fontRef idx="minor">
+            <a:schemeClr val="accent5"/>
+          </a:fontRef>
+        </p:style>
+        <p:txBody>
+          <a:bodyPr rtlCol="0" anchor="ctr"/>
+          <a:lstStyle/>
+          <a:p>
+            <a:pPr algn="ctr"/>
             <a:r>
               <a:rPr lang="en-US" dirty="0"/>
-              <a:t>ACDEFGHIJKLMNOPQRSTUVWXYZ</a:t>
+              <a:t>Play</a:t>
             </a:r>
           </a:p>
-          <a:p>
-            <a:r>
-              <a:rPr lang="en-US" dirty="0" err="1"/>
-              <a:t>abcdefghijklmnopqrstuvwxyz</a:t>
-            </a:r>
-            <a:endParaRPr lang="en-US" dirty="0"/>
-          </a:p>
-          <a:p>
-            <a:r>
-              <a:rPr lang="en-US" dirty="0">
-                <a:latin typeface="+mj-lt"/>
-              </a:rPr>
-              <a:t>ABCDEFGHIJKLMNOPQRSTUVWXYZ</a:t>
-            </a:r>
-          </a:p>
-          <a:p>
-            <a:r>
-              <a:rPr lang="en-US" dirty="0" err="1">
-                <a:latin typeface="+mj-lt"/>
-              </a:rPr>
-              <a:t>abcdefghijklmnopqrstuvwxyz</a:t>
-            </a:r>
-            <a:endParaRPr lang="en-US" dirty="0">
-              <a:latin typeface="+mj-lt"/>
-            </a:endParaRPr>
-          </a:p>
-        </p:txBody>
-      </p:sp>
-      <p:grpSp>
-        <p:nvGrpSpPr>
-          <p:cNvPr id="23" name="Group 22">
+        </p:txBody>
+      </p:sp>
+      <p:sp>
+        <p:nvSpPr>
+          <p:cNvPr id="16" name="Rectangle: Rounded Corners 15">
+            <a:hlinkClick r:id="" action="ppaction://hlinkshowjump?jump=nextslide">
+              <a:snd r:embed="rId4" name="blipSelect.wav"/>
+            </a:hlinkClick>
+            <a:hlinkHover r:id="" action="ppaction://noaction">
+              <a:snd r:embed="rId5" name="click.wav"/>
+            </a:hlinkHover>
             <a:extLst>
               <a:ext uri="{FF2B5EF4-FFF2-40B4-BE49-F238E27FC236}">
-                <a16:creationId xmlns:a16="http://schemas.microsoft.com/office/drawing/2014/main" id="{FA18B37D-C093-1929-1360-DBF782C7D057}"/>
-              </a:ext>
-            </a:extLst>
-          </p:cNvPr>
-          <p:cNvGrpSpPr/>
-          <p:nvPr/>
-        </p:nvGrpSpPr>
-        <p:grpSpPr>
-          <a:xfrm>
-            <a:off x="10271760" y="4937760"/>
-            <a:ext cx="1920240" cy="1920240"/>
-            <a:chOff x="5135880" y="2468880"/>
-            <a:chExt cx="1920240" cy="1920240"/>
-          </a:xfrm>
-        </p:grpSpPr>
-        <p:sp>
-          <p:nvSpPr>
-            <p:cNvPr id="24" name="Plaque 23">
-              <a:extLst>
-                <a:ext uri="{FF2B5EF4-FFF2-40B4-BE49-F238E27FC236}">
-                  <a16:creationId xmlns:a16="http://schemas.microsoft.com/office/drawing/2014/main" id="{A4309CBB-113D-4824-346D-0A552BFC227B}"/>
-                </a:ext>
-              </a:extLst>
-            </p:cNvPr>
-            <p:cNvSpPr/>
-            <p:nvPr/>
-          </p:nvSpPr>
-          <p:spPr>
-            <a:xfrm>
-              <a:off x="5135880" y="2468880"/>
-              <a:ext cx="1920240" cy="1920240"/>
-            </a:xfrm>
-            <a:prstGeom prst="plaque">
-              <a:avLst/>
-            </a:prstGeom>
-            <a:noFill/>
-            <a:ln w="9525" cap="flat" cmpd="sng" algn="ctr">
-              <a:solidFill>
-                <a:schemeClr val="accent5"/>
-              </a:solidFill>
-              <a:prstDash val="solid"/>
-              <a:round/>
-              <a:headEnd type="none" w="med" len="med"/>
-              <a:tailEnd type="none" w="med" len="med"/>
-            </a:ln>
-          </p:spPr>
-          <p:style>
-            <a:lnRef idx="0">
-              <a:scrgbClr r="0" g="0" b="0"/>
-            </a:lnRef>
-            <a:fillRef idx="0">
-              <a:scrgbClr r="0" g="0" b="0"/>
-            </a:fillRef>
-            <a:effectRef idx="0">
-              <a:scrgbClr r="0" g="0" b="0"/>
-            </a:effectRef>
-            <a:fontRef idx="minor">
-              <a:schemeClr val="accent5"/>
-            </a:fontRef>
-          </p:style>
-          <p:txBody>
-            <a:bodyPr rtlCol="0" anchor="ctr"/>
-            <a:lstStyle/>
-            <a:p>
-              <a:pPr algn="ctr"/>
-              <a:endParaRPr lang="en-US"/>
-            </a:p>
-          </p:txBody>
-        </p:sp>
-        <p:sp>
-          <p:nvSpPr>
-            <p:cNvPr id="25" name="Oval 24">
-              <a:extLst>
-                <a:ext uri="{FF2B5EF4-FFF2-40B4-BE49-F238E27FC236}">
-                  <a16:creationId xmlns:a16="http://schemas.microsoft.com/office/drawing/2014/main" id="{3BB3088B-F57B-14A1-9279-897CB2473ABA}"/>
-                </a:ext>
-              </a:extLst>
-            </p:cNvPr>
-            <p:cNvSpPr/>
-            <p:nvPr/>
-          </p:nvSpPr>
-          <p:spPr>
-            <a:xfrm>
-              <a:off x="5347508" y="2971800"/>
-              <a:ext cx="1496984" cy="914400"/>
-            </a:xfrm>
-            <a:prstGeom prst="ellipse">
-              <a:avLst/>
-            </a:prstGeom>
-            <a:noFill/>
-            <a:ln w="9525" cap="flat" cmpd="sng" algn="ctr">
-              <a:solidFill>
-                <a:schemeClr val="accent5"/>
-              </a:solidFill>
-              <a:prstDash val="solid"/>
-              <a:round/>
-              <a:headEnd type="none" w="med" len="med"/>
-              <a:tailEnd type="none" w="med" len="med"/>
-            </a:ln>
-          </p:spPr>
-          <p:style>
-            <a:lnRef idx="0">
-              <a:scrgbClr r="0" g="0" b="0"/>
-            </a:lnRef>
-            <a:fillRef idx="0">
-              <a:scrgbClr r="0" g="0" b="0"/>
-            </a:fillRef>
-            <a:effectRef idx="0">
-              <a:scrgbClr r="0" g="0" b="0"/>
-            </a:effectRef>
-            <a:fontRef idx="minor">
-              <a:schemeClr val="accent5"/>
-            </a:fontRef>
-          </p:style>
-          <p:txBody>
-            <a:bodyPr rtlCol="0" anchor="ctr"/>
-            <a:lstStyle/>
-            <a:p>
-              <a:pPr algn="ctr"/>
-              <a:endParaRPr lang="en-US"/>
-            </a:p>
-          </p:txBody>
-        </p:sp>
-        <p:sp>
-          <p:nvSpPr>
-            <p:cNvPr id="26" name="Oval 25">
-              <a:extLst>
-                <a:ext uri="{FF2B5EF4-FFF2-40B4-BE49-F238E27FC236}">
-                  <a16:creationId xmlns:a16="http://schemas.microsoft.com/office/drawing/2014/main" id="{FF077B0C-24FB-BDDE-AFC5-30CBCD204AA0}"/>
-                </a:ext>
-              </a:extLst>
-            </p:cNvPr>
-            <p:cNvSpPr/>
-            <p:nvPr/>
-          </p:nvSpPr>
-          <p:spPr>
-            <a:xfrm>
-              <a:off x="5952086" y="2971800"/>
-              <a:ext cx="287828" cy="914400"/>
-            </a:xfrm>
-            <a:prstGeom prst="ellipse">
-              <a:avLst/>
-            </a:prstGeom>
-            <a:noFill/>
-            <a:ln w="9525" cap="flat" cmpd="sng" algn="ctr">
-              <a:solidFill>
-                <a:schemeClr val="accent5"/>
-              </a:solidFill>
-              <a:prstDash val="solid"/>
-              <a:round/>
-              <a:headEnd type="none" w="med" len="med"/>
-              <a:tailEnd type="none" w="med" len="med"/>
-            </a:ln>
-          </p:spPr>
-          <p:style>
-            <a:lnRef idx="0">
-              <a:scrgbClr r="0" g="0" b="0"/>
-            </a:lnRef>
-            <a:fillRef idx="0">
-              <a:scrgbClr r="0" g="0" b="0"/>
-            </a:fillRef>
-            <a:effectRef idx="0">
-              <a:scrgbClr r="0" g="0" b="0"/>
-            </a:effectRef>
-            <a:fontRef idx="minor">
-              <a:schemeClr val="accent5"/>
-            </a:fontRef>
-          </p:style>
-          <p:txBody>
-            <a:bodyPr rtlCol="0" anchor="ctr"/>
-            <a:lstStyle/>
-            <a:p>
-              <a:pPr algn="ctr"/>
-              <a:endParaRPr lang="en-US"/>
-            </a:p>
-          </p:txBody>
-        </p:sp>
-      </p:grpSp>
-      <p:sp>
-        <p:nvSpPr>
-          <p:cNvPr id="27" name="Cross 26">
-            <a:extLst>
-              <a:ext uri="{FF2B5EF4-FFF2-40B4-BE49-F238E27FC236}">
-                <a16:creationId xmlns:a16="http://schemas.microsoft.com/office/drawing/2014/main" id="{AEDBADA8-FC67-E84D-DC3B-6F17CA708E93}"/>
+                <a16:creationId xmlns:a16="http://schemas.microsoft.com/office/drawing/2014/main" id="{F7D84255-CA40-CB76-C25E-C79A8E19786F}"/>
               </a:ext>
             </a:extLst>
           </p:cNvPr>
@@ -15550,12 +17749,60 @@
         </p:nvSpPr>
         <p:spPr>
           <a:xfrm>
-            <a:off x="0" y="4884493"/>
-            <a:ext cx="1965614" cy="1965614"/>
+            <a:off x="98321" y="4968413"/>
+            <a:ext cx="1248697" cy="785096"/>
+          </a:xfrm>
+          <a:prstGeom prst="roundRect">
+            <a:avLst/>
+          </a:prstGeom>
+        </p:spPr>
+        <p:style>
+          <a:lnRef idx="1">
+            <a:schemeClr val="accent3"/>
+          </a:lnRef>
+          <a:fillRef idx="2">
+            <a:schemeClr val="accent3"/>
+          </a:fillRef>
+          <a:effectRef idx="1">
+            <a:schemeClr val="accent3"/>
+          </a:effectRef>
+          <a:fontRef idx="minor">
+            <a:schemeClr val="dk1"/>
+          </a:fontRef>
+        </p:style>
+        <p:txBody>
+          <a:bodyPr rtlCol="0" anchor="ctr"/>
+          <a:lstStyle/>
+          <a:p>
+            <a:pPr algn="ctr"/>
+            <a:r>
+              <a:rPr lang="en-US" dirty="0"/>
+              <a:t>Tutorial</a:t>
+            </a:r>
+          </a:p>
+        </p:txBody>
+      </p:sp>
+      <p:sp>
+        <p:nvSpPr>
+          <p:cNvPr id="7" name="Cross 6">
+            <a:hlinkClick r:id="" action="ppaction://hlinkshowjump?jump=endshow"/>
+            <a:extLst>
+              <a:ext uri="{FF2B5EF4-FFF2-40B4-BE49-F238E27FC236}">
+                <a16:creationId xmlns:a16="http://schemas.microsoft.com/office/drawing/2014/main" id="{02BAFB29-E4A9-A96D-E536-96414EC78661}"/>
+              </a:ext>
+            </a:extLst>
+          </p:cNvPr>
+          <p:cNvSpPr/>
+          <p:nvPr/>
+        </p:nvSpPr>
+        <p:spPr>
+          <a:xfrm rot="2700000">
+            <a:off x="11401144" y="222406"/>
+            <a:ext cx="534574" cy="541387"/>
           </a:xfrm>
           <a:prstGeom prst="plus">
             <a:avLst>
-              <a:gd name="adj" fmla="val 40330"/>
+              <a:gd name="adj" fmla="val 38441"/>
             </a:avLst>
           </a:prstGeom>
         </p:spPr>
@@ -15586,11 +17833,16 @@
       </p:sp>
       <p:sp>
         <p:nvSpPr>
-          <p:cNvPr id="28" name="Cross 27">
-            <a:hlinkClick r:id="" action="ppaction://hlinkshowjump?jump=lastslideviewed"/>
+          <p:cNvPr id="18" name="Rectangle: Rounded Corners 17">
+            <a:hlinkClick r:id="rId6" action="ppaction://hlinksldjump">
+              <a:snd r:embed="rId4" name="blipSelect.wav"/>
+            </a:hlinkClick>
+            <a:hlinkHover r:id="" action="ppaction://noaction">
+              <a:snd r:embed="rId5" name="click.wav"/>
+            </a:hlinkHover>
             <a:extLst>
               <a:ext uri="{FF2B5EF4-FFF2-40B4-BE49-F238E27FC236}">
-                <a16:creationId xmlns:a16="http://schemas.microsoft.com/office/drawing/2014/main" id="{12A65E07-26BA-4D38-8F30-80C215DDD0AA}"/>
+                <a16:creationId xmlns:a16="http://schemas.microsoft.com/office/drawing/2014/main" id="{0B45E584-EAFC-B52D-77C9-3CD0C2AB1E40}"/>
               </a:ext>
             </a:extLst>
           </p:cNvPr>
@@ -15599,63 +17851,16 @@
         </p:nvSpPr>
         <p:spPr>
           <a:xfrm>
-            <a:off x="1965614" y="4880337"/>
-            <a:ext cx="1965614" cy="1965614"/>
-          </a:xfrm>
-          <a:prstGeom prst="plus">
-            <a:avLst>
-              <a:gd name="adj" fmla="val 40330"/>
-            </a:avLst>
+            <a:off x="98322" y="4371719"/>
+            <a:ext cx="1248696" cy="498833"/>
+          </a:xfrm>
+          <a:prstGeom prst="roundRect">
+            <a:avLst/>
           </a:prstGeom>
-        </p:spPr>
-        <p:style>
-          <a:lnRef idx="2">
-            <a:schemeClr val="accent1">
-              <a:shade val="50000"/>
-            </a:schemeClr>
-          </a:lnRef>
-          <a:fillRef idx="1">
-            <a:schemeClr val="accent1"/>
-          </a:fillRef>
-          <a:effectRef idx="0">
-            <a:schemeClr val="accent1"/>
-          </a:effectRef>
-          <a:fontRef idx="minor">
-            <a:schemeClr val="lt1"/>
-          </a:fontRef>
-        </p:style>
-        <p:txBody>
-          <a:bodyPr rtlCol="0" anchor="ctr"/>
-          <a:lstStyle/>
-          <a:p>
-            <a:pPr algn="ctr"/>
-            <a:endParaRPr lang="en-US"/>
-          </a:p>
-        </p:txBody>
-      </p:sp>
-      <p:sp>
-        <p:nvSpPr>
-          <p:cNvPr id="29" name="Cross 28">
-            <a:hlinkClick r:id="rId2" action="ppaction://hlinksldjump"/>
-            <a:extLst>
-              <a:ext uri="{FF2B5EF4-FFF2-40B4-BE49-F238E27FC236}">
-                <a16:creationId xmlns:a16="http://schemas.microsoft.com/office/drawing/2014/main" id="{6A756750-EDCF-668B-667D-B05D7735CDB4}"/>
-              </a:ext>
-            </a:extLst>
-          </p:cNvPr>
-          <p:cNvSpPr/>
-          <p:nvPr/>
-        </p:nvSpPr>
-        <p:spPr>
-          <a:xfrm rot="2700000">
-            <a:off x="3822654" y="4880336"/>
-            <a:ext cx="1965614" cy="1965614"/>
-          </a:xfrm>
-          <a:prstGeom prst="plus">
-            <a:avLst>
-              <a:gd name="adj" fmla="val 40330"/>
-            </a:avLst>
-          </a:prstGeom>
+          <a:ln>
+            <a:headEnd type="none" w="med" len="med"/>
+            <a:tailEnd type="none" w="med" len="med"/>
+          </a:ln>
         </p:spPr>
         <p:style>
           <a:lnRef idx="1">
@@ -15676,16 +17881,19 @@
           <a:lstStyle/>
           <a:p>
             <a:pPr algn="ctr"/>
-            <a:endParaRPr lang="en-US"/>
-          </a:p>
-        </p:txBody>
-      </p:sp>
-      <p:sp>
-        <p:nvSpPr>
-          <p:cNvPr id="30" name="Diamond 29">
+            <a:r>
+              <a:rPr lang="en-US" dirty="0"/>
+              <a:t>Skip</a:t>
+            </a:r>
+          </a:p>
+        </p:txBody>
+      </p:sp>
+      <p:sp>
+        <p:nvSpPr>
+          <p:cNvPr id="23" name="Rectangle: Rounded Corners 22">
             <a:extLst>
               <a:ext uri="{FF2B5EF4-FFF2-40B4-BE49-F238E27FC236}">
-                <a16:creationId xmlns:a16="http://schemas.microsoft.com/office/drawing/2014/main" id="{CE45E5AD-5CEC-7A4E-5FAE-A2BDE6D08722}"/>
+                <a16:creationId xmlns:a16="http://schemas.microsoft.com/office/drawing/2014/main" id="{69C38E67-223E-53A5-AF07-4EA10A8DA0DF}"/>
               </a:ext>
             </a:extLst>
           </p:cNvPr>
@@ -15694,391 +17902,8 @@
         </p:nvSpPr>
         <p:spPr>
           <a:xfrm>
-            <a:off x="5652516" y="5553855"/>
-            <a:ext cx="886968" cy="688049"/>
-          </a:xfrm>
-          <a:prstGeom prst="diamond">
-            <a:avLst/>
-          </a:prstGeom>
-        </p:spPr>
-        <p:style>
-          <a:lnRef idx="2">
-            <a:schemeClr val="dk1">
-              <a:shade val="50000"/>
-            </a:schemeClr>
-          </a:lnRef>
-          <a:fillRef idx="1">
-            <a:schemeClr val="dk1"/>
-          </a:fillRef>
-          <a:effectRef idx="0">
-            <a:schemeClr val="dk1"/>
-          </a:effectRef>
-          <a:fontRef idx="minor">
-            <a:schemeClr val="lt1"/>
-          </a:fontRef>
-        </p:style>
-        <p:txBody>
-          <a:bodyPr rtlCol="0" anchor="ctr"/>
-          <a:lstStyle/>
-          <a:p>
-            <a:pPr algn="ctr"/>
-            <a:r>
-              <a:rPr lang="en-US" dirty="0"/>
-              <a:t>:)</a:t>
-            </a:r>
-          </a:p>
-        </p:txBody>
-      </p:sp>
-      <p:sp>
-        <p:nvSpPr>
-          <p:cNvPr id="31" name="Rectangle 30">
-            <a:extLst>
-              <a:ext uri="{FF2B5EF4-FFF2-40B4-BE49-F238E27FC236}">
-                <a16:creationId xmlns:a16="http://schemas.microsoft.com/office/drawing/2014/main" id="{A47F8E82-8DC6-FB7C-3C2E-6FD61D6DBD9B}"/>
-              </a:ext>
-            </a:extLst>
-          </p:cNvPr>
-          <p:cNvSpPr/>
-          <p:nvPr/>
-        </p:nvSpPr>
-        <p:spPr>
-          <a:xfrm>
-            <a:off x="8863302" y="5840111"/>
-            <a:ext cx="1007918" cy="1005840"/>
-          </a:xfrm>
-          <a:prstGeom prst="rect">
-            <a:avLst/>
-          </a:prstGeom>
-          <a:solidFill>
-            <a:srgbClr val="E2DE4D"/>
-          </a:solidFill>
-          <a:ln>
-            <a:solidFill>
-              <a:srgbClr val="E2DE4D"/>
-            </a:solidFill>
-          </a:ln>
-        </p:spPr>
-        <p:style>
-          <a:lnRef idx="2">
-            <a:schemeClr val="accent1">
-              <a:shade val="50000"/>
-            </a:schemeClr>
-          </a:lnRef>
-          <a:fillRef idx="1">
-            <a:schemeClr val="accent1"/>
-          </a:fillRef>
-          <a:effectRef idx="0">
-            <a:schemeClr val="accent1"/>
-          </a:effectRef>
-          <a:fontRef idx="minor">
-            <a:schemeClr val="lt1"/>
-          </a:fontRef>
-        </p:style>
-        <p:txBody>
-          <a:bodyPr rtlCol="0" anchor="ctr"/>
-          <a:lstStyle/>
-          <a:p>
-            <a:pPr algn="ctr"/>
-            <a:endParaRPr lang="en-US"/>
-          </a:p>
-        </p:txBody>
-      </p:sp>
-      <p:pic>
-        <p:nvPicPr>
-          <p:cNvPr id="32" name="Picture 31" descr="Icon&#10;&#10;Description automatically generated">
-            <a:extLst>
-              <a:ext uri="{FF2B5EF4-FFF2-40B4-BE49-F238E27FC236}">
-                <a16:creationId xmlns:a16="http://schemas.microsoft.com/office/drawing/2014/main" id="{9A1BCAE3-5003-E0D6-7A95-30136CBD4D7B}"/>
-              </a:ext>
-            </a:extLst>
-          </p:cNvPr>
-          <p:cNvPicPr>
-            <a:picLocks noChangeAspect="1"/>
-          </p:cNvPicPr>
-          <p:nvPr/>
-        </p:nvPicPr>
-        <p:blipFill>
-          <a:blip r:embed="rId3">
-            <a:biLevel thresh="75000"/>
-            <a:extLst>
-              <a:ext uri="{BEBA8EAE-BF5A-486C-A8C5-ECC9F3942E4B}">
-                <a14:imgProps xmlns:a14="http://schemas.microsoft.com/office/drawing/2010/main">
-                  <a14:imgLayer r:embed="rId4">
-                    <a14:imgEffect>
-                      <a14:artisticGlowEdges/>
-                    </a14:imgEffect>
-                  </a14:imgLayer>
-                </a14:imgProps>
-              </a:ext>
-              <a:ext uri="{28A0092B-C50C-407E-A947-70E740481C1C}">
-                <a14:useLocalDpi xmlns:a14="http://schemas.microsoft.com/office/drawing/2010/main" val="0"/>
-              </a:ext>
-            </a:extLst>
-          </a:blip>
-          <a:stretch>
-            <a:fillRect/>
-          </a:stretch>
-        </p:blipFill>
-        <p:spPr>
-          <a:xfrm>
-            <a:off x="482278" y="3109131"/>
-            <a:ext cx="1623407" cy="1623407"/>
-          </a:xfrm>
-          <a:prstGeom prst="rect">
-            <a:avLst/>
-          </a:prstGeom>
-        </p:spPr>
-      </p:pic>
-      <p:sp>
-        <p:nvSpPr>
-          <p:cNvPr id="34" name="Smiley Face 33">
-            <a:extLst>
-              <a:ext uri="{FF2B5EF4-FFF2-40B4-BE49-F238E27FC236}">
-                <a16:creationId xmlns:a16="http://schemas.microsoft.com/office/drawing/2014/main" id="{E5CF3EEA-216B-A43E-8AF5-EB2822CA86D4}"/>
-              </a:ext>
-            </a:extLst>
-          </p:cNvPr>
-          <p:cNvSpPr/>
-          <p:nvPr/>
-        </p:nvSpPr>
-        <p:spPr>
-          <a:xfrm>
-            <a:off x="552450" y="1812900"/>
-            <a:ext cx="1007918" cy="1007918"/>
-          </a:xfrm>
-          <a:prstGeom prst="smileyFace">
-            <a:avLst/>
-          </a:prstGeom>
-        </p:spPr>
-        <p:style>
-          <a:lnRef idx="1">
-            <a:schemeClr val="dk1"/>
-          </a:lnRef>
-          <a:fillRef idx="2">
-            <a:schemeClr val="dk1"/>
-          </a:fillRef>
-          <a:effectRef idx="1">
-            <a:schemeClr val="dk1"/>
-          </a:effectRef>
-          <a:fontRef idx="minor">
-            <a:schemeClr val="dk1"/>
-          </a:fontRef>
-        </p:style>
-        <p:txBody>
-          <a:bodyPr rtlCol="0" anchor="ctr"/>
-          <a:lstStyle/>
-          <a:p>
-            <a:pPr algn="ctr"/>
-            <a:endParaRPr lang="en-US"/>
-          </a:p>
-        </p:txBody>
-      </p:sp>
-      <p:sp>
-        <p:nvSpPr>
-          <p:cNvPr id="35" name="Rectangle 34">
-            <a:extLst>
-              <a:ext uri="{FF2B5EF4-FFF2-40B4-BE49-F238E27FC236}">
-                <a16:creationId xmlns:a16="http://schemas.microsoft.com/office/drawing/2014/main" id="{24D3F18E-ADC7-E1EA-161F-8B0A7A6C1E2A}"/>
-              </a:ext>
-            </a:extLst>
-          </p:cNvPr>
-          <p:cNvSpPr/>
-          <p:nvPr/>
-        </p:nvSpPr>
-        <p:spPr>
-          <a:xfrm>
-            <a:off x="5381521" y="2714276"/>
-            <a:ext cx="2660452" cy="394855"/>
-          </a:xfrm>
-          <a:prstGeom prst="rect">
-            <a:avLst/>
-          </a:prstGeom>
-          <a:solidFill>
-            <a:schemeClr val="accent5">
-              <a:alpha val="50000"/>
-            </a:schemeClr>
-          </a:solidFill>
-          <a:ln>
-            <a:noFill/>
-          </a:ln>
-        </p:spPr>
-        <p:style>
-          <a:lnRef idx="0">
-            <a:scrgbClr r="0" g="0" b="0"/>
-          </a:lnRef>
-          <a:fillRef idx="0">
-            <a:scrgbClr r="0" g="0" b="0"/>
-          </a:fillRef>
-          <a:effectRef idx="0">
-            <a:scrgbClr r="0" g="0" b="0"/>
-          </a:effectRef>
-          <a:fontRef idx="minor">
-            <a:schemeClr val="lt1"/>
-          </a:fontRef>
-        </p:style>
-        <p:txBody>
-          <a:bodyPr rtlCol="0" anchor="ctr"/>
-          <a:lstStyle/>
-          <a:p>
-            <a:pPr algn="ctr"/>
-            <a:endParaRPr lang="en-US"/>
-          </a:p>
-        </p:txBody>
-      </p:sp>
-      <p:sp>
-        <p:nvSpPr>
-          <p:cNvPr id="36" name="Action Button: Go Forward or Next 35">
-            <a:hlinkClick r:id="" action="ppaction://noaction" highlightClick="1"/>
-            <a:extLst>
-              <a:ext uri="{FF2B5EF4-FFF2-40B4-BE49-F238E27FC236}">
-                <a16:creationId xmlns:a16="http://schemas.microsoft.com/office/drawing/2014/main" id="{7EF5573C-435C-0330-50C0-25AB737C86E9}"/>
-              </a:ext>
-            </a:extLst>
-          </p:cNvPr>
-          <p:cNvSpPr/>
-          <p:nvPr/>
-        </p:nvSpPr>
-        <p:spPr>
-          <a:xfrm>
-            <a:off x="9130317" y="4939075"/>
-            <a:ext cx="748493" cy="748493"/>
-          </a:xfrm>
-          <a:prstGeom prst="actionButtonForwardNext">
-            <a:avLst/>
-          </a:prstGeom>
-        </p:spPr>
-        <p:style>
-          <a:lnRef idx="1">
-            <a:schemeClr val="accent5"/>
-          </a:lnRef>
-          <a:fillRef idx="3">
-            <a:schemeClr val="accent5"/>
-          </a:fillRef>
-          <a:effectRef idx="2">
-            <a:schemeClr val="accent5"/>
-          </a:effectRef>
-          <a:fontRef idx="minor">
-            <a:schemeClr val="lt1"/>
-          </a:fontRef>
-        </p:style>
-        <p:txBody>
-          <a:bodyPr rtlCol="0" anchor="ctr"/>
-          <a:lstStyle/>
-          <a:p>
-            <a:pPr algn="ctr"/>
-            <a:endParaRPr lang="en-US"/>
-          </a:p>
-        </p:txBody>
-      </p:sp>
-      <p:sp>
-        <p:nvSpPr>
-          <p:cNvPr id="37" name="Action Button: Go Back or Previous 36">
-            <a:hlinkClick r:id="" action="ppaction://noaction" highlightClick="1"/>
-            <a:extLst>
-              <a:ext uri="{FF2B5EF4-FFF2-40B4-BE49-F238E27FC236}">
-                <a16:creationId xmlns:a16="http://schemas.microsoft.com/office/drawing/2014/main" id="{DA072A7C-13E6-5157-8AC3-373093B10A1A}"/>
-              </a:ext>
-            </a:extLst>
-          </p:cNvPr>
-          <p:cNvSpPr/>
-          <p:nvPr/>
-        </p:nvSpPr>
-        <p:spPr>
-          <a:xfrm>
-            <a:off x="8376321" y="4937760"/>
-            <a:ext cx="749808" cy="749808"/>
-          </a:xfrm>
-          <a:prstGeom prst="actionButtonBackPrevious">
-            <a:avLst/>
-          </a:prstGeom>
-        </p:spPr>
-        <p:style>
-          <a:lnRef idx="1">
-            <a:schemeClr val="accent5"/>
-          </a:lnRef>
-          <a:fillRef idx="3">
-            <a:schemeClr val="accent5"/>
-          </a:fillRef>
-          <a:effectRef idx="2">
-            <a:schemeClr val="accent5"/>
-          </a:effectRef>
-          <a:fontRef idx="minor">
-            <a:schemeClr val="lt1"/>
-          </a:fontRef>
-        </p:style>
-        <p:txBody>
-          <a:bodyPr rtlCol="0" anchor="ctr"/>
-          <a:lstStyle/>
-          <a:p>
-            <a:pPr algn="ctr"/>
-            <a:endParaRPr lang="en-US" dirty="0"/>
-          </a:p>
-        </p:txBody>
-      </p:sp>
-      <p:sp>
-        <p:nvSpPr>
-          <p:cNvPr id="38" name="Cross 37">
-            <a:extLst>
-              <a:ext uri="{FF2B5EF4-FFF2-40B4-BE49-F238E27FC236}">
-                <a16:creationId xmlns:a16="http://schemas.microsoft.com/office/drawing/2014/main" id="{45945E55-9D65-A072-1BE8-63B5FEF01C38}"/>
-              </a:ext>
-            </a:extLst>
-          </p:cNvPr>
-          <p:cNvSpPr/>
-          <p:nvPr/>
-        </p:nvSpPr>
-        <p:spPr>
-          <a:xfrm rot="2700000">
-            <a:off x="11401144" y="222406"/>
-            <a:ext cx="534574" cy="541387"/>
-          </a:xfrm>
-          <a:prstGeom prst="plus">
-            <a:avLst>
-              <a:gd name="adj" fmla="val 38441"/>
-            </a:avLst>
-          </a:prstGeom>
-        </p:spPr>
-        <p:style>
-          <a:lnRef idx="2">
-            <a:schemeClr val="accent5">
-              <a:shade val="50000"/>
-            </a:schemeClr>
-          </a:lnRef>
-          <a:fillRef idx="1">
-            <a:schemeClr val="accent5"/>
-          </a:fillRef>
-          <a:effectRef idx="0">
-            <a:schemeClr val="accent5"/>
-          </a:effectRef>
-          <a:fontRef idx="minor">
-            <a:schemeClr val="lt1"/>
-          </a:fontRef>
-        </p:style>
-        <p:txBody>
-          <a:bodyPr rtlCol="0" anchor="ctr"/>
-          <a:lstStyle/>
-          <a:p>
-            <a:pPr algn="ctr"/>
-            <a:endParaRPr lang="en-US"/>
-          </a:p>
-        </p:txBody>
-      </p:sp>
-      <p:sp>
-        <p:nvSpPr>
-          <p:cNvPr id="39" name="Rectangle: Rounded Corners 38">
-            <a:extLst>
-              <a:ext uri="{FF2B5EF4-FFF2-40B4-BE49-F238E27FC236}">
-                <a16:creationId xmlns:a16="http://schemas.microsoft.com/office/drawing/2014/main" id="{3D91DDD3-1C40-BC49-EBC5-B616CCF52194}"/>
-              </a:ext>
-            </a:extLst>
-          </p:cNvPr>
-          <p:cNvSpPr/>
-          <p:nvPr/>
-        </p:nvSpPr>
-        <p:spPr>
-          <a:xfrm>
-            <a:off x="10673278" y="2205448"/>
-            <a:ext cx="1248697" cy="785096"/>
+            <a:off x="4916424" y="4057035"/>
+            <a:ext cx="786384" cy="785096"/>
           </a:xfrm>
           <a:prstGeom prst="roundRect">
             <a:avLst/>
@@ -16113,19 +17938,17 @@
           <a:lstStyle/>
           <a:p>
             <a:pPr algn="ctr"/>
-            <a:r>
-              <a:rPr lang="en-US" dirty="0"/>
-              <a:t>Debug Menu</a:t>
-            </a:r>
-          </a:p>
-        </p:txBody>
-      </p:sp>
-      <p:sp>
-        <p:nvSpPr>
-          <p:cNvPr id="40" name="Rectangle: Rounded Corners 39">
+            <a:endParaRPr lang="en-US"/>
+          </a:p>
+        </p:txBody>
+      </p:sp>
+      <p:sp>
+        <p:nvSpPr>
+          <p:cNvPr id="5" name="Freeform: Shape 4">
+            <a:hlinkClick r:id="rId7" action="ppaction://hlinksldjump"/>
             <a:extLst>
               <a:ext uri="{FF2B5EF4-FFF2-40B4-BE49-F238E27FC236}">
-                <a16:creationId xmlns:a16="http://schemas.microsoft.com/office/drawing/2014/main" id="{5957188A-7DC7-65A4-C808-8B3ECE3FDBE1}"/>
+                <a16:creationId xmlns:a16="http://schemas.microsoft.com/office/drawing/2014/main" id="{DCE7D27B-03BD-8A2D-78A9-0B93FA709EB5}"/>
               </a:ext>
             </a:extLst>
           </p:cNvPr>
@@ -16134,283 +17957,7 @@
         </p:nvSpPr>
         <p:spPr>
           <a:xfrm>
-            <a:off x="11135591" y="3004146"/>
-            <a:ext cx="786384" cy="786384"/>
-          </a:xfrm>
-          <a:prstGeom prst="roundRect">
-            <a:avLst/>
-          </a:prstGeom>
-          <a:noFill/>
-          <a:ln w="9525" cap="flat" cmpd="sng" algn="ctr">
-            <a:solidFill>
-              <a:schemeClr val="accent5"/>
-            </a:solidFill>
-            <a:prstDash val="solid"/>
-            <a:round/>
-            <a:headEnd type="none" w="med" len="med"/>
-            <a:tailEnd type="none" w="med" len="med"/>
-          </a:ln>
-        </p:spPr>
-        <p:style>
-          <a:lnRef idx="0">
-            <a:scrgbClr r="0" g="0" b="0"/>
-          </a:lnRef>
-          <a:fillRef idx="0">
-            <a:scrgbClr r="0" g="0" b="0"/>
-          </a:fillRef>
-          <a:effectRef idx="0">
-            <a:scrgbClr r="0" g="0" b="0"/>
-          </a:effectRef>
-          <a:fontRef idx="minor">
-            <a:schemeClr val="accent5"/>
-          </a:fontRef>
-        </p:style>
-        <p:txBody>
-          <a:bodyPr rtlCol="0" anchor="ctr"/>
-          <a:lstStyle/>
-          <a:p>
-            <a:pPr algn="ctr"/>
-            <a:r>
-              <a:rPr lang="en-US" dirty="0"/>
-              <a:t>Play</a:t>
-            </a:r>
-          </a:p>
-        </p:txBody>
-      </p:sp>
-      <p:sp>
-        <p:nvSpPr>
-          <p:cNvPr id="41" name="Rectangle: Rounded Corners 40">
-            <a:hlinkClick r:id="" action="ppaction://hlinkshowjump?jump=nextslide">
-              <a:snd r:embed="rId5" name="blipSelect.wav"/>
-            </a:hlinkClick>
-            <a:hlinkHover r:id="" action="ppaction://noaction">
-              <a:snd r:embed="rId6" name="click.wav"/>
-            </a:hlinkHover>
-            <a:extLst>
-              <a:ext uri="{FF2B5EF4-FFF2-40B4-BE49-F238E27FC236}">
-                <a16:creationId xmlns:a16="http://schemas.microsoft.com/office/drawing/2014/main" id="{629118D1-D77E-C67B-F158-47DB8C20E546}"/>
-              </a:ext>
-            </a:extLst>
-          </p:cNvPr>
-          <p:cNvSpPr/>
-          <p:nvPr/>
-        </p:nvSpPr>
-        <p:spPr>
-          <a:xfrm>
-            <a:off x="10663672" y="1420352"/>
-            <a:ext cx="1248697" cy="785096"/>
-          </a:xfrm>
-          <a:prstGeom prst="roundRect">
-            <a:avLst/>
-          </a:prstGeom>
-        </p:spPr>
-        <p:style>
-          <a:lnRef idx="1">
-            <a:schemeClr val="accent3"/>
-          </a:lnRef>
-          <a:fillRef idx="2">
-            <a:schemeClr val="accent3"/>
-          </a:fillRef>
-          <a:effectRef idx="1">
-            <a:schemeClr val="accent3"/>
-          </a:effectRef>
-          <a:fontRef idx="minor">
-            <a:schemeClr val="dk1"/>
-          </a:fontRef>
-        </p:style>
-        <p:txBody>
-          <a:bodyPr rtlCol="0" anchor="ctr"/>
-          <a:lstStyle/>
-          <a:p>
-            <a:pPr algn="ctr"/>
-            <a:r>
-              <a:rPr lang="en-US" dirty="0"/>
-              <a:t>Tutorial</a:t>
-            </a:r>
-          </a:p>
-        </p:txBody>
-      </p:sp>
-      <p:sp>
-        <p:nvSpPr>
-          <p:cNvPr id="42" name="Rectangle: Rounded Corners 41">
-            <a:hlinkClick r:id="rId2" action="ppaction://hlinksldjump">
-              <a:snd r:embed="rId5" name="blipSelect.wav"/>
-            </a:hlinkClick>
-            <a:hlinkHover r:id="" action="ppaction://noaction">
-              <a:snd r:embed="rId6" name="click.wav"/>
-            </a:hlinkHover>
-            <a:extLst>
-              <a:ext uri="{FF2B5EF4-FFF2-40B4-BE49-F238E27FC236}">
-                <a16:creationId xmlns:a16="http://schemas.microsoft.com/office/drawing/2014/main" id="{4AC77201-1BB1-1B58-3AEF-591F482D4C07}"/>
-              </a:ext>
-            </a:extLst>
-          </p:cNvPr>
-          <p:cNvSpPr/>
-          <p:nvPr/>
-        </p:nvSpPr>
-        <p:spPr>
-          <a:xfrm>
-            <a:off x="10673279" y="921519"/>
-            <a:ext cx="1248696" cy="498833"/>
-          </a:xfrm>
-          <a:prstGeom prst="roundRect">
-            <a:avLst/>
-          </a:prstGeom>
-          <a:ln>
-            <a:headEnd type="none" w="med" len="med"/>
-            <a:tailEnd type="none" w="med" len="med"/>
-          </a:ln>
-        </p:spPr>
-        <p:style>
-          <a:lnRef idx="1">
-            <a:schemeClr val="accent1"/>
-          </a:lnRef>
-          <a:fillRef idx="2">
-            <a:schemeClr val="accent1"/>
-          </a:fillRef>
-          <a:effectRef idx="1">
-            <a:schemeClr val="accent1"/>
-          </a:effectRef>
-          <a:fontRef idx="minor">
-            <a:schemeClr val="dk1"/>
-          </a:fontRef>
-        </p:style>
-        <p:txBody>
-          <a:bodyPr rtlCol="0" anchor="ctr"/>
-          <a:lstStyle/>
-          <a:p>
-            <a:pPr algn="ctr"/>
-            <a:r>
-              <a:rPr lang="en-US" dirty="0"/>
-              <a:t>Skip</a:t>
-            </a:r>
-          </a:p>
-        </p:txBody>
-      </p:sp>
-      <p:sp>
-        <p:nvSpPr>
-          <p:cNvPr id="43" name="Rectangle: Rounded Corners 42">
-            <a:extLst>
-              <a:ext uri="{FF2B5EF4-FFF2-40B4-BE49-F238E27FC236}">
-                <a16:creationId xmlns:a16="http://schemas.microsoft.com/office/drawing/2014/main" id="{8A90EF5D-100B-8B52-A66A-BEE4E820D8AB}"/>
-              </a:ext>
-            </a:extLst>
-          </p:cNvPr>
-          <p:cNvSpPr/>
-          <p:nvPr/>
-        </p:nvSpPr>
-        <p:spPr>
-          <a:xfrm>
-            <a:off x="9424581" y="2189924"/>
-            <a:ext cx="1248697" cy="785096"/>
-          </a:xfrm>
-          <a:prstGeom prst="roundRect">
-            <a:avLst/>
-          </a:prstGeom>
-          <a:ln>
-            <a:headEnd type="none" w="med" len="med"/>
-            <a:tailEnd type="none" w="med" len="med"/>
-          </a:ln>
-        </p:spPr>
-        <p:style>
-          <a:lnRef idx="1">
-            <a:schemeClr val="accent4"/>
-          </a:lnRef>
-          <a:fillRef idx="2">
-            <a:schemeClr val="accent4"/>
-          </a:fillRef>
-          <a:effectRef idx="1">
-            <a:schemeClr val="accent4"/>
-          </a:effectRef>
-          <a:fontRef idx="minor">
-            <a:schemeClr val="dk1"/>
-          </a:fontRef>
-        </p:style>
-        <p:txBody>
-          <a:bodyPr rtlCol="0" anchor="ctr"/>
-          <a:lstStyle/>
-          <a:p>
-            <a:pPr algn="ctr"/>
-            <a:r>
-              <a:rPr lang="en-US" dirty="0"/>
-              <a:t>Debug Menu</a:t>
-            </a:r>
-          </a:p>
-        </p:txBody>
-      </p:sp>
-      <p:sp>
-        <p:nvSpPr>
-          <p:cNvPr id="44" name="Rectangle: Rounded Corners 43">
-            <a:hlinkClick r:id="" action="ppaction://noaction">
-              <a:snd r:embed="rId7" name="synth.wav"/>
-            </a:hlinkClick>
-            <a:hlinkHover r:id="" action="ppaction://noaction">
-              <a:snd r:embed="rId6" name="click.wav"/>
-            </a:hlinkHover>
-            <a:extLst>
-              <a:ext uri="{FF2B5EF4-FFF2-40B4-BE49-F238E27FC236}">
-                <a16:creationId xmlns:a16="http://schemas.microsoft.com/office/drawing/2014/main" id="{44502687-02BA-A18E-0E1A-8451261AA339}"/>
-              </a:ext>
-            </a:extLst>
-          </p:cNvPr>
-          <p:cNvSpPr/>
-          <p:nvPr/>
-        </p:nvSpPr>
-        <p:spPr>
-          <a:xfrm>
-            <a:off x="10349207" y="2990544"/>
-            <a:ext cx="786384" cy="785096"/>
-          </a:xfrm>
-          <a:prstGeom prst="roundRect">
-            <a:avLst/>
-          </a:prstGeom>
-          <a:ln>
-            <a:headEnd type="none" w="med" len="med"/>
-            <a:tailEnd type="none" w="med" len="med"/>
-          </a:ln>
-        </p:spPr>
-        <p:style>
-          <a:lnRef idx="1">
-            <a:schemeClr val="accent5"/>
-          </a:lnRef>
-          <a:fillRef idx="2">
-            <a:schemeClr val="accent5"/>
-          </a:fillRef>
-          <a:effectRef idx="1">
-            <a:schemeClr val="accent5"/>
-          </a:effectRef>
-          <a:fontRef idx="minor">
-            <a:schemeClr val="dk1"/>
-          </a:fontRef>
-        </p:style>
-        <p:txBody>
-          <a:bodyPr rtlCol="0" anchor="ctr"/>
-          <a:lstStyle/>
-          <a:p>
-            <a:pPr algn="ctr"/>
-            <a:r>
-              <a:rPr lang="en-US" dirty="0"/>
-              <a:t>Play</a:t>
-            </a:r>
-          </a:p>
-        </p:txBody>
-      </p:sp>
-      <p:sp>
-        <p:nvSpPr>
-          <p:cNvPr id="45" name="Freeform: Shape 44">
-            <a:hlinkClick r:id="rId8" action="ppaction://hlinksldjump"/>
-            <a:extLst>
-              <a:ext uri="{FF2B5EF4-FFF2-40B4-BE49-F238E27FC236}">
-                <a16:creationId xmlns:a16="http://schemas.microsoft.com/office/drawing/2014/main" id="{BCA63708-A45A-2551-6D98-3646579195F6}"/>
-              </a:ext>
-            </a:extLst>
-          </p:cNvPr>
-          <p:cNvSpPr/>
-          <p:nvPr/>
-        </p:nvSpPr>
-        <p:spPr>
-          <a:xfrm>
-            <a:off x="2626185" y="1951099"/>
+            <a:off x="143159" y="209755"/>
             <a:ext cx="365760" cy="365760"/>
           </a:xfrm>
           <a:custGeom>
@@ -16557,1424 +18104,13 @@
           </a:p>
         </p:txBody>
       </p:sp>
-      <p:sp>
-        <p:nvSpPr>
-          <p:cNvPr id="46" name="TextBox 45">
-            <a:extLst>
-              <a:ext uri="{FF2B5EF4-FFF2-40B4-BE49-F238E27FC236}">
-                <a16:creationId xmlns:a16="http://schemas.microsoft.com/office/drawing/2014/main" id="{882C9C9C-FA29-EA03-7D13-CC057A69FB75}"/>
-              </a:ext>
-            </a:extLst>
-          </p:cNvPr>
-          <p:cNvSpPr txBox="1"/>
-          <p:nvPr/>
-        </p:nvSpPr>
-        <p:spPr>
-          <a:xfrm>
-            <a:off x="3056669" y="1891290"/>
-            <a:ext cx="5806633" cy="646331"/>
-          </a:xfrm>
-          <a:prstGeom prst="rect">
-            <a:avLst/>
-          </a:prstGeom>
-          <a:noFill/>
-        </p:spPr>
-        <p:txBody>
-          <a:bodyPr wrap="square" rtlCol="0">
-            <a:spAutoFit/>
-          </a:bodyPr>
-          <a:lstStyle/>
-          <a:p>
-            <a:r>
-              <a:rPr lang="en-US" dirty="0"/>
-              <a:t>Some things aren’t in the debug mode due to the screen size not fitting anymore items.</a:t>
-            </a:r>
-          </a:p>
-        </p:txBody>
-      </p:sp>
-    </p:spTree>
-    <p:extLst>
-      <p:ext uri="{BB962C8B-B14F-4D97-AF65-F5344CB8AC3E}">
-        <p14:creationId xmlns:p14="http://schemas.microsoft.com/office/powerpoint/2010/main" val="303036960"/>
-      </p:ext>
-    </p:extLst>
-  </p:cSld>
-  <p:clrMapOvr>
-    <a:masterClrMapping/>
-  </p:clrMapOvr>
-  <p:timing>
-    <p:tnLst>
-      <p:par>
-        <p:cTn id="1" dur="indefinite" restart="never" nodeType="tmRoot">
-          <p:childTnLst>
-            <p:seq concurrent="1" nextAc="seek">
-              <p:cTn id="2" dur="indefinite" nodeType="mainSeq">
-                <p:childTnLst>
-                  <p:par>
-                    <p:cTn id="3" fill="hold">
-                      <p:stCondLst>
-                        <p:cond delay="indefinite"/>
-                        <p:cond evt="onBegin" delay="0">
-                          <p:tn val="2"/>
-                        </p:cond>
-                      </p:stCondLst>
-                      <p:childTnLst>
-                        <p:par>
-                          <p:cTn id="4" fill="hold">
-                            <p:stCondLst>
-                              <p:cond delay="0"/>
-                            </p:stCondLst>
-                            <p:childTnLst>
-                              <p:par>
-                                <p:cTn id="5" presetID="27" presetClass="emph" presetSubtype="0" repeatCount="indefinite" fill="remove" grpId="0" nodeType="withEffect">
-                                  <p:stCondLst>
-                                    <p:cond delay="0"/>
-                                  </p:stCondLst>
-                                  <p:childTnLst>
-                                    <p:animClr clrSpc="rgb" dir="cw">
-                                      <p:cBhvr override="childStyle">
-                                        <p:cTn id="6" dur="250" autoRev="1" fill="remove"/>
-                                        <p:tgtEl>
-                                          <p:spTgt spid="11"/>
-                                        </p:tgtEl>
-                                        <p:attrNameLst>
-                                          <p:attrName>style.color</p:attrName>
-                                        </p:attrNameLst>
-                                      </p:cBhvr>
-                                      <p:to>
-                                        <a:schemeClr val="accent2"/>
-                                      </p:to>
-                                    </p:animClr>
-                                    <p:animClr clrSpc="rgb" dir="cw">
-                                      <p:cBhvr>
-                                        <p:cTn id="7" dur="250" autoRev="1" fill="remove"/>
-                                        <p:tgtEl>
-                                          <p:spTgt spid="11"/>
-                                        </p:tgtEl>
-                                        <p:attrNameLst>
-                                          <p:attrName>fillcolor</p:attrName>
-                                        </p:attrNameLst>
-                                      </p:cBhvr>
-                                      <p:to>
-                                        <a:schemeClr val="accent2"/>
-                                      </p:to>
-                                    </p:animClr>
-                                    <p:set>
-                                      <p:cBhvr>
-                                        <p:cTn id="8" dur="250" autoRev="1" fill="remove"/>
-                                        <p:tgtEl>
-                                          <p:spTgt spid="11"/>
-                                        </p:tgtEl>
-                                        <p:attrNameLst>
-                                          <p:attrName>fill.type</p:attrName>
-                                        </p:attrNameLst>
-                                      </p:cBhvr>
-                                      <p:to>
-                                        <p:strVal val="solid"/>
-                                      </p:to>
-                                    </p:set>
-                                    <p:set>
-                                      <p:cBhvr>
-                                        <p:cTn id="9" dur="250" autoRev="1" fill="remove"/>
-                                        <p:tgtEl>
-                                          <p:spTgt spid="11"/>
-                                        </p:tgtEl>
-                                        <p:attrNameLst>
-                                          <p:attrName>fill.on</p:attrName>
-                                        </p:attrNameLst>
-                                      </p:cBhvr>
-                                      <p:to>
-                                        <p:strVal val="true"/>
-                                      </p:to>
-                                    </p:set>
-                                  </p:childTnLst>
-                                </p:cTn>
-                              </p:par>
-                              <p:par>
-                                <p:cTn id="10" presetID="8" presetClass="emph" presetSubtype="0" repeatCount="indefinite" fill="hold" grpId="0" nodeType="withEffect">
-                                  <p:stCondLst>
-                                    <p:cond delay="0"/>
-                                  </p:stCondLst>
-                                  <p:childTnLst>
-                                    <p:animRot by="21600000">
-                                      <p:cBhvr>
-                                        <p:cTn id="11" dur="2000" fill="hold"/>
-                                        <p:tgtEl>
-                                          <p:spTgt spid="27"/>
-                                        </p:tgtEl>
-                                        <p:attrNameLst>
-                                          <p:attrName>r</p:attrName>
-                                        </p:attrNameLst>
-                                      </p:cBhvr>
-                                    </p:animRot>
-                                  </p:childTnLst>
-                                </p:cTn>
-                              </p:par>
-                              <p:par>
-                                <p:cTn id="12" presetID="8" presetClass="emph" presetSubtype="0" repeatCount="indefinite" fill="hold" grpId="0" nodeType="withEffect">
-                                  <p:stCondLst>
-                                    <p:cond delay="0"/>
-                                  </p:stCondLst>
-                                  <p:childTnLst>
-                                    <p:animRot by="-21600000">
-                                      <p:cBhvr>
-                                        <p:cTn id="13" dur="500" fill="hold"/>
-                                        <p:tgtEl>
-                                          <p:spTgt spid="35"/>
-                                        </p:tgtEl>
-                                        <p:attrNameLst>
-                                          <p:attrName>r</p:attrName>
-                                        </p:attrNameLst>
-                                      </p:cBhvr>
-                                    </p:animRot>
-                                  </p:childTnLst>
-                                </p:cTn>
-                              </p:par>
-                            </p:childTnLst>
-                          </p:cTn>
-                        </p:par>
-                      </p:childTnLst>
-                    </p:cTn>
-                  </p:par>
-                </p:childTnLst>
-              </p:cTn>
-              <p:prevCondLst>
-                <p:cond evt="onPrev" delay="0">
-                  <p:tgtEl>
-                    <p:sldTgt/>
-                  </p:tgtEl>
-                </p:cond>
-              </p:prevCondLst>
-              <p:nextCondLst>
-                <p:cond evt="onNext" delay="0">
-                  <p:tgtEl>
-                    <p:sldTgt/>
-                  </p:tgtEl>
-                </p:cond>
-              </p:nextCondLst>
-            </p:seq>
-          </p:childTnLst>
-        </p:cTn>
-      </p:par>
-    </p:tnLst>
-    <p:bldLst>
-      <p:bldP spid="11" grpId="0" animBg="1"/>
-      <p:bldP spid="27" grpId="0" animBg="1"/>
-      <p:bldP spid="35" grpId="0" animBg="1"/>
-    </p:bldLst>
-  </p:timing>
-</p:sld>
-</file>
-
-<file path=ppt/slides/slide3.xml><?xml version="1.0" encoding="utf-8"?>
-<p:sld xmlns:a="http://schemas.openxmlformats.org/drawingml/2006/main" xmlns:r="http://schemas.openxmlformats.org/officeDocument/2006/relationships" xmlns:p="http://schemas.openxmlformats.org/presentationml/2006/main">
-  <p:cSld>
-    <p:spTree>
-      <p:nvGrpSpPr>
-        <p:cNvPr id="1" name=""/>
-        <p:cNvGrpSpPr/>
-        <p:nvPr/>
-      </p:nvGrpSpPr>
-      <p:grpSpPr>
-        <a:xfrm>
-          <a:off x="0" y="0"/>
-          <a:ext cx="0" cy="0"/>
-          <a:chOff x="0" y="0"/>
-          <a:chExt cx="0" cy="0"/>
-        </a:xfrm>
-      </p:grpSpPr>
-      <p:sp>
-        <p:nvSpPr>
-          <p:cNvPr id="2" name="Title 1">
-            <a:extLst>
-              <a:ext uri="{FF2B5EF4-FFF2-40B4-BE49-F238E27FC236}">
-                <a16:creationId xmlns:a16="http://schemas.microsoft.com/office/drawing/2014/main" id="{9064A0C9-9396-1779-59A4-1B7DBB029E09}"/>
-              </a:ext>
-            </a:extLst>
-          </p:cNvPr>
-          <p:cNvSpPr>
-            <a:spLocks noGrp="1"/>
-          </p:cNvSpPr>
-          <p:nvPr>
-            <p:ph type="title"/>
-          </p:nvPr>
-        </p:nvSpPr>
-        <p:spPr/>
-        <p:txBody>
-          <a:bodyPr/>
-          <a:lstStyle/>
-          <a:p>
-            <a:r>
-              <a:rPr lang="en-US" dirty="0"/>
-              <a:t>Mod (Remixing) </a:t>
-            </a:r>
-            <a:r>
-              <a:rPr lang="en-US" dirty="0">
-                <a:hlinkClick r:id="" action="ppaction://hlinkshowjump?jump=previousslide"/>
-              </a:rPr>
-              <a:t>Guidelines</a:t>
-            </a:r>
-            <a:endParaRPr lang="en-US" dirty="0"/>
-          </a:p>
-        </p:txBody>
-      </p:sp>
-      <p:sp>
-        <p:nvSpPr>
-          <p:cNvPr id="3" name="Content Placeholder 2">
-            <a:extLst>
-              <a:ext uri="{FF2B5EF4-FFF2-40B4-BE49-F238E27FC236}">
-                <a16:creationId xmlns:a16="http://schemas.microsoft.com/office/drawing/2014/main" id="{53665404-4A42-77C9-D154-AF9B5FFEB57D}"/>
-              </a:ext>
-            </a:extLst>
-          </p:cNvPr>
-          <p:cNvSpPr>
-            <a:spLocks noGrp="1"/>
-          </p:cNvSpPr>
-          <p:nvPr>
-            <p:ph idx="1"/>
-          </p:nvPr>
-        </p:nvSpPr>
-        <p:spPr/>
-        <p:txBody>
-          <a:bodyPr/>
-          <a:lstStyle/>
-          <a:p>
-            <a:r>
-              <a:rPr lang="en-US" dirty="0"/>
-              <a:t>Mods can be verified if it uses PowerPoint Tools.</a:t>
-            </a:r>
-          </a:p>
-          <a:p>
-            <a:endParaRPr lang="en-US" dirty="0"/>
-          </a:p>
-          <a:p>
-            <a:r>
-              <a:rPr lang="en-US" dirty="0"/>
-              <a:t>Any reserving texts should be deleted to be verified.</a:t>
-            </a:r>
-          </a:p>
-          <a:p>
-            <a:endParaRPr lang="en-US" dirty="0"/>
-          </a:p>
-          <a:p>
-            <a:r>
-              <a:rPr lang="en-US" dirty="0"/>
-              <a:t>Mods must be user-friendly</a:t>
-            </a:r>
-          </a:p>
-        </p:txBody>
-      </p:sp>
-    </p:spTree>
-    <p:extLst>
-      <p:ext uri="{BB962C8B-B14F-4D97-AF65-F5344CB8AC3E}">
-        <p14:creationId xmlns:p14="http://schemas.microsoft.com/office/powerpoint/2010/main" val="2089267522"/>
-      </p:ext>
-    </p:extLst>
-  </p:cSld>
-  <p:clrMapOvr>
-    <a:masterClrMapping/>
-  </p:clrMapOvr>
-</p:sld>
-</file>
-
-<file path=ppt/slides/slide30.xml><?xml version="1.0" encoding="utf-8"?>
-<p:sld xmlns:a="http://schemas.openxmlformats.org/drawingml/2006/main" xmlns:r="http://schemas.openxmlformats.org/officeDocument/2006/relationships" xmlns:p="http://schemas.openxmlformats.org/presentationml/2006/main">
-  <p:cSld>
-    <p:spTree>
-      <p:nvGrpSpPr>
-        <p:cNvPr id="1" name=""/>
-        <p:cNvGrpSpPr/>
-        <p:nvPr/>
-      </p:nvGrpSpPr>
-      <p:grpSpPr>
-        <a:xfrm>
-          <a:off x="0" y="0"/>
-          <a:ext cx="0" cy="0"/>
-          <a:chOff x="0" y="0"/>
-          <a:chExt cx="0" cy="0"/>
-        </a:xfrm>
-      </p:grpSpPr>
-      <p:sp>
-        <p:nvSpPr>
-          <p:cNvPr id="4" name="Title 3">
-            <a:extLst>
-              <a:ext uri="{FF2B5EF4-FFF2-40B4-BE49-F238E27FC236}">
-                <a16:creationId xmlns:a16="http://schemas.microsoft.com/office/drawing/2014/main" id="{3D28B20D-C88A-6A70-639B-44CCBF2044CC}"/>
-              </a:ext>
-            </a:extLst>
-          </p:cNvPr>
-          <p:cNvSpPr>
-            <a:spLocks noGrp="1"/>
-          </p:cNvSpPr>
-          <p:nvPr>
-            <p:ph type="title"/>
-          </p:nvPr>
-        </p:nvSpPr>
-        <p:spPr>
-          <a:xfrm>
-            <a:off x="1752600" y="336550"/>
-            <a:ext cx="10515600" cy="1325563"/>
-          </a:xfrm>
-        </p:spPr>
-        <p:txBody>
-          <a:bodyPr/>
-          <a:lstStyle/>
-          <a:p>
-            <a:r>
-              <a:rPr lang="en-US" dirty="0"/>
-              <a:t>Death Screen</a:t>
-            </a:r>
-          </a:p>
-        </p:txBody>
-      </p:sp>
       <p:pic>
         <p:nvPicPr>
-          <p:cNvPr id="1026" name="Picture 2" descr="Sad Icons - Download Free Vector Icons | Noun Project">
+          <p:cNvPr id="20" name="menus">
+            <a:hlinkClick r:id="" action="ppaction://media"/>
             <a:extLst>
               <a:ext uri="{FF2B5EF4-FFF2-40B4-BE49-F238E27FC236}">
-                <a16:creationId xmlns:a16="http://schemas.microsoft.com/office/drawing/2014/main" id="{641F089B-DA7E-D4C0-9685-6D1EFBB7A922}"/>
-              </a:ext>
-            </a:extLst>
-          </p:cNvPr>
-          <p:cNvPicPr>
-            <a:picLocks noChangeAspect="1" noChangeArrowheads="1"/>
-          </p:cNvPicPr>
-          <p:nvPr/>
-        </p:nvPicPr>
-        <p:blipFill>
-          <a:blip r:embed="rId2">
-            <a:duotone>
-              <a:schemeClr val="accent5">
-                <a:shade val="45000"/>
-                <a:satMod val="135000"/>
-              </a:schemeClr>
-              <a:prstClr val="white"/>
-            </a:duotone>
-            <a:extLst>
-              <a:ext uri="{28A0092B-C50C-407E-A947-70E740481C1C}">
-                <a14:useLocalDpi xmlns:a14="http://schemas.microsoft.com/office/drawing/2010/main" val="0"/>
-              </a:ext>
-            </a:extLst>
-          </a:blip>
-          <a:srcRect/>
-          <a:stretch>
-            <a:fillRect/>
-          </a:stretch>
-        </p:blipFill>
-        <p:spPr bwMode="auto">
-          <a:xfrm>
-            <a:off x="602672" y="523081"/>
-            <a:ext cx="952500" cy="952500"/>
-          </a:xfrm>
-          <a:prstGeom prst="rect">
-            <a:avLst/>
-          </a:prstGeom>
-          <a:extLst>
-            <a:ext uri="{909E8E84-426E-40DD-AFC4-6F175D3DCCD1}">
-              <a14:hiddenFill xmlns:a14="http://schemas.microsoft.com/office/drawing/2010/main">
-                <a:solidFill>
-                  <a:srgbClr val="FFFFFF"/>
-                </a:solidFill>
-              </a14:hiddenFill>
-            </a:ext>
-          </a:extLst>
-        </p:spPr>
-      </p:pic>
-      <p:sp>
-        <p:nvSpPr>
-          <p:cNvPr id="2" name="TextBox 1">
-            <a:extLst>
-              <a:ext uri="{FF2B5EF4-FFF2-40B4-BE49-F238E27FC236}">
-                <a16:creationId xmlns:a16="http://schemas.microsoft.com/office/drawing/2014/main" id="{AB50BDEF-F75E-E13D-520F-E0B9A623229A}"/>
-              </a:ext>
-            </a:extLst>
-          </p:cNvPr>
-          <p:cNvSpPr txBox="1"/>
-          <p:nvPr/>
-        </p:nvSpPr>
-        <p:spPr>
-          <a:xfrm>
-            <a:off x="602672" y="2005446"/>
-            <a:ext cx="9128589" cy="646331"/>
-          </a:xfrm>
-          <a:prstGeom prst="rect">
-            <a:avLst/>
-          </a:prstGeom>
-          <a:noFill/>
-        </p:spPr>
-        <p:txBody>
-          <a:bodyPr wrap="none" rtlCol="0">
-            <a:spAutoFit/>
-          </a:bodyPr>
-          <a:lstStyle/>
-          <a:p>
-            <a:r>
-              <a:rPr lang="en-US" dirty="0"/>
-              <a:t>You have lost the game. However, you can revive yourself. Be careful though</a:t>
-            </a:r>
-          </a:p>
-          <a:p>
-            <a:r>
-              <a:rPr lang="en-US" dirty="0"/>
-              <a:t>because you may only use this once.</a:t>
-            </a:r>
-          </a:p>
-        </p:txBody>
-      </p:sp>
-      <p:sp>
-        <p:nvSpPr>
-          <p:cNvPr id="3" name="Cross 2">
-            <a:hlinkClick r:id="" action="ppaction://hlinkshowjump?jump=lastslideviewed"/>
-            <a:extLst>
-              <a:ext uri="{FF2B5EF4-FFF2-40B4-BE49-F238E27FC236}">
-                <a16:creationId xmlns:a16="http://schemas.microsoft.com/office/drawing/2014/main" id="{E96C45CC-5CAC-7CEC-F8AC-07832C904A79}"/>
-              </a:ext>
-            </a:extLst>
-          </p:cNvPr>
-          <p:cNvSpPr/>
-          <p:nvPr/>
-        </p:nvSpPr>
-        <p:spPr>
-          <a:xfrm>
-            <a:off x="1555172" y="3605645"/>
-            <a:ext cx="1965614" cy="1965614"/>
-          </a:xfrm>
-          <a:prstGeom prst="plus">
-            <a:avLst>
-              <a:gd name="adj" fmla="val 40330"/>
-            </a:avLst>
-          </a:prstGeom>
-        </p:spPr>
-        <p:style>
-          <a:lnRef idx="2">
-            <a:schemeClr val="accent1">
-              <a:shade val="50000"/>
-            </a:schemeClr>
-          </a:lnRef>
-          <a:fillRef idx="1">
-            <a:schemeClr val="accent1"/>
-          </a:fillRef>
-          <a:effectRef idx="0">
-            <a:schemeClr val="accent1"/>
-          </a:effectRef>
-          <a:fontRef idx="minor">
-            <a:schemeClr val="lt1"/>
-          </a:fontRef>
-        </p:style>
-        <p:txBody>
-          <a:bodyPr rtlCol="0" anchor="ctr"/>
-          <a:lstStyle/>
-          <a:p>
-            <a:pPr algn="ctr"/>
-            <a:endParaRPr lang="en-US"/>
-          </a:p>
-        </p:txBody>
-      </p:sp>
-      <p:sp>
-        <p:nvSpPr>
-          <p:cNvPr id="6" name="Cross 5">
-            <a:hlinkClick r:id="rId3" action="ppaction://hlinksldjump"/>
-            <a:extLst>
-              <a:ext uri="{FF2B5EF4-FFF2-40B4-BE49-F238E27FC236}">
-                <a16:creationId xmlns:a16="http://schemas.microsoft.com/office/drawing/2014/main" id="{D3B3BA11-5B11-01FD-B8F5-5A5D84DCD455}"/>
-              </a:ext>
-            </a:extLst>
-          </p:cNvPr>
-          <p:cNvSpPr/>
-          <p:nvPr/>
-        </p:nvSpPr>
-        <p:spPr>
-          <a:xfrm rot="2700000">
-            <a:off x="8748454" y="3605645"/>
-            <a:ext cx="1965614" cy="1965614"/>
-          </a:xfrm>
-          <a:prstGeom prst="plus">
-            <a:avLst>
-              <a:gd name="adj" fmla="val 40330"/>
-            </a:avLst>
-          </a:prstGeom>
-        </p:spPr>
-        <p:style>
-          <a:lnRef idx="1">
-            <a:schemeClr val="accent1"/>
-          </a:lnRef>
-          <a:fillRef idx="2">
-            <a:schemeClr val="accent1"/>
-          </a:fillRef>
-          <a:effectRef idx="1">
-            <a:schemeClr val="accent1"/>
-          </a:effectRef>
-          <a:fontRef idx="minor">
-            <a:schemeClr val="dk1"/>
-          </a:fontRef>
-        </p:style>
-        <p:txBody>
-          <a:bodyPr rtlCol="0" anchor="ctr"/>
-          <a:lstStyle/>
-          <a:p>
-            <a:pPr algn="ctr"/>
-            <a:endParaRPr lang="en-US"/>
-          </a:p>
-        </p:txBody>
-      </p:sp>
-    </p:spTree>
-    <p:extLst>
-      <p:ext uri="{BB962C8B-B14F-4D97-AF65-F5344CB8AC3E}">
-        <p14:creationId xmlns:p14="http://schemas.microsoft.com/office/powerpoint/2010/main" val="1616290446"/>
-      </p:ext>
-    </p:extLst>
-  </p:cSld>
-  <p:clrMapOvr>
-    <a:masterClrMapping/>
-  </p:clrMapOvr>
-  <mc:AlternateContent xmlns:mc="http://schemas.openxmlformats.org/markup-compatibility/2006">
-    <mc:Choice xmlns:p14="http://schemas.microsoft.com/office/powerpoint/2010/main" Requires="p14">
-      <p:transition spd="slow">
-        <p14:flash/>
-      </p:transition>
-    </mc:Choice>
-    <mc:Fallback>
-      <p:transition spd="slow">
-        <p:fade/>
-      </p:transition>
-    </mc:Fallback>
-  </mc:AlternateContent>
-  <p:timing>
-    <p:tnLst>
-      <p:par>
-        <p:cTn id="1" dur="indefinite" restart="never" nodeType="tmRoot">
-          <p:childTnLst>
-            <p:seq concurrent="1" nextAc="seek">
-              <p:cTn id="2" restart="whenNotActive" fill="hold" evtFilter="cancelBubble" nodeType="interactiveSeq">
-                <p:stCondLst>
-                  <p:cond evt="onClick" delay="0">
-                    <p:tgtEl>
-                      <p:spTgt spid="3"/>
-                    </p:tgtEl>
-                  </p:cond>
-                </p:stCondLst>
-                <p:endSync evt="end" delay="0">
-                  <p:rtn val="all"/>
-                </p:endSync>
-                <p:childTnLst>
-                  <p:par>
-                    <p:cTn id="3" fill="hold">
-                      <p:stCondLst>
-                        <p:cond delay="0"/>
-                      </p:stCondLst>
-                      <p:childTnLst>
-                        <p:par>
-                          <p:cTn id="4" fill="hold">
-                            <p:stCondLst>
-                              <p:cond delay="0"/>
-                            </p:stCondLst>
-                            <p:childTnLst>
-                              <p:par>
-                                <p:cTn id="5" presetID="1" presetClass="exit" presetSubtype="0" fill="hold" grpId="0" nodeType="clickEffect">
-                                  <p:stCondLst>
-                                    <p:cond delay="0"/>
-                                  </p:stCondLst>
-                                  <p:childTnLst>
-                                    <p:set>
-                                      <p:cBhvr>
-                                        <p:cTn id="6" dur="1" fill="hold">
-                                          <p:stCondLst>
-                                            <p:cond delay="0"/>
-                                          </p:stCondLst>
-                                        </p:cTn>
-                                        <p:tgtEl>
-                                          <p:spTgt spid="3"/>
-                                        </p:tgtEl>
-                                        <p:attrNameLst>
-                                          <p:attrName>style.visibility</p:attrName>
-                                        </p:attrNameLst>
-                                      </p:cBhvr>
-                                      <p:to>
-                                        <p:strVal val="hidden"/>
-                                      </p:to>
-                                    </p:set>
-                                  </p:childTnLst>
-                                </p:cTn>
-                              </p:par>
-                            </p:childTnLst>
-                          </p:cTn>
-                        </p:par>
-                      </p:childTnLst>
-                    </p:cTn>
-                  </p:par>
-                </p:childTnLst>
-              </p:cTn>
-              <p:nextCondLst>
-                <p:cond evt="onClick" delay="0">
-                  <p:tgtEl>
-                    <p:spTgt spid="3"/>
-                  </p:tgtEl>
-                </p:cond>
-              </p:nextCondLst>
-            </p:seq>
-          </p:childTnLst>
-        </p:cTn>
-      </p:par>
-    </p:tnLst>
-    <p:bldLst>
-      <p:bldP spid="3" grpId="0" animBg="1"/>
-    </p:bldLst>
-  </p:timing>
-</p:sld>
-</file>
-
-<file path=ppt/slides/slide4.xml><?xml version="1.0" encoding="utf-8"?>
-<p:sld xmlns:a="http://schemas.openxmlformats.org/drawingml/2006/main" xmlns:r="http://schemas.openxmlformats.org/officeDocument/2006/relationships" xmlns:p="http://schemas.openxmlformats.org/presentationml/2006/main">
-  <p:cSld>
-    <p:spTree>
-      <p:nvGrpSpPr>
-        <p:cNvPr id="1" name=""/>
-        <p:cNvGrpSpPr/>
-        <p:nvPr/>
-      </p:nvGrpSpPr>
-      <p:grpSpPr>
-        <a:xfrm>
-          <a:off x="0" y="0"/>
-          <a:ext cx="0" cy="0"/>
-          <a:chOff x="0" y="0"/>
-          <a:chExt cx="0" cy="0"/>
-        </a:xfrm>
-      </p:grpSpPr>
-      <p:sp>
-        <p:nvSpPr>
-          <p:cNvPr id="2" name="Title 1">
-            <a:extLst>
-              <a:ext uri="{FF2B5EF4-FFF2-40B4-BE49-F238E27FC236}">
-                <a16:creationId xmlns:a16="http://schemas.microsoft.com/office/drawing/2014/main" id="{891C1F49-7343-C92E-82DB-91BB7B729527}"/>
-              </a:ext>
-            </a:extLst>
-          </p:cNvPr>
-          <p:cNvSpPr>
-            <a:spLocks noGrp="1"/>
-          </p:cNvSpPr>
-          <p:nvPr>
-            <p:ph type="ctrTitle"/>
-          </p:nvPr>
-        </p:nvSpPr>
-        <p:spPr>
-          <a:xfrm>
-            <a:off x="98323" y="1142027"/>
-            <a:ext cx="9144000" cy="2387600"/>
-          </a:xfrm>
-        </p:spPr>
-        <p:txBody>
-          <a:bodyPr/>
-          <a:lstStyle/>
-          <a:p>
-            <a:pPr algn="l"/>
-            <a:r>
-              <a:rPr lang="en-US" dirty="0"/>
-              <a:t>virtual</a:t>
-            </a:r>
-          </a:p>
-        </p:txBody>
-      </p:sp>
-      <p:sp>
-        <p:nvSpPr>
-          <p:cNvPr id="3" name="Subtitle 2">
-            <a:extLst>
-              <a:ext uri="{FF2B5EF4-FFF2-40B4-BE49-F238E27FC236}">
-                <a16:creationId xmlns:a16="http://schemas.microsoft.com/office/drawing/2014/main" id="{9ACE1C27-E82E-1E73-2BDB-E5D095780AE6}"/>
-              </a:ext>
-            </a:extLst>
-          </p:cNvPr>
-          <p:cNvSpPr>
-            <a:spLocks noGrp="1"/>
-          </p:cNvSpPr>
-          <p:nvPr>
-            <p:ph type="subTitle" idx="1"/>
-          </p:nvPr>
-        </p:nvSpPr>
-        <p:spPr>
-          <a:xfrm>
-            <a:off x="98323" y="3621702"/>
-            <a:ext cx="9144000" cy="1655762"/>
-          </a:xfrm>
-        </p:spPr>
-        <p:txBody>
-          <a:bodyPr/>
-          <a:lstStyle/>
-          <a:p>
-            <a:pPr algn="l"/>
-            <a:r>
-              <a:rPr lang="en-US" dirty="0" err="1"/>
-              <a:t>cubic.game</a:t>
-            </a:r>
-            <a:endParaRPr lang="en-US" dirty="0"/>
-          </a:p>
-        </p:txBody>
-      </p:sp>
-      <p:sp>
-        <p:nvSpPr>
-          <p:cNvPr id="4" name="Rectangle: Rounded Corners 3">
-            <a:extLst>
-              <a:ext uri="{FF2B5EF4-FFF2-40B4-BE49-F238E27FC236}">
-                <a16:creationId xmlns:a16="http://schemas.microsoft.com/office/drawing/2014/main" id="{062ECFE4-001A-99D9-F18C-497069A99AF8}"/>
-              </a:ext>
-            </a:extLst>
-          </p:cNvPr>
-          <p:cNvSpPr/>
-          <p:nvPr/>
-        </p:nvSpPr>
-        <p:spPr>
-          <a:xfrm>
-            <a:off x="9006349" y="1534575"/>
-            <a:ext cx="786384" cy="785096"/>
-          </a:xfrm>
-          <a:prstGeom prst="roundRect">
-            <a:avLst/>
-          </a:prstGeom>
-        </p:spPr>
-        <p:style>
-          <a:lnRef idx="1">
-            <a:schemeClr val="dk1"/>
-          </a:lnRef>
-          <a:fillRef idx="2">
-            <a:schemeClr val="dk1"/>
-          </a:fillRef>
-          <a:effectRef idx="1">
-            <a:schemeClr val="dk1"/>
-          </a:effectRef>
-          <a:fontRef idx="minor">
-            <a:schemeClr val="dk1"/>
-          </a:fontRef>
-        </p:style>
-        <p:txBody>
-          <a:bodyPr rtlCol="0" anchor="ctr"/>
-          <a:lstStyle/>
-          <a:p>
-            <a:pPr algn="ctr"/>
-            <a:endParaRPr lang="en-US"/>
-          </a:p>
-        </p:txBody>
-      </p:sp>
-      <p:sp>
-        <p:nvSpPr>
-          <p:cNvPr id="6" name="Rectangle: Rounded Corners 5">
-            <a:extLst>
-              <a:ext uri="{FF2B5EF4-FFF2-40B4-BE49-F238E27FC236}">
-                <a16:creationId xmlns:a16="http://schemas.microsoft.com/office/drawing/2014/main" id="{2A6B3226-B660-AB9F-2FDB-46C93E850848}"/>
-              </a:ext>
-            </a:extLst>
-          </p:cNvPr>
-          <p:cNvSpPr/>
-          <p:nvPr/>
-        </p:nvSpPr>
-        <p:spPr>
-          <a:xfrm>
-            <a:off x="5309616" y="2790569"/>
-            <a:ext cx="786384" cy="785096"/>
-          </a:xfrm>
-          <a:prstGeom prst="roundRect">
-            <a:avLst/>
-          </a:prstGeom>
-        </p:spPr>
-        <p:style>
-          <a:lnRef idx="2">
-            <a:schemeClr val="accent1">
-              <a:shade val="50000"/>
-            </a:schemeClr>
-          </a:lnRef>
-          <a:fillRef idx="1">
-            <a:schemeClr val="accent1"/>
-          </a:fillRef>
-          <a:effectRef idx="0">
-            <a:schemeClr val="accent1"/>
-          </a:effectRef>
-          <a:fontRef idx="minor">
-            <a:schemeClr val="lt1"/>
-          </a:fontRef>
-        </p:style>
-        <p:txBody>
-          <a:bodyPr rtlCol="0" anchor="ctr"/>
-          <a:lstStyle/>
-          <a:p>
-            <a:pPr algn="ctr"/>
-            <a:endParaRPr lang="en-US"/>
-          </a:p>
-        </p:txBody>
-      </p:sp>
-      <p:sp>
-        <p:nvSpPr>
-          <p:cNvPr id="8" name="Rectangle: Rounded Corners 7">
-            <a:extLst>
-              <a:ext uri="{FF2B5EF4-FFF2-40B4-BE49-F238E27FC236}">
-                <a16:creationId xmlns:a16="http://schemas.microsoft.com/office/drawing/2014/main" id="{05A18D93-838C-9E83-E8B2-F4BF29F84C4A}"/>
-              </a:ext>
-            </a:extLst>
-          </p:cNvPr>
-          <p:cNvSpPr/>
-          <p:nvPr/>
-        </p:nvSpPr>
-        <p:spPr>
-          <a:xfrm>
-            <a:off x="8116530" y="3036452"/>
-            <a:ext cx="786384" cy="785096"/>
-          </a:xfrm>
-          <a:prstGeom prst="roundRect">
-            <a:avLst/>
-          </a:prstGeom>
-        </p:spPr>
-        <p:style>
-          <a:lnRef idx="2">
-            <a:schemeClr val="accent3">
-              <a:shade val="50000"/>
-            </a:schemeClr>
-          </a:lnRef>
-          <a:fillRef idx="1">
-            <a:schemeClr val="accent3"/>
-          </a:fillRef>
-          <a:effectRef idx="0">
-            <a:schemeClr val="accent3"/>
-          </a:effectRef>
-          <a:fontRef idx="minor">
-            <a:schemeClr val="lt1"/>
-          </a:fontRef>
-        </p:style>
-        <p:txBody>
-          <a:bodyPr rtlCol="0" anchor="ctr"/>
-          <a:lstStyle/>
-          <a:p>
-            <a:pPr algn="ctr"/>
-            <a:endParaRPr lang="en-US"/>
-          </a:p>
-        </p:txBody>
-      </p:sp>
-      <p:sp>
-        <p:nvSpPr>
-          <p:cNvPr id="9" name="Rectangle: Rounded Corners 8">
-            <a:extLst>
-              <a:ext uri="{FF2B5EF4-FFF2-40B4-BE49-F238E27FC236}">
-                <a16:creationId xmlns:a16="http://schemas.microsoft.com/office/drawing/2014/main" id="{FD4DCA27-0BA4-1E68-5DB6-056E65B6B471}"/>
-              </a:ext>
-            </a:extLst>
-          </p:cNvPr>
-          <p:cNvSpPr/>
-          <p:nvPr/>
-        </p:nvSpPr>
-        <p:spPr>
-          <a:xfrm>
-            <a:off x="7239098" y="1943279"/>
-            <a:ext cx="786384" cy="785096"/>
-          </a:xfrm>
-          <a:prstGeom prst="roundRect">
-            <a:avLst/>
-          </a:prstGeom>
-        </p:spPr>
-        <p:style>
-          <a:lnRef idx="2">
-            <a:schemeClr val="accent1">
-              <a:shade val="50000"/>
-            </a:schemeClr>
-          </a:lnRef>
-          <a:fillRef idx="1">
-            <a:schemeClr val="accent1"/>
-          </a:fillRef>
-          <a:effectRef idx="0">
-            <a:schemeClr val="accent1"/>
-          </a:effectRef>
-          <a:fontRef idx="minor">
-            <a:schemeClr val="lt1"/>
-          </a:fontRef>
-        </p:style>
-        <p:txBody>
-          <a:bodyPr rtlCol="0" anchor="ctr"/>
-          <a:lstStyle/>
-          <a:p>
-            <a:pPr algn="ctr"/>
-            <a:endParaRPr lang="en-US"/>
-          </a:p>
-        </p:txBody>
-      </p:sp>
-      <p:sp>
-        <p:nvSpPr>
-          <p:cNvPr id="10" name="Rectangle: Rounded Corners 9">
-            <a:extLst>
-              <a:ext uri="{FF2B5EF4-FFF2-40B4-BE49-F238E27FC236}">
-                <a16:creationId xmlns:a16="http://schemas.microsoft.com/office/drawing/2014/main" id="{61D60E67-C829-5C20-BD6B-0869F68DC72A}"/>
-              </a:ext>
-            </a:extLst>
-          </p:cNvPr>
-          <p:cNvSpPr/>
-          <p:nvPr/>
-        </p:nvSpPr>
-        <p:spPr>
-          <a:xfrm>
-            <a:off x="6614553" y="3621702"/>
-            <a:ext cx="786384" cy="785096"/>
-          </a:xfrm>
-          <a:prstGeom prst="roundRect">
-            <a:avLst/>
-          </a:prstGeom>
-        </p:spPr>
-        <p:style>
-          <a:lnRef idx="2">
-            <a:schemeClr val="accent5">
-              <a:shade val="50000"/>
-            </a:schemeClr>
-          </a:lnRef>
-          <a:fillRef idx="1">
-            <a:schemeClr val="accent5"/>
-          </a:fillRef>
-          <a:effectRef idx="0">
-            <a:schemeClr val="accent5"/>
-          </a:effectRef>
-          <a:fontRef idx="minor">
-            <a:schemeClr val="lt1"/>
-          </a:fontRef>
-        </p:style>
-        <p:txBody>
-          <a:bodyPr rtlCol="0" anchor="ctr"/>
-          <a:lstStyle/>
-          <a:p>
-            <a:pPr algn="ctr"/>
-            <a:endParaRPr lang="en-US"/>
-          </a:p>
-        </p:txBody>
-      </p:sp>
-      <p:sp>
-        <p:nvSpPr>
-          <p:cNvPr id="11" name="Rectangle: Rounded Corners 10">
-            <a:extLst>
-              <a:ext uri="{FF2B5EF4-FFF2-40B4-BE49-F238E27FC236}">
-                <a16:creationId xmlns:a16="http://schemas.microsoft.com/office/drawing/2014/main" id="{3B407BA1-0D73-C664-707E-381CBB7D301F}"/>
-              </a:ext>
-            </a:extLst>
-          </p:cNvPr>
-          <p:cNvSpPr/>
-          <p:nvPr/>
-        </p:nvSpPr>
-        <p:spPr>
-          <a:xfrm>
-            <a:off x="9765694" y="2712219"/>
-            <a:ext cx="786384" cy="785096"/>
-          </a:xfrm>
-          <a:prstGeom prst="roundRect">
-            <a:avLst/>
-          </a:prstGeom>
-          <a:noFill/>
-          <a:ln w="9525" cap="flat" cmpd="sng" algn="ctr">
-            <a:solidFill>
-              <a:schemeClr val="accent6"/>
-            </a:solidFill>
-            <a:prstDash val="solid"/>
-            <a:round/>
-            <a:headEnd type="none" w="med" len="med"/>
-            <a:tailEnd type="none" w="med" len="med"/>
-          </a:ln>
-        </p:spPr>
-        <p:style>
-          <a:lnRef idx="0">
-            <a:scrgbClr r="0" g="0" b="0"/>
-          </a:lnRef>
-          <a:fillRef idx="0">
-            <a:scrgbClr r="0" g="0" b="0"/>
-          </a:fillRef>
-          <a:effectRef idx="0">
-            <a:scrgbClr r="0" g="0" b="0"/>
-          </a:effectRef>
-          <a:fontRef idx="minor">
-            <a:schemeClr val="accent6"/>
-          </a:fontRef>
-        </p:style>
-        <p:txBody>
-          <a:bodyPr rtlCol="0" anchor="ctr"/>
-          <a:lstStyle/>
-          <a:p>
-            <a:pPr algn="ctr"/>
-            <a:endParaRPr lang="en-US"/>
-          </a:p>
-        </p:txBody>
-      </p:sp>
-      <p:sp>
-        <p:nvSpPr>
-          <p:cNvPr id="12" name="Rectangle: Rounded Corners 11">
-            <a:extLst>
-              <a:ext uri="{FF2B5EF4-FFF2-40B4-BE49-F238E27FC236}">
-                <a16:creationId xmlns:a16="http://schemas.microsoft.com/office/drawing/2014/main" id="{CE0BBABC-30EE-CBE5-2173-84CF12048B8E}"/>
-              </a:ext>
-            </a:extLst>
-          </p:cNvPr>
-          <p:cNvSpPr/>
-          <p:nvPr/>
-        </p:nvSpPr>
-        <p:spPr>
-          <a:xfrm>
-            <a:off x="8950748" y="4145782"/>
-            <a:ext cx="786384" cy="785096"/>
-          </a:xfrm>
-          <a:prstGeom prst="roundRect">
-            <a:avLst/>
-          </a:prstGeom>
-          <a:solidFill>
-            <a:schemeClr val="accent6">
-              <a:alpha val="50000"/>
-            </a:schemeClr>
-          </a:solidFill>
-          <a:ln>
-            <a:noFill/>
-          </a:ln>
-        </p:spPr>
-        <p:style>
-          <a:lnRef idx="0">
-            <a:scrgbClr r="0" g="0" b="0"/>
-          </a:lnRef>
-          <a:fillRef idx="0">
-            <a:scrgbClr r="0" g="0" b="0"/>
-          </a:fillRef>
-          <a:effectRef idx="0">
-            <a:scrgbClr r="0" g="0" b="0"/>
-          </a:effectRef>
-          <a:fontRef idx="minor">
-            <a:schemeClr val="lt1"/>
-          </a:fontRef>
-        </p:style>
-        <p:txBody>
-          <a:bodyPr rtlCol="0" anchor="ctr"/>
-          <a:lstStyle/>
-          <a:p>
-            <a:pPr algn="ctr"/>
-            <a:endParaRPr lang="en-US"/>
-          </a:p>
-        </p:txBody>
-      </p:sp>
-      <p:sp>
-        <p:nvSpPr>
-          <p:cNvPr id="13" name="Rectangle: Rounded Corners 12">
-            <a:extLst>
-              <a:ext uri="{FF2B5EF4-FFF2-40B4-BE49-F238E27FC236}">
-                <a16:creationId xmlns:a16="http://schemas.microsoft.com/office/drawing/2014/main" id="{8030DC82-104C-D4D0-6FF2-A677FA9BEB4A}"/>
-              </a:ext>
-            </a:extLst>
-          </p:cNvPr>
-          <p:cNvSpPr/>
-          <p:nvPr/>
-        </p:nvSpPr>
-        <p:spPr>
-          <a:xfrm>
-            <a:off x="98322" y="5863149"/>
-            <a:ext cx="1248697" cy="785096"/>
-          </a:xfrm>
-          <a:prstGeom prst="roundRect">
-            <a:avLst/>
-          </a:prstGeom>
-          <a:noFill/>
-          <a:ln w="9525" cap="flat" cmpd="sng" algn="ctr">
-            <a:solidFill>
-              <a:schemeClr val="accent4"/>
-            </a:solidFill>
-            <a:prstDash val="solid"/>
-            <a:round/>
-            <a:headEnd type="none" w="med" len="med"/>
-            <a:tailEnd type="none" w="med" len="med"/>
-          </a:ln>
-        </p:spPr>
-        <p:style>
-          <a:lnRef idx="0">
-            <a:scrgbClr r="0" g="0" b="0"/>
-          </a:lnRef>
-          <a:fillRef idx="0">
-            <a:scrgbClr r="0" g="0" b="0"/>
-          </a:fillRef>
-          <a:effectRef idx="0">
-            <a:scrgbClr r="0" g="0" b="0"/>
-          </a:effectRef>
-          <a:fontRef idx="minor">
-            <a:schemeClr val="accent4"/>
-          </a:fontRef>
-        </p:style>
-        <p:txBody>
-          <a:bodyPr rtlCol="0" anchor="ctr"/>
-          <a:lstStyle/>
-          <a:p>
-            <a:pPr algn="ctr"/>
-            <a:r>
-              <a:rPr lang="en-US" dirty="0"/>
-              <a:t>Debug Menu</a:t>
-            </a:r>
-          </a:p>
-        </p:txBody>
-      </p:sp>
-      <p:sp>
-        <p:nvSpPr>
-          <p:cNvPr id="14" name="Rectangle: Rounded Corners 13">
-            <a:extLst>
-              <a:ext uri="{FF2B5EF4-FFF2-40B4-BE49-F238E27FC236}">
-                <a16:creationId xmlns:a16="http://schemas.microsoft.com/office/drawing/2014/main" id="{612702E2-B096-DF2E-5051-7ED456E78E02}"/>
-              </a:ext>
-            </a:extLst>
-          </p:cNvPr>
-          <p:cNvSpPr/>
-          <p:nvPr/>
-        </p:nvSpPr>
-        <p:spPr>
-          <a:xfrm>
-            <a:off x="9103148" y="4298182"/>
-            <a:ext cx="786384" cy="785096"/>
-          </a:xfrm>
-          <a:prstGeom prst="roundRect">
-            <a:avLst/>
-          </a:prstGeom>
-          <a:solidFill>
-            <a:schemeClr val="accent6">
-              <a:alpha val="50000"/>
-            </a:schemeClr>
-          </a:solidFill>
-          <a:ln>
-            <a:noFill/>
-          </a:ln>
-        </p:spPr>
-        <p:style>
-          <a:lnRef idx="0">
-            <a:scrgbClr r="0" g="0" b="0"/>
-          </a:lnRef>
-          <a:fillRef idx="0">
-            <a:scrgbClr r="0" g="0" b="0"/>
-          </a:fillRef>
-          <a:effectRef idx="0">
-            <a:scrgbClr r="0" g="0" b="0"/>
-          </a:effectRef>
-          <a:fontRef idx="minor">
-            <a:schemeClr val="lt1"/>
-          </a:fontRef>
-        </p:style>
-        <p:txBody>
-          <a:bodyPr rtlCol="0" anchor="ctr"/>
-          <a:lstStyle/>
-          <a:p>
-            <a:pPr algn="ctr"/>
-            <a:endParaRPr lang="en-US"/>
-          </a:p>
-        </p:txBody>
-      </p:sp>
-      <p:sp>
-        <p:nvSpPr>
-          <p:cNvPr id="15" name="Rectangle: Rounded Corners 14">
-            <a:extLst>
-              <a:ext uri="{FF2B5EF4-FFF2-40B4-BE49-F238E27FC236}">
-                <a16:creationId xmlns:a16="http://schemas.microsoft.com/office/drawing/2014/main" id="{DD3C3E6C-1AE1-9FB7-54C0-303107D83E26}"/>
-              </a:ext>
-            </a:extLst>
-          </p:cNvPr>
-          <p:cNvSpPr/>
-          <p:nvPr/>
-        </p:nvSpPr>
-        <p:spPr>
-          <a:xfrm>
-            <a:off x="1460090" y="5863149"/>
-            <a:ext cx="786384" cy="785096"/>
-          </a:xfrm>
-          <a:prstGeom prst="roundRect">
-            <a:avLst/>
-          </a:prstGeom>
-          <a:noFill/>
-          <a:ln w="9525" cap="flat" cmpd="sng" algn="ctr">
-            <a:solidFill>
-              <a:schemeClr val="accent5"/>
-            </a:solidFill>
-            <a:prstDash val="solid"/>
-            <a:round/>
-            <a:headEnd type="none" w="med" len="med"/>
-            <a:tailEnd type="none" w="med" len="med"/>
-          </a:ln>
-        </p:spPr>
-        <p:style>
-          <a:lnRef idx="0">
-            <a:scrgbClr r="0" g="0" b="0"/>
-          </a:lnRef>
-          <a:fillRef idx="0">
-            <a:scrgbClr r="0" g="0" b="0"/>
-          </a:fillRef>
-          <a:effectRef idx="0">
-            <a:scrgbClr r="0" g="0" b="0"/>
-          </a:effectRef>
-          <a:fontRef idx="minor">
-            <a:schemeClr val="accent5"/>
-          </a:fontRef>
-        </p:style>
-        <p:txBody>
-          <a:bodyPr rtlCol="0" anchor="ctr"/>
-          <a:lstStyle/>
-          <a:p>
-            <a:pPr algn="ctr"/>
-            <a:r>
-              <a:rPr lang="en-US" dirty="0"/>
-              <a:t>Play</a:t>
-            </a:r>
-          </a:p>
-        </p:txBody>
-      </p:sp>
-      <p:sp>
-        <p:nvSpPr>
-          <p:cNvPr id="16" name="Rectangle: Rounded Corners 15">
-            <a:hlinkClick r:id="" action="ppaction://hlinkshowjump?jump=nextslide">
-              <a:snd r:embed="rId4" name="blipSelect.wav"/>
-            </a:hlinkClick>
-            <a:hlinkHover r:id="" action="ppaction://noaction">
-              <a:snd r:embed="rId5" name="click.wav"/>
-            </a:hlinkHover>
-            <a:extLst>
-              <a:ext uri="{FF2B5EF4-FFF2-40B4-BE49-F238E27FC236}">
-                <a16:creationId xmlns:a16="http://schemas.microsoft.com/office/drawing/2014/main" id="{F7D84255-CA40-CB76-C25E-C79A8E19786F}"/>
-              </a:ext>
-            </a:extLst>
-          </p:cNvPr>
-          <p:cNvSpPr/>
-          <p:nvPr/>
-        </p:nvSpPr>
-        <p:spPr>
-          <a:xfrm>
-            <a:off x="98321" y="4968413"/>
-            <a:ext cx="1248697" cy="785096"/>
-          </a:xfrm>
-          <a:prstGeom prst="roundRect">
-            <a:avLst/>
-          </a:prstGeom>
-        </p:spPr>
-        <p:style>
-          <a:lnRef idx="1">
-            <a:schemeClr val="accent3"/>
-          </a:lnRef>
-          <a:fillRef idx="2">
-            <a:schemeClr val="accent3"/>
-          </a:fillRef>
-          <a:effectRef idx="1">
-            <a:schemeClr val="accent3"/>
-          </a:effectRef>
-          <a:fontRef idx="minor">
-            <a:schemeClr val="dk1"/>
-          </a:fontRef>
-        </p:style>
-        <p:txBody>
-          <a:bodyPr rtlCol="0" anchor="ctr"/>
-          <a:lstStyle/>
-          <a:p>
-            <a:pPr algn="ctr"/>
-            <a:r>
-              <a:rPr lang="en-US" dirty="0"/>
-              <a:t>Tutorial</a:t>
-            </a:r>
-          </a:p>
-        </p:txBody>
-      </p:sp>
-      <p:sp>
-        <p:nvSpPr>
-          <p:cNvPr id="7" name="Cross 6">
-            <a:hlinkClick r:id="" action="ppaction://hlinkshowjump?jump=endshow"/>
-            <a:extLst>
-              <a:ext uri="{FF2B5EF4-FFF2-40B4-BE49-F238E27FC236}">
-                <a16:creationId xmlns:a16="http://schemas.microsoft.com/office/drawing/2014/main" id="{02BAFB29-E4A9-A96D-E536-96414EC78661}"/>
-              </a:ext>
-            </a:extLst>
-          </p:cNvPr>
-          <p:cNvSpPr/>
-          <p:nvPr/>
-        </p:nvSpPr>
-        <p:spPr>
-          <a:xfrm rot="2700000">
-            <a:off x="11401144" y="222406"/>
-            <a:ext cx="534574" cy="541387"/>
-          </a:xfrm>
-          <a:prstGeom prst="plus">
-            <a:avLst>
-              <a:gd name="adj" fmla="val 38441"/>
-            </a:avLst>
-          </a:prstGeom>
-        </p:spPr>
-        <p:style>
-          <a:lnRef idx="2">
-            <a:schemeClr val="accent5">
-              <a:shade val="50000"/>
-            </a:schemeClr>
-          </a:lnRef>
-          <a:fillRef idx="1">
-            <a:schemeClr val="accent5"/>
-          </a:fillRef>
-          <a:effectRef idx="0">
-            <a:schemeClr val="accent5"/>
-          </a:effectRef>
-          <a:fontRef idx="minor">
-            <a:schemeClr val="lt1"/>
-          </a:fontRef>
-        </p:style>
-        <p:txBody>
-          <a:bodyPr rtlCol="0" anchor="ctr"/>
-          <a:lstStyle/>
-          <a:p>
-            <a:pPr algn="ctr"/>
-            <a:endParaRPr lang="en-US"/>
-          </a:p>
-        </p:txBody>
-      </p:sp>
-      <p:sp>
-        <p:nvSpPr>
-          <p:cNvPr id="18" name="Rectangle: Rounded Corners 17">
-            <a:hlinkClick r:id="rId6" action="ppaction://hlinksldjump">
-              <a:snd r:embed="rId4" name="blipSelect.wav"/>
-            </a:hlinkClick>
-            <a:hlinkHover r:id="" action="ppaction://noaction">
-              <a:snd r:embed="rId5" name="click.wav"/>
-            </a:hlinkHover>
-            <a:extLst>
-              <a:ext uri="{FF2B5EF4-FFF2-40B4-BE49-F238E27FC236}">
-                <a16:creationId xmlns:a16="http://schemas.microsoft.com/office/drawing/2014/main" id="{0B45E584-EAFC-B52D-77C9-3CD0C2AB1E40}"/>
-              </a:ext>
-            </a:extLst>
-          </p:cNvPr>
-          <p:cNvSpPr/>
-          <p:nvPr/>
-        </p:nvSpPr>
-        <p:spPr>
-          <a:xfrm>
-            <a:off x="98322" y="4371719"/>
-            <a:ext cx="1248696" cy="498833"/>
-          </a:xfrm>
-          <a:prstGeom prst="roundRect">
-            <a:avLst/>
-          </a:prstGeom>
-          <a:ln>
-            <a:headEnd type="none" w="med" len="med"/>
-            <a:tailEnd type="none" w="med" len="med"/>
-          </a:ln>
-        </p:spPr>
-        <p:style>
-          <a:lnRef idx="1">
-            <a:schemeClr val="accent1"/>
-          </a:lnRef>
-          <a:fillRef idx="2">
-            <a:schemeClr val="accent1"/>
-          </a:fillRef>
-          <a:effectRef idx="1">
-            <a:schemeClr val="accent1"/>
-          </a:effectRef>
-          <a:fontRef idx="minor">
-            <a:schemeClr val="dk1"/>
-          </a:fontRef>
-        </p:style>
-        <p:txBody>
-          <a:bodyPr rtlCol="0" anchor="ctr"/>
-          <a:lstStyle/>
-          <a:p>
-            <a:pPr algn="ctr"/>
-            <a:r>
-              <a:rPr lang="en-US" dirty="0"/>
-              <a:t>Skip</a:t>
-            </a:r>
-          </a:p>
-        </p:txBody>
-      </p:sp>
-      <p:pic>
-        <p:nvPicPr>
-          <p:cNvPr id="21" name="menus">
-            <a:hlinkClick r:id="" action="ppaction://media"/>
-            <a:extLst>
-              <a:ext uri="{FF2B5EF4-FFF2-40B4-BE49-F238E27FC236}">
-                <a16:creationId xmlns:a16="http://schemas.microsoft.com/office/drawing/2014/main" id="{478E82F4-D90E-4221-17E9-B77309784E9C}"/>
+                <a16:creationId xmlns:a16="http://schemas.microsoft.com/office/drawing/2014/main" id="{D75F381E-DF66-7367-96A2-6364C7095E03}"/>
               </a:ext>
             </a:extLst>
           </p:cNvPr>
@@ -17993,14 +18129,14 @@
           </p:nvPr>
         </p:nvPicPr>
         <p:blipFill>
-          <a:blip r:embed="rId7"/>
+          <a:blip r:embed="rId8"/>
           <a:stretch>
             <a:fillRect/>
           </a:stretch>
         </p:blipFill>
         <p:spPr>
           <a:xfrm>
-            <a:off x="5871189" y="3184525"/>
+            <a:off x="11558014" y="6160882"/>
             <a:ext cx="487363" cy="487363"/>
           </a:xfrm>
           <a:prstGeom prst="rect">
@@ -18010,217 +18146,36 @@
       </p:pic>
       <p:sp>
         <p:nvSpPr>
-          <p:cNvPr id="23" name="Rectangle: Rounded Corners 22">
+          <p:cNvPr id="22" name="TextBox 21">
             <a:extLst>
               <a:ext uri="{FF2B5EF4-FFF2-40B4-BE49-F238E27FC236}">
-                <a16:creationId xmlns:a16="http://schemas.microsoft.com/office/drawing/2014/main" id="{69C38E67-223E-53A5-AF07-4EA10A8DA0DF}"/>
+                <a16:creationId xmlns:a16="http://schemas.microsoft.com/office/drawing/2014/main" id="{C86688B0-6318-682B-0DB0-E0426037C497}"/>
               </a:ext>
             </a:extLst>
           </p:cNvPr>
-          <p:cNvSpPr/>
+          <p:cNvSpPr txBox="1"/>
           <p:nvPr/>
         </p:nvSpPr>
         <p:spPr>
           <a:xfrm>
-            <a:off x="4916424" y="4057035"/>
-            <a:ext cx="786384" cy="785096"/>
-          </a:xfrm>
-          <a:prstGeom prst="roundRect">
+            <a:off x="5274332" y="577455"/>
+            <a:ext cx="1495859" cy="369332"/>
+          </a:xfrm>
+          <a:prstGeom prst="rect">
             <a:avLst/>
           </a:prstGeom>
           <a:noFill/>
-          <a:ln w="9525" cap="flat" cmpd="sng" algn="ctr">
-            <a:solidFill>
-              <a:schemeClr val="accent4"/>
-            </a:solidFill>
-            <a:prstDash val="solid"/>
-            <a:round/>
-            <a:headEnd type="none" w="med" len="med"/>
-            <a:tailEnd type="none" w="med" len="med"/>
-          </a:ln>
-        </p:spPr>
-        <p:style>
-          <a:lnRef idx="0">
-            <a:scrgbClr r="0" g="0" b="0"/>
-          </a:lnRef>
-          <a:fillRef idx="0">
-            <a:scrgbClr r="0" g="0" b="0"/>
-          </a:fillRef>
-          <a:effectRef idx="0">
-            <a:scrgbClr r="0" g="0" b="0"/>
-          </a:effectRef>
-          <a:fontRef idx="minor">
-            <a:schemeClr val="accent4"/>
-          </a:fontRef>
-        </p:style>
-        <p:txBody>
-          <a:bodyPr rtlCol="0" anchor="ctr"/>
-          <a:lstStyle/>
-          <a:p>
-            <a:pPr algn="ctr"/>
-            <a:endParaRPr lang="en-US"/>
-          </a:p>
-        </p:txBody>
-      </p:sp>
-      <p:sp>
-        <p:nvSpPr>
-          <p:cNvPr id="5" name="Freeform: Shape 4">
-            <a:hlinkClick r:id="rId8" action="ppaction://hlinksldjump"/>
-            <a:extLst>
-              <a:ext uri="{FF2B5EF4-FFF2-40B4-BE49-F238E27FC236}">
-                <a16:creationId xmlns:a16="http://schemas.microsoft.com/office/drawing/2014/main" id="{DCE7D27B-03BD-8A2D-78A9-0B93FA709EB5}"/>
-              </a:ext>
-            </a:extLst>
-          </p:cNvPr>
-          <p:cNvSpPr/>
-          <p:nvPr/>
-        </p:nvSpPr>
-        <p:spPr>
-          <a:xfrm>
-            <a:off x="143159" y="209755"/>
-            <a:ext cx="365760" cy="365760"/>
-          </a:xfrm>
-          <a:custGeom>
-            <a:avLst/>
-            <a:gdLst>
-              <a:gd name="connsiteX0" fmla="*/ 10391 w 935182"/>
-              <a:gd name="connsiteY0" fmla="*/ 290946 h 935182"/>
-              <a:gd name="connsiteX1" fmla="*/ 280555 w 935182"/>
-              <a:gd name="connsiteY1" fmla="*/ 0 h 935182"/>
-              <a:gd name="connsiteX2" fmla="*/ 727364 w 935182"/>
-              <a:gd name="connsiteY2" fmla="*/ 20782 h 935182"/>
-              <a:gd name="connsiteX3" fmla="*/ 935182 w 935182"/>
-              <a:gd name="connsiteY3" fmla="*/ 301336 h 935182"/>
-              <a:gd name="connsiteX4" fmla="*/ 904009 w 935182"/>
-              <a:gd name="connsiteY4" fmla="*/ 935182 h 935182"/>
-              <a:gd name="connsiteX5" fmla="*/ 0 w 935182"/>
-              <a:gd name="connsiteY5" fmla="*/ 914400 h 935182"/>
-              <a:gd name="connsiteX6" fmla="*/ 10391 w 935182"/>
-              <a:gd name="connsiteY6" fmla="*/ 436418 h 935182"/>
-              <a:gd name="connsiteX7" fmla="*/ 779318 w 935182"/>
-              <a:gd name="connsiteY7" fmla="*/ 457200 h 935182"/>
-              <a:gd name="connsiteX8" fmla="*/ 665018 w 935182"/>
-              <a:gd name="connsiteY8" fmla="*/ 218209 h 935182"/>
-              <a:gd name="connsiteX9" fmla="*/ 301336 w 935182"/>
-              <a:gd name="connsiteY9" fmla="*/ 166255 h 935182"/>
-              <a:gd name="connsiteX10" fmla="*/ 166255 w 935182"/>
-              <a:gd name="connsiteY10" fmla="*/ 374073 h 935182"/>
-              <a:gd name="connsiteX11" fmla="*/ 62346 w 935182"/>
-              <a:gd name="connsiteY11" fmla="*/ 384464 h 935182"/>
-              <a:gd name="connsiteX12" fmla="*/ 10391 w 935182"/>
-              <a:gd name="connsiteY12" fmla="*/ 290946 h 935182"/>
-            </a:gdLst>
-            <a:ahLst/>
-            <a:cxnLst>
-              <a:cxn ang="0">
-                <a:pos x="connsiteX0" y="connsiteY0"/>
-              </a:cxn>
-              <a:cxn ang="0">
-                <a:pos x="connsiteX1" y="connsiteY1"/>
-              </a:cxn>
-              <a:cxn ang="0">
-                <a:pos x="connsiteX2" y="connsiteY2"/>
-              </a:cxn>
-              <a:cxn ang="0">
-                <a:pos x="connsiteX3" y="connsiteY3"/>
-              </a:cxn>
-              <a:cxn ang="0">
-                <a:pos x="connsiteX4" y="connsiteY4"/>
-              </a:cxn>
-              <a:cxn ang="0">
-                <a:pos x="connsiteX5" y="connsiteY5"/>
-              </a:cxn>
-              <a:cxn ang="0">
-                <a:pos x="connsiteX6" y="connsiteY6"/>
-              </a:cxn>
-              <a:cxn ang="0">
-                <a:pos x="connsiteX7" y="connsiteY7"/>
-              </a:cxn>
-              <a:cxn ang="0">
-                <a:pos x="connsiteX8" y="connsiteY8"/>
-              </a:cxn>
-              <a:cxn ang="0">
-                <a:pos x="connsiteX9" y="connsiteY9"/>
-              </a:cxn>
-              <a:cxn ang="0">
-                <a:pos x="connsiteX10" y="connsiteY10"/>
-              </a:cxn>
-              <a:cxn ang="0">
-                <a:pos x="connsiteX11" y="connsiteY11"/>
-              </a:cxn>
-              <a:cxn ang="0">
-                <a:pos x="connsiteX12" y="connsiteY12"/>
-              </a:cxn>
-            </a:cxnLst>
-            <a:rect l="l" t="t" r="r" b="b"/>
-            <a:pathLst>
-              <a:path w="935182" h="935182">
-                <a:moveTo>
-                  <a:pt x="10391" y="290946"/>
-                </a:moveTo>
-                <a:lnTo>
-                  <a:pt x="280555" y="0"/>
-                </a:lnTo>
-                <a:lnTo>
-                  <a:pt x="727364" y="20782"/>
-                </a:lnTo>
-                <a:lnTo>
-                  <a:pt x="935182" y="301336"/>
-                </a:lnTo>
-                <a:lnTo>
-                  <a:pt x="904009" y="935182"/>
-                </a:lnTo>
-                <a:lnTo>
-                  <a:pt x="0" y="914400"/>
-                </a:lnTo>
-                <a:lnTo>
-                  <a:pt x="10391" y="436418"/>
-                </a:lnTo>
-                <a:lnTo>
-                  <a:pt x="779318" y="457200"/>
-                </a:lnTo>
-                <a:lnTo>
-                  <a:pt x="665018" y="218209"/>
-                </a:lnTo>
-                <a:lnTo>
-                  <a:pt x="301336" y="166255"/>
-                </a:lnTo>
-                <a:lnTo>
-                  <a:pt x="166255" y="374073"/>
-                </a:lnTo>
-                <a:lnTo>
-                  <a:pt x="62346" y="384464"/>
-                </a:lnTo>
-                <a:lnTo>
-                  <a:pt x="10391" y="290946"/>
-                </a:lnTo>
-                <a:close/>
-              </a:path>
-            </a:pathLst>
-          </a:custGeom>
-        </p:spPr>
-        <p:style>
-          <a:lnRef idx="2">
-            <a:schemeClr val="accent5">
-              <a:shade val="50000"/>
-            </a:schemeClr>
-          </a:lnRef>
-          <a:fillRef idx="1">
-            <a:schemeClr val="accent5"/>
-          </a:fillRef>
-          <a:effectRef idx="0">
-            <a:schemeClr val="accent5"/>
-          </a:effectRef>
-          <a:fontRef idx="minor">
-            <a:schemeClr val="lt1"/>
-          </a:fontRef>
-        </p:style>
-        <p:txBody>
-          <a:bodyPr rtlCol="0" anchor="ctr"/>
-          <a:lstStyle/>
-          <a:p>
-            <a:pPr algn="ctr"/>
-            <a:endParaRPr lang="en-US"/>
+        </p:spPr>
+        <p:txBody>
+          <a:bodyPr wrap="none" rtlCol="0">
+            <a:spAutoFit/>
+          </a:bodyPr>
+          <a:lstStyle/>
+          <a:p>
+            <a:r>
+              <a:rPr lang="en-US" dirty="0"/>
+              <a:t>Version 1.1</a:t>
+            </a:r>
           </a:p>
         </p:txBody>
       </p:sp>
@@ -18234,13 +18189,13 @@
   <p:clrMapOvr>
     <a:masterClrMapping/>
   </p:clrMapOvr>
-  <mc:AlternateContent xmlns:mc="http://schemas.openxmlformats.org/markup-compatibility/2006">
-    <mc:Choice xmlns:p14="http://schemas.microsoft.com/office/powerpoint/2010/main" Requires="p14">
+  <mc:AlternateContent xmlns:mc="http://schemas.openxmlformats.org/markup-compatibility/2006" xmlns:p14="http://schemas.microsoft.com/office/powerpoint/2010/main">
+    <mc:Choice Requires="p14">
       <p:transition spd="med">
         <p14:honeycomb/>
       </p:transition>
     </mc:Choice>
-    <mc:Fallback>
+    <mc:Fallback xmlns="">
       <p:transition spd="med">
         <p:fade/>
       </p:transition>
@@ -18270,14 +18225,31 @@
                             </p:stCondLst>
                             <p:childTnLst>
                               <p:par>
-                                <p:cTn id="5" presetID="27" presetClass="emph" presetSubtype="0" repeatCount="indefinite" fill="remove" grpId="0" nodeType="withEffect">
+                                <p:cTn id="5" presetID="1" presetClass="mediacall" presetSubtype="0" fill="hold" nodeType="afterEffect">
+                                  <p:stCondLst>
+                                    <p:cond delay="0"/>
+                                  </p:stCondLst>
+                                  <p:childTnLst>
+                                    <p:cmd type="call" cmd="playFrom(0.0)">
+                                      <p:cBhvr>
+                                        <p:cTn id="6" dur="61570" fill="hold"/>
+                                        <p:tgtEl>
+                                          <p:spTgt spid="20"/>
+                                        </p:tgtEl>
+                                      </p:cBhvr>
+                                    </p:cmd>
+                                  </p:childTnLst>
+                                </p:cTn>
+                              </p:par>
+                              <p:par>
+                                <p:cTn id="7" presetID="27" presetClass="emph" presetSubtype="0" repeatCount="indefinite" fill="remove" grpId="0" nodeType="withEffect">
                                   <p:stCondLst>
                                     <p:cond delay="0"/>
                                   </p:stCondLst>
                                   <p:childTnLst>
                                     <p:animClr clrSpc="rgb" dir="cw">
                                       <p:cBhvr override="childStyle">
-                                        <p:cTn id="6" dur="250" autoRev="1" fill="remove"/>
+                                        <p:cTn id="8" dur="250" autoRev="1" fill="remove"/>
                                         <p:tgtEl>
                                           <p:spTgt spid="9"/>
                                         </p:tgtEl>
@@ -18291,7 +18263,7 @@
                                     </p:animClr>
                                     <p:animClr clrSpc="rgb" dir="cw">
                                       <p:cBhvr>
-                                        <p:cTn id="7" dur="250" autoRev="1" fill="remove"/>
+                                        <p:cTn id="9" dur="250" autoRev="1" fill="remove"/>
                                         <p:tgtEl>
                                           <p:spTgt spid="9"/>
                                         </p:tgtEl>
@@ -18305,7 +18277,7 @@
                                     </p:animClr>
                                     <p:set>
                                       <p:cBhvr>
-                                        <p:cTn id="8" dur="250" autoRev="1" fill="remove"/>
+                                        <p:cTn id="10" dur="250" autoRev="1" fill="remove"/>
                                         <p:tgtEl>
                                           <p:spTgt spid="9"/>
                                         </p:tgtEl>
@@ -18319,7 +18291,7 @@
                                     </p:set>
                                     <p:set>
                                       <p:cBhvr>
-                                        <p:cTn id="9" dur="250" autoRev="1" fill="remove"/>
+                                        <p:cTn id="11" dur="250" autoRev="1" fill="remove"/>
                                         <p:tgtEl>
                                           <p:spTgt spid="9"/>
                                         </p:tgtEl>
@@ -18331,32 +18303,6 @@
                                         <p:strVal val="true"/>
                                       </p:to>
                                     </p:set>
-                                  </p:childTnLst>
-                                </p:cTn>
-                              </p:par>
-                            </p:childTnLst>
-                          </p:cTn>
-                        </p:par>
-                        <p:par>
-                          <p:cTn id="10" fill="hold">
-                            <p:stCondLst>
-                              <p:cond delay="500"/>
-                            </p:stCondLst>
-                            <p:childTnLst>
-                              <p:par>
-                                <p:cTn id="11" presetID="1" presetClass="mediacall" presetSubtype="0" fill="hold" nodeType="afterEffect">
-                                  <p:stCondLst>
-                                    <p:cond delay="0"/>
-                                  </p:stCondLst>
-                                  <p:childTnLst>
-                                    <p:cmd type="call" cmd="playFrom(0.0)">
-                                      <p:cBhvr>
-                                        <p:cTn id="12" dur="1" fill="hold"/>
-                                        <p:tgtEl>
-                                          <p:spTgt spid="21"/>
-                                        </p:tgtEl>
-                                      </p:cBhvr>
-                                    </p:cmd>
                                   </p:childTnLst>
                                 </p:cTn>
                               </p:par>
@@ -18384,8 +18330,8 @@
               </p:nextCondLst>
             </p:seq>
             <p:audio>
-              <p:cMediaNode vol="80000" numSld="999" showWhenStopped="0">
-                <p:cTn id="13" repeatCount="indefinite" fill="hold" display="0">
+              <p:cMediaNode vol="80000">
+                <p:cTn id="12" repeatCount="indefinite" fill="hold" display="0">
                   <p:stCondLst>
                     <p:cond delay="indefinite"/>
                   </p:stCondLst>
@@ -18398,7 +18344,7 @@
                   </p:endCondLst>
                 </p:cTn>
                 <p:tgtEl>
-                  <p:spTgt spid="21"/>
+                  <p:spTgt spid="20"/>
                 </p:tgtEl>
               </p:cMediaNode>
             </p:audio>
